--- a/Tree leaf recognition.pptx
+++ b/Tree leaf recognition.pptx
@@ -106,6 +106,11 @@
       </a:defRPr>
     </a:lvl9pPr>
   </p:defaultTextStyle>
+  <p:extLst>
+    <p:ext uri="{EFAFB233-063F-42B5-8137-9DF3F51BA10A}">
+      <p15:sldGuideLst xmlns:p15="http://schemas.microsoft.com/office/powerpoint/2012/main"/>
+    </p:ext>
+  </p:extLst>
 </p:presentation>
 </file>
 
@@ -3660,6 +3665,36 @@
           </a:p>
         </p:txBody>
       </p:sp>
+      <p:pic>
+        <p:nvPicPr>
+          <p:cNvPr id="3" name="Grafik 2">
+            <a:extLst>
+              <a:ext uri="{FF2B5EF4-FFF2-40B4-BE49-F238E27FC236}">
+                <a16:creationId xmlns:a16="http://schemas.microsoft.com/office/drawing/2014/main" id="{A153F2A4-6A5E-83AD-E10C-85A00D6AF4DA}"/>
+              </a:ext>
+            </a:extLst>
+          </p:cNvPr>
+          <p:cNvPicPr>
+            <a:picLocks noChangeAspect="1"/>
+          </p:cNvPicPr>
+          <p:nvPr/>
+        </p:nvPicPr>
+        <p:blipFill>
+          <a:blip r:embed="rId2"/>
+          <a:stretch>
+            <a:fillRect/>
+          </a:stretch>
+        </p:blipFill>
+        <p:spPr>
+          <a:xfrm>
+            <a:off x="7171827" y="1773323"/>
+            <a:ext cx="4011038" cy="4051306"/>
+          </a:xfrm>
+          <a:prstGeom prst="rect">
+            <a:avLst/>
+          </a:prstGeom>
+        </p:spPr>
+      </p:pic>
     </p:spTree>
     <p:extLst>
       <p:ext uri="{BB962C8B-B14F-4D97-AF65-F5344CB8AC3E}">
@@ -3719,31 +3754,35 @@
           </a:p>
         </p:txBody>
       </p:sp>
-      <p:sp>
-        <p:nvSpPr>
-          <p:cNvPr id="3" name="Inhaltsplatzhalter 2">
+      <p:pic>
+        <p:nvPicPr>
+          <p:cNvPr id="4" name="Grafik 3" descr="Ein Bild, das Text, Screenshot, Schrift, Zahl enthält.&#10;&#10;Automatisch generierte Beschreibung">
             <a:extLst>
               <a:ext uri="{FF2B5EF4-FFF2-40B4-BE49-F238E27FC236}">
-                <a16:creationId xmlns:a16="http://schemas.microsoft.com/office/drawing/2014/main" id="{B1A5DB42-E95B-4D02-BBAF-75B5226CDB51}"/>
+                <a16:creationId xmlns:a16="http://schemas.microsoft.com/office/drawing/2014/main" id="{0671F7DF-BCE3-99D6-79B6-20CD3AEA0C52}"/>
               </a:ext>
             </a:extLst>
           </p:cNvPr>
-          <p:cNvSpPr>
-            <a:spLocks noGrp="1"/>
-          </p:cNvSpPr>
-          <p:nvPr>
-            <p:ph idx="1"/>
-          </p:nvPr>
-        </p:nvSpPr>
-        <p:spPr/>
-        <p:txBody>
-          <a:bodyPr/>
-          <a:lstStyle/>
-          <a:p>
-            <a:endParaRPr lang="de-DE"/>
-          </a:p>
-        </p:txBody>
-      </p:sp>
+          <p:cNvPicPr>
+            <a:picLocks noChangeAspect="1"/>
+          </p:cNvPicPr>
+          <p:nvPr/>
+        </p:nvPicPr>
+        <p:blipFill rotWithShape="1">
+          <a:blip r:embed="rId2"/>
+          <a:srcRect b="3478"/>
+          <a:stretch/>
+        </p:blipFill>
+        <p:spPr>
+          <a:xfrm>
+            <a:off x="5944262" y="1692460"/>
+            <a:ext cx="5568776" cy="4115216"/>
+          </a:xfrm>
+          <a:prstGeom prst="rect">
+            <a:avLst/>
+          </a:prstGeom>
+        </p:spPr>
+      </p:pic>
     </p:spTree>
     <p:extLst>
       <p:ext uri="{BB962C8B-B14F-4D97-AF65-F5344CB8AC3E}">

--- a/Tree leaf recognition.pptx
+++ b/Tree leaf recognition.pptx
@@ -1,13 +1,23 @@
 
 <file path=ppt/presentation.xml><?xml version="1.0" encoding="utf-8"?>
-<p:presentation xmlns:a="http://schemas.openxmlformats.org/drawingml/2006/main" xmlns:r="http://schemas.openxmlformats.org/officeDocument/2006/relationships" xmlns:p="http://schemas.openxmlformats.org/presentationml/2006/main" saveSubsetFonts="1">
+<p:presentation xmlns:a="http://schemas.openxmlformats.org/drawingml/2006/main" xmlns:r="http://schemas.openxmlformats.org/officeDocument/2006/relationships" xmlns:p="http://schemas.openxmlformats.org/presentationml/2006/main" showSpecialPlsOnTitleSld="0" saveSubsetFonts="1">
   <p:sldMasterIdLst>
     <p:sldMasterId id="2147483660" r:id="rId1"/>
   </p:sldMasterIdLst>
+  <p:notesMasterIdLst>
+    <p:notesMasterId r:id="rId12"/>
+  </p:notesMasterIdLst>
   <p:sldIdLst>
     <p:sldId id="256" r:id="rId2"/>
     <p:sldId id="257" r:id="rId3"/>
     <p:sldId id="258" r:id="rId4"/>
+    <p:sldId id="265" r:id="rId5"/>
+    <p:sldId id="260" r:id="rId6"/>
+    <p:sldId id="261" r:id="rId7"/>
+    <p:sldId id="259" r:id="rId8"/>
+    <p:sldId id="262" r:id="rId9"/>
+    <p:sldId id="263" r:id="rId10"/>
+    <p:sldId id="264" r:id="rId11"/>
   </p:sldIdLst>
   <p:sldSz cx="12192000" cy="6858000"/>
   <p:notesSz cx="6858000" cy="9144000"/>
@@ -114,6 +124,355 @@
 </p:presentation>
 </file>
 
+<file path=ppt/notesMasters/notesMaster1.xml><?xml version="1.0" encoding="utf-8"?>
+<p:notesMaster xmlns:a="http://schemas.openxmlformats.org/drawingml/2006/main" xmlns:r="http://schemas.openxmlformats.org/officeDocument/2006/relationships" xmlns:p="http://schemas.openxmlformats.org/presentationml/2006/main">
+  <p:cSld>
+    <p:bg>
+      <p:bgRef idx="1001">
+        <a:schemeClr val="bg1"/>
+      </p:bgRef>
+    </p:bg>
+    <p:spTree>
+      <p:nvGrpSpPr>
+        <p:cNvPr id="1" name=""/>
+        <p:cNvGrpSpPr/>
+        <p:nvPr/>
+      </p:nvGrpSpPr>
+      <p:grpSpPr>
+        <a:xfrm>
+          <a:off x="0" y="0"/>
+          <a:ext cx="0" cy="0"/>
+          <a:chOff x="0" y="0"/>
+          <a:chExt cx="0" cy="0"/>
+        </a:xfrm>
+      </p:grpSpPr>
+      <p:sp>
+        <p:nvSpPr>
+          <p:cNvPr id="2" name="Kopfzeilenplatzhalter 1"/>
+          <p:cNvSpPr>
+            <a:spLocks noGrp="1"/>
+          </p:cNvSpPr>
+          <p:nvPr>
+            <p:ph type="hdr" sz="quarter"/>
+          </p:nvPr>
+        </p:nvSpPr>
+        <p:spPr>
+          <a:xfrm>
+            <a:off x="0" y="0"/>
+            <a:ext cx="2971800" cy="458788"/>
+          </a:xfrm>
+          <a:prstGeom prst="rect">
+            <a:avLst/>
+          </a:prstGeom>
+        </p:spPr>
+        <p:txBody>
+          <a:bodyPr vert="horz" lIns="91440" tIns="45720" rIns="91440" bIns="45720" rtlCol="0"/>
+          <a:lstStyle>
+            <a:lvl1pPr algn="l">
+              <a:defRPr sz="1200"/>
+            </a:lvl1pPr>
+          </a:lstStyle>
+          <a:p>
+            <a:endParaRPr lang="de-DE"/>
+          </a:p>
+        </p:txBody>
+      </p:sp>
+      <p:sp>
+        <p:nvSpPr>
+          <p:cNvPr id="3" name="Datumsplatzhalter 2"/>
+          <p:cNvSpPr>
+            <a:spLocks noGrp="1"/>
+          </p:cNvSpPr>
+          <p:nvPr>
+            <p:ph type="dt" idx="1"/>
+          </p:nvPr>
+        </p:nvSpPr>
+        <p:spPr>
+          <a:xfrm>
+            <a:off x="3884613" y="0"/>
+            <a:ext cx="2971800" cy="458788"/>
+          </a:xfrm>
+          <a:prstGeom prst="rect">
+            <a:avLst/>
+          </a:prstGeom>
+        </p:spPr>
+        <p:txBody>
+          <a:bodyPr vert="horz" lIns="91440" tIns="45720" rIns="91440" bIns="45720" rtlCol="0"/>
+          <a:lstStyle>
+            <a:lvl1pPr algn="r">
+              <a:defRPr sz="1200"/>
+            </a:lvl1pPr>
+          </a:lstStyle>
+          <a:p>
+            <a:fld id="{E03D3E37-43D0-428B-B7FE-421AC194A595}" type="datetimeFigureOut">
+              <a:rPr lang="de-DE" smtClean="0"/>
+              <a:t>19.06.2023</a:t>
+            </a:fld>
+            <a:endParaRPr lang="de-DE"/>
+          </a:p>
+        </p:txBody>
+      </p:sp>
+      <p:sp>
+        <p:nvSpPr>
+          <p:cNvPr id="4" name="Folienbildplatzhalter 3"/>
+          <p:cNvSpPr>
+            <a:spLocks noGrp="1" noRot="1" noChangeAspect="1"/>
+          </p:cNvSpPr>
+          <p:nvPr>
+            <p:ph type="sldImg" idx="2"/>
+          </p:nvPr>
+        </p:nvSpPr>
+        <p:spPr>
+          <a:xfrm>
+            <a:off x="685800" y="1143000"/>
+            <a:ext cx="5486400" cy="3086100"/>
+          </a:xfrm>
+          <a:prstGeom prst="rect">
+            <a:avLst/>
+          </a:prstGeom>
+          <a:noFill/>
+          <a:ln w="12700">
+            <a:solidFill>
+              <a:prstClr val="black"/>
+            </a:solidFill>
+          </a:ln>
+        </p:spPr>
+        <p:txBody>
+          <a:bodyPr vert="horz" lIns="91440" tIns="45720" rIns="91440" bIns="45720" rtlCol="0" anchor="ctr"/>
+          <a:lstStyle/>
+          <a:p>
+            <a:endParaRPr lang="de-DE"/>
+          </a:p>
+        </p:txBody>
+      </p:sp>
+      <p:sp>
+        <p:nvSpPr>
+          <p:cNvPr id="5" name="Notizenplatzhalter 4"/>
+          <p:cNvSpPr>
+            <a:spLocks noGrp="1"/>
+          </p:cNvSpPr>
+          <p:nvPr>
+            <p:ph type="body" sz="quarter" idx="3"/>
+          </p:nvPr>
+        </p:nvSpPr>
+        <p:spPr>
+          <a:xfrm>
+            <a:off x="685800" y="4400550"/>
+            <a:ext cx="5486400" cy="3600450"/>
+          </a:xfrm>
+          <a:prstGeom prst="rect">
+            <a:avLst/>
+          </a:prstGeom>
+        </p:spPr>
+        <p:txBody>
+          <a:bodyPr vert="horz" lIns="91440" tIns="45720" rIns="91440" bIns="45720" rtlCol="0"/>
+          <a:lstStyle/>
+          <a:p>
+            <a:pPr lvl="0"/>
+            <a:r>
+              <a:rPr lang="de-DE"/>
+              <a:t>Mastertextformat bearbeiten</a:t>
+            </a:r>
+          </a:p>
+          <a:p>
+            <a:pPr lvl="1"/>
+            <a:r>
+              <a:rPr lang="de-DE"/>
+              <a:t>Zweite Ebene</a:t>
+            </a:r>
+          </a:p>
+          <a:p>
+            <a:pPr lvl="2"/>
+            <a:r>
+              <a:rPr lang="de-DE"/>
+              <a:t>Dritte Ebene</a:t>
+            </a:r>
+          </a:p>
+          <a:p>
+            <a:pPr lvl="3"/>
+            <a:r>
+              <a:rPr lang="de-DE"/>
+              <a:t>Vierte Ebene</a:t>
+            </a:r>
+          </a:p>
+          <a:p>
+            <a:pPr lvl="4"/>
+            <a:r>
+              <a:rPr lang="de-DE"/>
+              <a:t>Fünfte Ebene</a:t>
+            </a:r>
+          </a:p>
+        </p:txBody>
+      </p:sp>
+      <p:sp>
+        <p:nvSpPr>
+          <p:cNvPr id="6" name="Fußzeilenplatzhalter 5"/>
+          <p:cNvSpPr>
+            <a:spLocks noGrp="1"/>
+          </p:cNvSpPr>
+          <p:nvPr>
+            <p:ph type="ftr" sz="quarter" idx="4"/>
+          </p:nvPr>
+        </p:nvSpPr>
+        <p:spPr>
+          <a:xfrm>
+            <a:off x="0" y="8685213"/>
+            <a:ext cx="2971800" cy="458787"/>
+          </a:xfrm>
+          <a:prstGeom prst="rect">
+            <a:avLst/>
+          </a:prstGeom>
+        </p:spPr>
+        <p:txBody>
+          <a:bodyPr vert="horz" lIns="91440" tIns="45720" rIns="91440" bIns="45720" rtlCol="0" anchor="b"/>
+          <a:lstStyle>
+            <a:lvl1pPr algn="l">
+              <a:defRPr sz="1200"/>
+            </a:lvl1pPr>
+          </a:lstStyle>
+          <a:p>
+            <a:endParaRPr lang="de-DE"/>
+          </a:p>
+        </p:txBody>
+      </p:sp>
+      <p:sp>
+        <p:nvSpPr>
+          <p:cNvPr id="7" name="Foliennummernplatzhalter 6"/>
+          <p:cNvSpPr>
+            <a:spLocks noGrp="1"/>
+          </p:cNvSpPr>
+          <p:nvPr>
+            <p:ph type="sldNum" sz="quarter" idx="5"/>
+          </p:nvPr>
+        </p:nvSpPr>
+        <p:spPr>
+          <a:xfrm>
+            <a:off x="3884613" y="8685213"/>
+            <a:ext cx="2971800" cy="458787"/>
+          </a:xfrm>
+          <a:prstGeom prst="rect">
+            <a:avLst/>
+          </a:prstGeom>
+        </p:spPr>
+        <p:txBody>
+          <a:bodyPr vert="horz" lIns="91440" tIns="45720" rIns="91440" bIns="45720" rtlCol="0" anchor="b"/>
+          <a:lstStyle>
+            <a:lvl1pPr algn="r">
+              <a:defRPr sz="1200"/>
+            </a:lvl1pPr>
+          </a:lstStyle>
+          <a:p>
+            <a:fld id="{14E53487-59BE-40DE-8E0A-21DA7D74AB8D}" type="slidenum">
+              <a:rPr lang="de-DE" smtClean="0"/>
+              <a:t>‹Nr.›</a:t>
+            </a:fld>
+            <a:endParaRPr lang="de-DE"/>
+          </a:p>
+        </p:txBody>
+      </p:sp>
+    </p:spTree>
+    <p:extLst>
+      <p:ext uri="{BB962C8B-B14F-4D97-AF65-F5344CB8AC3E}">
+        <p14:creationId xmlns:p14="http://schemas.microsoft.com/office/powerpoint/2010/main" val="1092160352"/>
+      </p:ext>
+    </p:extLst>
+  </p:cSld>
+  <p:clrMap bg1="lt1" tx1="dk1" bg2="lt2" tx2="dk2" accent1="accent1" accent2="accent2" accent3="accent3" accent4="accent4" accent5="accent5" accent6="accent6" hlink="hlink" folHlink="folHlink"/>
+  <p:notesStyle>
+    <a:lvl1pPr marL="0" algn="l" defTabSz="914400" rtl="0" eaLnBrk="1" latinLnBrk="0" hangingPunct="1">
+      <a:defRPr sz="1200" kern="1200">
+        <a:solidFill>
+          <a:schemeClr val="tx1"/>
+        </a:solidFill>
+        <a:latin typeface="+mn-lt"/>
+        <a:ea typeface="+mn-ea"/>
+        <a:cs typeface="+mn-cs"/>
+      </a:defRPr>
+    </a:lvl1pPr>
+    <a:lvl2pPr marL="457200" algn="l" defTabSz="914400" rtl="0" eaLnBrk="1" latinLnBrk="0" hangingPunct="1">
+      <a:defRPr sz="1200" kern="1200">
+        <a:solidFill>
+          <a:schemeClr val="tx1"/>
+        </a:solidFill>
+        <a:latin typeface="+mn-lt"/>
+        <a:ea typeface="+mn-ea"/>
+        <a:cs typeface="+mn-cs"/>
+      </a:defRPr>
+    </a:lvl2pPr>
+    <a:lvl3pPr marL="914400" algn="l" defTabSz="914400" rtl="0" eaLnBrk="1" latinLnBrk="0" hangingPunct="1">
+      <a:defRPr sz="1200" kern="1200">
+        <a:solidFill>
+          <a:schemeClr val="tx1"/>
+        </a:solidFill>
+        <a:latin typeface="+mn-lt"/>
+        <a:ea typeface="+mn-ea"/>
+        <a:cs typeface="+mn-cs"/>
+      </a:defRPr>
+    </a:lvl3pPr>
+    <a:lvl4pPr marL="1371600" algn="l" defTabSz="914400" rtl="0" eaLnBrk="1" latinLnBrk="0" hangingPunct="1">
+      <a:defRPr sz="1200" kern="1200">
+        <a:solidFill>
+          <a:schemeClr val="tx1"/>
+        </a:solidFill>
+        <a:latin typeface="+mn-lt"/>
+        <a:ea typeface="+mn-ea"/>
+        <a:cs typeface="+mn-cs"/>
+      </a:defRPr>
+    </a:lvl4pPr>
+    <a:lvl5pPr marL="1828800" algn="l" defTabSz="914400" rtl="0" eaLnBrk="1" latinLnBrk="0" hangingPunct="1">
+      <a:defRPr sz="1200" kern="1200">
+        <a:solidFill>
+          <a:schemeClr val="tx1"/>
+        </a:solidFill>
+        <a:latin typeface="+mn-lt"/>
+        <a:ea typeface="+mn-ea"/>
+        <a:cs typeface="+mn-cs"/>
+      </a:defRPr>
+    </a:lvl5pPr>
+    <a:lvl6pPr marL="2286000" algn="l" defTabSz="914400" rtl="0" eaLnBrk="1" latinLnBrk="0" hangingPunct="1">
+      <a:defRPr sz="1200" kern="1200">
+        <a:solidFill>
+          <a:schemeClr val="tx1"/>
+        </a:solidFill>
+        <a:latin typeface="+mn-lt"/>
+        <a:ea typeface="+mn-ea"/>
+        <a:cs typeface="+mn-cs"/>
+      </a:defRPr>
+    </a:lvl6pPr>
+    <a:lvl7pPr marL="2743200" algn="l" defTabSz="914400" rtl="0" eaLnBrk="1" latinLnBrk="0" hangingPunct="1">
+      <a:defRPr sz="1200" kern="1200">
+        <a:solidFill>
+          <a:schemeClr val="tx1"/>
+        </a:solidFill>
+        <a:latin typeface="+mn-lt"/>
+        <a:ea typeface="+mn-ea"/>
+        <a:cs typeface="+mn-cs"/>
+      </a:defRPr>
+    </a:lvl7pPr>
+    <a:lvl8pPr marL="3200400" algn="l" defTabSz="914400" rtl="0" eaLnBrk="1" latinLnBrk="0" hangingPunct="1">
+      <a:defRPr sz="1200" kern="1200">
+        <a:solidFill>
+          <a:schemeClr val="tx1"/>
+        </a:solidFill>
+        <a:latin typeface="+mn-lt"/>
+        <a:ea typeface="+mn-ea"/>
+        <a:cs typeface="+mn-cs"/>
+      </a:defRPr>
+    </a:lvl8pPr>
+    <a:lvl9pPr marL="3657600" algn="l" defTabSz="914400" rtl="0" eaLnBrk="1" latinLnBrk="0" hangingPunct="1">
+      <a:defRPr sz="1200" kern="1200">
+        <a:solidFill>
+          <a:schemeClr val="tx1"/>
+        </a:solidFill>
+        <a:latin typeface="+mn-lt"/>
+        <a:ea typeface="+mn-ea"/>
+        <a:cs typeface="+mn-cs"/>
+      </a:defRPr>
+    </a:lvl9pPr>
+  </p:notesStyle>
+</p:notesMaster>
+</file>
+
 <file path=ppt/slideLayouts/slideLayout1.xml><?xml version="1.0" encoding="utf-8"?>
 <p:sldLayout xmlns:a="http://schemas.openxmlformats.org/drawingml/2006/main" xmlns:r="http://schemas.openxmlformats.org/officeDocument/2006/relationships" xmlns:p="http://schemas.openxmlformats.org/presentationml/2006/main" type="title" preserve="1">
   <p:cSld name="Titelfolie">
@@ -308,7 +667,7 @@
             </a:lvl1pPr>
           </a:lstStyle>
           <a:p>
-            <a:fld id="{6837C485-9713-4D46-BBC0-D2491B8BDBCB}" type="datetimeFigureOut">
+            <a:fld id="{A7D61278-6D72-41FC-83DB-2202A990958A}" type="datetime1">
               <a:rPr lang="de-DE" smtClean="0"/>
               <a:t>19.06.2023</a:t>
             </a:fld>
@@ -529,7 +888,7 @@
           <a:bodyPr/>
           <a:lstStyle/>
           <a:p>
-            <a:fld id="{6837C485-9713-4D46-BBC0-D2491B8BDBCB}" type="datetimeFigureOut">
+            <a:fld id="{A7059AE0-6D0B-4B34-BCE0-1EE667F5088C}" type="datetime1">
               <a:rPr lang="de-DE" smtClean="0"/>
               <a:t>19.06.2023</a:t>
             </a:fld>
@@ -709,7 +1068,7 @@
           <a:bodyPr/>
           <a:lstStyle/>
           <a:p>
-            <a:fld id="{6837C485-9713-4D46-BBC0-D2491B8BDBCB}" type="datetimeFigureOut">
+            <a:fld id="{472220EE-C07D-4436-A0EE-02830E8795F3}" type="datetime1">
               <a:rPr lang="de-DE" smtClean="0"/>
               <a:t>19.06.2023</a:t>
             </a:fld>
@@ -879,7 +1238,7 @@
           <a:bodyPr/>
           <a:lstStyle/>
           <a:p>
-            <a:fld id="{6837C485-9713-4D46-BBC0-D2491B8BDBCB}" type="datetimeFigureOut">
+            <a:fld id="{91876C7D-0FF6-40BD-906C-65C474464DC0}" type="datetime1">
               <a:rPr lang="de-DE" smtClean="0"/>
               <a:t>19.06.2023</a:t>
             </a:fld>
@@ -1130,7 +1489,7 @@
           <a:bodyPr/>
           <a:lstStyle/>
           <a:p>
-            <a:fld id="{6837C485-9713-4D46-BBC0-D2491B8BDBCB}" type="datetimeFigureOut">
+            <a:fld id="{F283584F-9DBC-437F-B42C-CAE55830717E}" type="datetime1">
               <a:rPr lang="de-DE" smtClean="0"/>
               <a:t>19.06.2023</a:t>
             </a:fld>
@@ -1453,7 +1812,7 @@
           <a:bodyPr/>
           <a:lstStyle/>
           <a:p>
-            <a:fld id="{6837C485-9713-4D46-BBC0-D2491B8BDBCB}" type="datetimeFigureOut">
+            <a:fld id="{8786633B-E5D6-4925-AD4D-DE4E4C4BF3B3}" type="datetime1">
               <a:rPr lang="de-DE" smtClean="0"/>
               <a:t>19.06.2023</a:t>
             </a:fld>
@@ -1877,7 +2236,7 @@
           <a:bodyPr/>
           <a:lstStyle/>
           <a:p>
-            <a:fld id="{6837C485-9713-4D46-BBC0-D2491B8BDBCB}" type="datetimeFigureOut">
+            <a:fld id="{93EA33B4-7C54-45FA-9FE1-3E5EA6AD2C21}" type="datetime1">
               <a:rPr lang="de-DE" smtClean="0"/>
               <a:t>19.06.2023</a:t>
             </a:fld>
@@ -1995,7 +2354,7 @@
           <a:bodyPr/>
           <a:lstStyle/>
           <a:p>
-            <a:fld id="{6837C485-9713-4D46-BBC0-D2491B8BDBCB}" type="datetimeFigureOut">
+            <a:fld id="{6DFFC3FB-4AE8-4F76-91EF-2643F346C684}" type="datetime1">
               <a:rPr lang="de-DE" smtClean="0"/>
               <a:t>19.06.2023</a:t>
             </a:fld>
@@ -2090,7 +2449,7 @@
           <a:bodyPr/>
           <a:lstStyle/>
           <a:p>
-            <a:fld id="{6837C485-9713-4D46-BBC0-D2491B8BDBCB}" type="datetimeFigureOut">
+            <a:fld id="{7C42F524-C849-483B-B713-3A555CC5207C}" type="datetime1">
               <a:rPr lang="de-DE" smtClean="0"/>
               <a:t>19.06.2023</a:t>
             </a:fld>
@@ -2380,7 +2739,7 @@
           <a:bodyPr/>
           <a:lstStyle/>
           <a:p>
-            <a:fld id="{6837C485-9713-4D46-BBC0-D2491B8BDBCB}" type="datetimeFigureOut">
+            <a:fld id="{6D4F81B3-6F70-40CE-9B92-9D54202EB72C}" type="datetime1">
               <a:rPr lang="de-DE" smtClean="0"/>
               <a:t>19.06.2023</a:t>
             </a:fld>
@@ -2652,7 +3011,7 @@
           <a:bodyPr/>
           <a:lstStyle/>
           <a:p>
-            <a:fld id="{6837C485-9713-4D46-BBC0-D2491B8BDBCB}" type="datetimeFigureOut">
+            <a:fld id="{7D0BDB2E-4CD9-4C24-9E8D-15CF72E28C0B}" type="datetime1">
               <a:rPr lang="de-DE" smtClean="0"/>
               <a:t>19.06.2023</a:t>
             </a:fld>
@@ -2906,7 +3265,7 @@
             </a:lvl1pPr>
           </a:lstStyle>
           <a:p>
-            <a:fld id="{6837C485-9713-4D46-BBC0-D2491B8BDBCB}" type="datetimeFigureOut">
+            <a:fld id="{D262C37D-7C82-458F-B4D4-99B67BB40413}" type="datetime1">
               <a:rPr lang="de-DE" smtClean="0"/>
               <a:t>19.06.2023</a:t>
             </a:fld>
@@ -3009,6 +3368,7 @@
     <p:sldLayoutId id="2147483670" r:id="rId10"/>
     <p:sldLayoutId id="2147483671" r:id="rId11"/>
   </p:sldLayoutIdLst>
+  <p:hf hdr="0" ftr="0" dt="0"/>
   <p:txStyles>
     <p:titleStyle>
       <a:lvl1pPr algn="l" defTabSz="914400" rtl="0" eaLnBrk="1" latinLnBrk="0" hangingPunct="1">
@@ -3620,6 +3980,199 @@
 </p:sld>
 </file>
 
+<file path=ppt/slides/slide10.xml><?xml version="1.0" encoding="utf-8"?>
+<p:sld xmlns:a="http://schemas.openxmlformats.org/drawingml/2006/main" xmlns:r="http://schemas.openxmlformats.org/officeDocument/2006/relationships" xmlns:p="http://schemas.openxmlformats.org/presentationml/2006/main">
+  <p:cSld>
+    <p:spTree>
+      <p:nvGrpSpPr>
+        <p:cNvPr id="1" name=""/>
+        <p:cNvGrpSpPr/>
+        <p:nvPr/>
+      </p:nvGrpSpPr>
+      <p:grpSpPr>
+        <a:xfrm>
+          <a:off x="0" y="0"/>
+          <a:ext cx="0" cy="0"/>
+          <a:chOff x="0" y="0"/>
+          <a:chExt cx="0" cy="0"/>
+        </a:xfrm>
+      </p:grpSpPr>
+      <p:sp>
+        <p:nvSpPr>
+          <p:cNvPr id="2" name="Titel 1">
+            <a:extLst>
+              <a:ext uri="{FF2B5EF4-FFF2-40B4-BE49-F238E27FC236}">
+                <a16:creationId xmlns:a16="http://schemas.microsoft.com/office/drawing/2014/main" id="{6ABBF45C-5F88-DBD6-6EA0-9481C581BF55}"/>
+              </a:ext>
+            </a:extLst>
+          </p:cNvPr>
+          <p:cNvSpPr>
+            <a:spLocks noGrp="1"/>
+          </p:cNvSpPr>
+          <p:nvPr>
+            <p:ph type="title"/>
+          </p:nvPr>
+        </p:nvSpPr>
+        <p:spPr/>
+        <p:txBody>
+          <a:bodyPr/>
+          <a:lstStyle/>
+          <a:p>
+            <a:r>
+              <a:rPr lang="de-DE" dirty="0"/>
+              <a:t>Outlook</a:t>
+            </a:r>
+          </a:p>
+        </p:txBody>
+      </p:sp>
+      <p:sp>
+        <p:nvSpPr>
+          <p:cNvPr id="4" name="Foliennummernplatzhalter 3">
+            <a:extLst>
+              <a:ext uri="{FF2B5EF4-FFF2-40B4-BE49-F238E27FC236}">
+                <a16:creationId xmlns:a16="http://schemas.microsoft.com/office/drawing/2014/main" id="{123B8AC1-F2A7-DEA9-B42C-5CD37BAE56D8}"/>
+              </a:ext>
+            </a:extLst>
+          </p:cNvPr>
+          <p:cNvSpPr>
+            <a:spLocks noGrp="1"/>
+          </p:cNvSpPr>
+          <p:nvPr>
+            <p:ph type="sldNum" sz="quarter" idx="12"/>
+          </p:nvPr>
+        </p:nvSpPr>
+        <p:spPr/>
+        <p:txBody>
+          <a:bodyPr/>
+          <a:lstStyle/>
+          <a:p>
+            <a:fld id="{A4F5F511-C017-478C-84E3-F7F078728441}" type="slidenum">
+              <a:rPr lang="de-DE" smtClean="0"/>
+              <a:t>10</a:t>
+            </a:fld>
+            <a:endParaRPr lang="de-DE"/>
+          </a:p>
+        </p:txBody>
+      </p:sp>
+      <p:sp>
+        <p:nvSpPr>
+          <p:cNvPr id="5" name="Textfeld 4">
+            <a:extLst>
+              <a:ext uri="{FF2B5EF4-FFF2-40B4-BE49-F238E27FC236}">
+                <a16:creationId xmlns:a16="http://schemas.microsoft.com/office/drawing/2014/main" id="{72382833-F511-804F-58D2-DC06FE8C2C7C}"/>
+              </a:ext>
+            </a:extLst>
+          </p:cNvPr>
+          <p:cNvSpPr txBox="1"/>
+          <p:nvPr/>
+        </p:nvSpPr>
+        <p:spPr>
+          <a:xfrm>
+            <a:off x="1280160" y="1885950"/>
+            <a:ext cx="7258050" cy="923330"/>
+          </a:xfrm>
+          <a:prstGeom prst="rect">
+            <a:avLst/>
+          </a:prstGeom>
+          <a:noFill/>
+        </p:spPr>
+        <p:txBody>
+          <a:bodyPr wrap="square" rtlCol="0">
+            <a:spAutoFit/>
+          </a:bodyPr>
+          <a:lstStyle/>
+          <a:p>
+            <a:pPr marL="285750" indent="-285750">
+              <a:buFont typeface="Wingdings" panose="05000000000000000000" pitchFamily="2" charset="2"/>
+              <a:buChar char="§"/>
+            </a:pPr>
+            <a:r>
+              <a:rPr lang="de-DE" dirty="0"/>
+              <a:t>Training and </a:t>
+            </a:r>
+            <a:r>
+              <a:rPr lang="de-DE" dirty="0" err="1"/>
+              <a:t>testing</a:t>
+            </a:r>
+            <a:r>
+              <a:rPr lang="de-DE" dirty="0"/>
+              <a:t> </a:t>
+            </a:r>
+            <a:r>
+              <a:rPr lang="de-DE" dirty="0" err="1"/>
+              <a:t>the</a:t>
+            </a:r>
+            <a:r>
+              <a:rPr lang="de-DE" dirty="0"/>
+              <a:t> </a:t>
+            </a:r>
+            <a:r>
+              <a:rPr lang="de-DE" dirty="0" err="1"/>
+              <a:t>model</a:t>
+            </a:r>
+            <a:r>
+              <a:rPr lang="de-DE" dirty="0"/>
+              <a:t> </a:t>
+            </a:r>
+            <a:r>
+              <a:rPr lang="de-DE" dirty="0" err="1"/>
+              <a:t>with</a:t>
+            </a:r>
+            <a:r>
+              <a:rPr lang="de-DE" dirty="0"/>
+              <a:t> a larger </a:t>
+            </a:r>
+            <a:r>
+              <a:rPr lang="de-DE" dirty="0" err="1"/>
+              <a:t>variety</a:t>
+            </a:r>
+            <a:r>
+              <a:rPr lang="de-DE" dirty="0"/>
+              <a:t> </a:t>
+            </a:r>
+            <a:r>
+              <a:rPr lang="de-DE" dirty="0" err="1"/>
+              <a:t>of</a:t>
+            </a:r>
+            <a:r>
+              <a:rPr lang="de-DE" dirty="0"/>
+              <a:t> </a:t>
+            </a:r>
+            <a:r>
+              <a:rPr lang="de-DE" dirty="0" err="1"/>
+              <a:t>images</a:t>
+            </a:r>
+            <a:endParaRPr lang="de-DE" dirty="0"/>
+          </a:p>
+          <a:p>
+            <a:pPr marL="285750" indent="-285750">
+              <a:buFont typeface="Wingdings" panose="05000000000000000000" pitchFamily="2" charset="2"/>
+              <a:buChar char="§"/>
+            </a:pPr>
+            <a:endParaRPr lang="de-DE" dirty="0"/>
+          </a:p>
+          <a:p>
+            <a:pPr marL="285750" indent="-285750">
+              <a:buFont typeface="Wingdings" panose="05000000000000000000" pitchFamily="2" charset="2"/>
+              <a:buChar char="§"/>
+            </a:pPr>
+            <a:endParaRPr lang="de-DE" dirty="0"/>
+          </a:p>
+        </p:txBody>
+      </p:sp>
+    </p:spTree>
+    <p:extLst>
+      <p:ext uri="{BB962C8B-B14F-4D97-AF65-F5344CB8AC3E}">
+        <p14:creationId xmlns:p14="http://schemas.microsoft.com/office/powerpoint/2010/main" val="199692938"/>
+      </p:ext>
+    </p:extLst>
+  </p:cSld>
+  <p:clrMapOvr>
+    <a:masterClrMapping/>
+  </p:clrMapOvr>
+</p:sld>
+</file>
+
 <file path=ppt/slides/slide2.xml><?xml version="1.0" encoding="utf-8"?>
 <p:sld xmlns:a="http://schemas.openxmlformats.org/drawingml/2006/main" xmlns:r="http://schemas.openxmlformats.org/officeDocument/2006/relationships" xmlns:p="http://schemas.openxmlformats.org/presentationml/2006/main">
   <p:cSld>
@@ -3695,6 +4248,343 @@
           </a:prstGeom>
         </p:spPr>
       </p:pic>
+      <p:sp>
+        <p:nvSpPr>
+          <p:cNvPr id="4" name="Textfeld 3">
+            <a:extLst>
+              <a:ext uri="{FF2B5EF4-FFF2-40B4-BE49-F238E27FC236}">
+                <a16:creationId xmlns:a16="http://schemas.microsoft.com/office/drawing/2014/main" id="{29D8DC18-CE7F-E791-D9D3-01DB94FE496D}"/>
+              </a:ext>
+            </a:extLst>
+          </p:cNvPr>
+          <p:cNvSpPr txBox="1"/>
+          <p:nvPr/>
+        </p:nvSpPr>
+        <p:spPr>
+          <a:xfrm>
+            <a:off x="1280160" y="1965960"/>
+            <a:ext cx="5634990" cy="3373359"/>
+          </a:xfrm>
+          <a:prstGeom prst="rect">
+            <a:avLst/>
+          </a:prstGeom>
+          <a:noFill/>
+        </p:spPr>
+        <p:txBody>
+          <a:bodyPr wrap="square" rtlCol="0">
+            <a:spAutoFit/>
+          </a:bodyPr>
+          <a:lstStyle/>
+          <a:p>
+            <a:pPr marL="285750" indent="-285750">
+              <a:lnSpc>
+                <a:spcPct val="150000"/>
+              </a:lnSpc>
+              <a:buFont typeface="Wingdings" panose="05000000000000000000" pitchFamily="2" charset="2"/>
+              <a:buChar char="§"/>
+            </a:pPr>
+            <a:r>
+              <a:rPr lang="de-DE" b="1" dirty="0"/>
+              <a:t>15</a:t>
+            </a:r>
+            <a:r>
+              <a:rPr lang="de-DE" dirty="0"/>
+              <a:t> </a:t>
+            </a:r>
+            <a:r>
+              <a:rPr lang="de-DE" dirty="0" err="1"/>
+              <a:t>tree</a:t>
+            </a:r>
+            <a:r>
+              <a:rPr lang="de-DE" dirty="0"/>
+              <a:t> </a:t>
+            </a:r>
+            <a:r>
+              <a:rPr lang="de-DE" dirty="0" err="1"/>
+              <a:t>leaf</a:t>
+            </a:r>
+            <a:r>
+              <a:rPr lang="de-DE" dirty="0"/>
+              <a:t> </a:t>
+            </a:r>
+            <a:r>
+              <a:rPr lang="de-DE" dirty="0" err="1"/>
+              <a:t>types</a:t>
+            </a:r>
+            <a:r>
+              <a:rPr lang="de-DE" dirty="0"/>
+              <a:t> </a:t>
+            </a:r>
+            <a:r>
+              <a:rPr lang="de-DE" dirty="0" err="1"/>
+              <a:t>with</a:t>
+            </a:r>
+            <a:r>
+              <a:rPr lang="de-DE" dirty="0"/>
+              <a:t> 75 </a:t>
+            </a:r>
+            <a:r>
+              <a:rPr lang="de-DE" dirty="0" err="1"/>
+              <a:t>images</a:t>
+            </a:r>
+            <a:r>
+              <a:rPr lang="de-DE" dirty="0"/>
+              <a:t> </a:t>
+            </a:r>
+            <a:r>
+              <a:rPr lang="de-DE" dirty="0" err="1"/>
+              <a:t>each</a:t>
+            </a:r>
+            <a:r>
+              <a:rPr lang="de-DE" dirty="0"/>
+              <a:t> </a:t>
+            </a:r>
+            <a:r>
+              <a:rPr lang="de-DE" dirty="0">
+                <a:sym typeface="Wingdings" panose="05000000000000000000" pitchFamily="2" charset="2"/>
+              </a:rPr>
+              <a:t> </a:t>
+            </a:r>
+            <a:r>
+              <a:rPr lang="de-DE" b="1" dirty="0">
+                <a:sym typeface="Wingdings" panose="05000000000000000000" pitchFamily="2" charset="2"/>
+              </a:rPr>
+              <a:t>1125</a:t>
+            </a:r>
+            <a:r>
+              <a:rPr lang="de-DE" dirty="0">
+                <a:sym typeface="Wingdings" panose="05000000000000000000" pitchFamily="2" charset="2"/>
+              </a:rPr>
+              <a:t> </a:t>
+            </a:r>
+            <a:r>
+              <a:rPr lang="de-DE" dirty="0" err="1">
+                <a:sym typeface="Wingdings" panose="05000000000000000000" pitchFamily="2" charset="2"/>
+              </a:rPr>
+              <a:t>images</a:t>
+            </a:r>
+            <a:endParaRPr lang="de-DE" dirty="0">
+              <a:sym typeface="Wingdings" panose="05000000000000000000" pitchFamily="2" charset="2"/>
+            </a:endParaRPr>
+          </a:p>
+          <a:p>
+            <a:pPr marL="285750" indent="-285750">
+              <a:lnSpc>
+                <a:spcPct val="150000"/>
+              </a:lnSpc>
+              <a:buFont typeface="Wingdings" panose="05000000000000000000" pitchFamily="2" charset="2"/>
+              <a:buChar char="§"/>
+            </a:pPr>
+            <a:r>
+              <a:rPr lang="de-DE" b="1" dirty="0">
+                <a:sym typeface="Wingdings" panose="05000000000000000000" pitchFamily="2" charset="2"/>
+              </a:rPr>
+              <a:t>RGB</a:t>
+            </a:r>
+            <a:r>
+              <a:rPr lang="de-DE" dirty="0">
+                <a:sym typeface="Wingdings" panose="05000000000000000000" pitchFamily="2" charset="2"/>
+              </a:rPr>
+              <a:t> </a:t>
+            </a:r>
+            <a:r>
+              <a:rPr lang="de-DE" dirty="0" err="1">
+                <a:sym typeface="Wingdings" panose="05000000000000000000" pitchFamily="2" charset="2"/>
+              </a:rPr>
+              <a:t>images</a:t>
+            </a:r>
+            <a:endParaRPr lang="de-DE" dirty="0">
+              <a:sym typeface="Wingdings" panose="05000000000000000000" pitchFamily="2" charset="2"/>
+            </a:endParaRPr>
+          </a:p>
+          <a:p>
+            <a:pPr marL="285750" indent="-285750">
+              <a:lnSpc>
+                <a:spcPct val="150000"/>
+              </a:lnSpc>
+              <a:buFont typeface="Wingdings" panose="05000000000000000000" pitchFamily="2" charset="2"/>
+              <a:buChar char="§"/>
+            </a:pPr>
+            <a:r>
+              <a:rPr lang="de-DE" dirty="0">
+                <a:sym typeface="Wingdings" panose="05000000000000000000" pitchFamily="2" charset="2"/>
+              </a:rPr>
+              <a:t>Single </a:t>
+            </a:r>
+            <a:r>
+              <a:rPr lang="de-DE" dirty="0" err="1">
+                <a:sym typeface="Wingdings" panose="05000000000000000000" pitchFamily="2" charset="2"/>
+              </a:rPr>
+              <a:t>leaf</a:t>
+            </a:r>
+            <a:r>
+              <a:rPr lang="de-DE" dirty="0">
+                <a:sym typeface="Wingdings" panose="05000000000000000000" pitchFamily="2" charset="2"/>
+              </a:rPr>
+              <a:t> on a </a:t>
+            </a:r>
+            <a:r>
+              <a:rPr lang="de-DE" dirty="0" err="1">
+                <a:sym typeface="Wingdings" panose="05000000000000000000" pitchFamily="2" charset="2"/>
+              </a:rPr>
+              <a:t>white</a:t>
+            </a:r>
+            <a:r>
+              <a:rPr lang="de-DE" dirty="0">
+                <a:sym typeface="Wingdings" panose="05000000000000000000" pitchFamily="2" charset="2"/>
+              </a:rPr>
+              <a:t> </a:t>
+            </a:r>
+            <a:r>
+              <a:rPr lang="de-DE" dirty="0" err="1">
+                <a:sym typeface="Wingdings" panose="05000000000000000000" pitchFamily="2" charset="2"/>
+              </a:rPr>
+              <a:t>background</a:t>
+            </a:r>
+            <a:r>
+              <a:rPr lang="de-DE" dirty="0">
+                <a:sym typeface="Wingdings" panose="05000000000000000000" pitchFamily="2" charset="2"/>
+              </a:rPr>
+              <a:t>  </a:t>
+            </a:r>
+            <a:r>
+              <a:rPr lang="de-DE" b="1" dirty="0">
+                <a:sym typeface="Wingdings" panose="05000000000000000000" pitchFamily="2" charset="2"/>
+              </a:rPr>
+              <a:t>Bias</a:t>
+            </a:r>
+            <a:r>
+              <a:rPr lang="de-DE" dirty="0">
+                <a:sym typeface="Wingdings" panose="05000000000000000000" pitchFamily="2" charset="2"/>
+              </a:rPr>
+              <a:t> </a:t>
+            </a:r>
+          </a:p>
+          <a:p>
+            <a:pPr marL="285750" indent="-285750">
+              <a:lnSpc>
+                <a:spcPct val="150000"/>
+              </a:lnSpc>
+              <a:buFont typeface="Wingdings" panose="05000000000000000000" pitchFamily="2" charset="2"/>
+              <a:buChar char="§"/>
+            </a:pPr>
+            <a:endParaRPr lang="de-DE" dirty="0">
+              <a:sym typeface="Wingdings" panose="05000000000000000000" pitchFamily="2" charset="2"/>
+            </a:endParaRPr>
+          </a:p>
+          <a:p>
+            <a:pPr marL="285750" indent="-285750">
+              <a:lnSpc>
+                <a:spcPct val="150000"/>
+              </a:lnSpc>
+              <a:buFont typeface="Wingdings" panose="05000000000000000000" pitchFamily="2" charset="2"/>
+              <a:buChar char="§"/>
+            </a:pPr>
+            <a:r>
+              <a:rPr lang="de-DE" dirty="0" err="1">
+                <a:sym typeface="Wingdings" panose="05000000000000000000" pitchFamily="2" charset="2"/>
+              </a:rPr>
+              <a:t>Preprocessing</a:t>
+            </a:r>
+            <a:r>
+              <a:rPr lang="de-DE" dirty="0">
+                <a:sym typeface="Wingdings" panose="05000000000000000000" pitchFamily="2" charset="2"/>
+              </a:rPr>
+              <a:t>:</a:t>
+            </a:r>
+          </a:p>
+          <a:p>
+            <a:pPr marL="742950" lvl="1" indent="-285750">
+              <a:lnSpc>
+                <a:spcPct val="150000"/>
+              </a:lnSpc>
+              <a:buFont typeface="Wingdings" panose="05000000000000000000" pitchFamily="2" charset="2"/>
+              <a:buChar char="§"/>
+            </a:pPr>
+            <a:r>
+              <a:rPr lang="de-DE" dirty="0">
+                <a:sym typeface="Wingdings" panose="05000000000000000000" pitchFamily="2" charset="2"/>
+              </a:rPr>
+              <a:t>Resize </a:t>
+            </a:r>
+            <a:r>
+              <a:rPr lang="de-DE" dirty="0" err="1">
+                <a:sym typeface="Wingdings" panose="05000000000000000000" pitchFamily="2" charset="2"/>
+              </a:rPr>
+              <a:t>the</a:t>
+            </a:r>
+            <a:r>
+              <a:rPr lang="de-DE" dirty="0">
+                <a:sym typeface="Wingdings" panose="05000000000000000000" pitchFamily="2" charset="2"/>
+              </a:rPr>
+              <a:t> </a:t>
+            </a:r>
+            <a:r>
+              <a:rPr lang="de-DE" dirty="0" err="1">
+                <a:sym typeface="Wingdings" panose="05000000000000000000" pitchFamily="2" charset="2"/>
+              </a:rPr>
+              <a:t>images</a:t>
+            </a:r>
+            <a:r>
+              <a:rPr lang="de-DE" dirty="0">
+                <a:sym typeface="Wingdings" panose="05000000000000000000" pitchFamily="2" charset="2"/>
+              </a:rPr>
+              <a:t> (300x150x3)</a:t>
+            </a:r>
+          </a:p>
+          <a:p>
+            <a:pPr marL="742950" lvl="1" indent="-285750">
+              <a:lnSpc>
+                <a:spcPct val="150000"/>
+              </a:lnSpc>
+              <a:buFont typeface="Wingdings" panose="05000000000000000000" pitchFamily="2" charset="2"/>
+              <a:buChar char="§"/>
+            </a:pPr>
+            <a:endParaRPr lang="de-DE" dirty="0">
+              <a:sym typeface="Wingdings" panose="05000000000000000000" pitchFamily="2" charset="2"/>
+            </a:endParaRPr>
+          </a:p>
+          <a:p>
+            <a:pPr marL="285750" indent="-285750">
+              <a:lnSpc>
+                <a:spcPct val="150000"/>
+              </a:lnSpc>
+              <a:buFont typeface="Wingdings" panose="05000000000000000000" pitchFamily="2" charset="2"/>
+              <a:buChar char="§"/>
+            </a:pPr>
+            <a:endParaRPr lang="de-DE" dirty="0"/>
+          </a:p>
+        </p:txBody>
+      </p:sp>
+      <p:sp>
+        <p:nvSpPr>
+          <p:cNvPr id="5" name="Foliennummernplatzhalter 4">
+            <a:extLst>
+              <a:ext uri="{FF2B5EF4-FFF2-40B4-BE49-F238E27FC236}">
+                <a16:creationId xmlns:a16="http://schemas.microsoft.com/office/drawing/2014/main" id="{F770A10E-5BE3-968B-14FF-E28F2C73423C}"/>
+              </a:ext>
+            </a:extLst>
+          </p:cNvPr>
+          <p:cNvSpPr>
+            <a:spLocks noGrp="1"/>
+          </p:cNvSpPr>
+          <p:nvPr>
+            <p:ph type="sldNum" sz="quarter" idx="12"/>
+          </p:nvPr>
+        </p:nvSpPr>
+        <p:spPr/>
+        <p:txBody>
+          <a:bodyPr/>
+          <a:lstStyle/>
+          <a:p>
+            <a:fld id="{A4F5F511-C017-478C-84E3-F7F078728441}" type="slidenum">
+              <a:rPr lang="de-DE" smtClean="0"/>
+              <a:t>2</a:t>
+            </a:fld>
+            <a:endParaRPr lang="de-DE"/>
+          </a:p>
+        </p:txBody>
+      </p:sp>
     </p:spTree>
     <p:extLst>
       <p:ext uri="{BB962C8B-B14F-4D97-AF65-F5344CB8AC3E}">
@@ -3775,8 +4665,2351 @@
         </p:blipFill>
         <p:spPr>
           <a:xfrm>
-            <a:off x="5944262" y="1692460"/>
+            <a:off x="1280822" y="1692460"/>
             <a:ext cx="5568776" cy="4115216"/>
+          </a:xfrm>
+          <a:prstGeom prst="rect">
+            <a:avLst/>
+          </a:prstGeom>
+        </p:spPr>
+      </p:pic>
+      <p:sp>
+        <p:nvSpPr>
+          <p:cNvPr id="5" name="Textfeld 4">
+            <a:extLst>
+              <a:ext uri="{FF2B5EF4-FFF2-40B4-BE49-F238E27FC236}">
+                <a16:creationId xmlns:a16="http://schemas.microsoft.com/office/drawing/2014/main" id="{8DDE6784-9F95-96ED-CE2D-F8752DE53483}"/>
+              </a:ext>
+            </a:extLst>
+          </p:cNvPr>
+          <p:cNvSpPr txBox="1"/>
+          <p:nvPr/>
+        </p:nvSpPr>
+        <p:spPr>
+          <a:xfrm>
+            <a:off x="1143000" y="5807676"/>
+            <a:ext cx="10370038" cy="464871"/>
+          </a:xfrm>
+          <a:prstGeom prst="rect">
+            <a:avLst/>
+          </a:prstGeom>
+          <a:noFill/>
+        </p:spPr>
+        <p:txBody>
+          <a:bodyPr wrap="square" rtlCol="0">
+            <a:spAutoFit/>
+          </a:bodyPr>
+          <a:lstStyle/>
+          <a:p>
+            <a:pPr>
+              <a:lnSpc>
+                <a:spcPct val="150000"/>
+              </a:lnSpc>
+            </a:pPr>
+            <a:r>
+              <a:rPr lang="de-DE" b="1" dirty="0">
+                <a:sym typeface="Wingdings" panose="05000000000000000000" pitchFamily="2" charset="2"/>
+              </a:rPr>
+              <a:t> Validation </a:t>
+            </a:r>
+            <a:r>
+              <a:rPr lang="de-DE" b="1" dirty="0" err="1">
+                <a:sym typeface="Wingdings" panose="05000000000000000000" pitchFamily="2" charset="2"/>
+              </a:rPr>
+              <a:t>loss</a:t>
+            </a:r>
+            <a:r>
+              <a:rPr lang="de-DE" b="1" dirty="0">
+                <a:sym typeface="Wingdings" panose="05000000000000000000" pitchFamily="2" charset="2"/>
+              </a:rPr>
+              <a:t>: 0.5 |  Validation </a:t>
+            </a:r>
+            <a:r>
+              <a:rPr lang="de-DE" b="1" dirty="0" err="1">
+                <a:sym typeface="Wingdings" panose="05000000000000000000" pitchFamily="2" charset="2"/>
+              </a:rPr>
+              <a:t>accuracy</a:t>
+            </a:r>
+            <a:r>
+              <a:rPr lang="de-DE" b="1" dirty="0">
+                <a:sym typeface="Wingdings" panose="05000000000000000000" pitchFamily="2" charset="2"/>
+              </a:rPr>
+              <a:t>: 0.88 </a:t>
+            </a:r>
+            <a:endParaRPr lang="de-DE" b="1" dirty="0"/>
+          </a:p>
+        </p:txBody>
+      </p:sp>
+      <p:sp>
+        <p:nvSpPr>
+          <p:cNvPr id="6" name="Foliennummernplatzhalter 5">
+            <a:extLst>
+              <a:ext uri="{FF2B5EF4-FFF2-40B4-BE49-F238E27FC236}">
+                <a16:creationId xmlns:a16="http://schemas.microsoft.com/office/drawing/2014/main" id="{37125C55-AE48-D699-A8E4-52C8232C59E4}"/>
+              </a:ext>
+            </a:extLst>
+          </p:cNvPr>
+          <p:cNvSpPr>
+            <a:spLocks noGrp="1"/>
+          </p:cNvSpPr>
+          <p:nvPr>
+            <p:ph type="sldNum" sz="quarter" idx="12"/>
+          </p:nvPr>
+        </p:nvSpPr>
+        <p:spPr/>
+        <p:txBody>
+          <a:bodyPr/>
+          <a:lstStyle/>
+          <a:p>
+            <a:fld id="{A4F5F511-C017-478C-84E3-F7F078728441}" type="slidenum">
+              <a:rPr lang="de-DE" smtClean="0"/>
+              <a:t>3</a:t>
+            </a:fld>
+            <a:endParaRPr lang="de-DE"/>
+          </a:p>
+        </p:txBody>
+      </p:sp>
+      <p:sp>
+        <p:nvSpPr>
+          <p:cNvPr id="8" name="Textfeld 7">
+            <a:extLst>
+              <a:ext uri="{FF2B5EF4-FFF2-40B4-BE49-F238E27FC236}">
+                <a16:creationId xmlns:a16="http://schemas.microsoft.com/office/drawing/2014/main" id="{6CB79D99-DE16-D480-5BF8-CF63D82C9AB0}"/>
+              </a:ext>
+            </a:extLst>
+          </p:cNvPr>
+          <p:cNvSpPr txBox="1"/>
+          <p:nvPr/>
+        </p:nvSpPr>
+        <p:spPr>
+          <a:xfrm>
+            <a:off x="7189470" y="1965960"/>
+            <a:ext cx="3451860" cy="369332"/>
+          </a:xfrm>
+          <a:prstGeom prst="rect">
+            <a:avLst/>
+          </a:prstGeom>
+          <a:noFill/>
+        </p:spPr>
+        <p:txBody>
+          <a:bodyPr wrap="square" rtlCol="0">
+            <a:spAutoFit/>
+          </a:bodyPr>
+          <a:lstStyle/>
+          <a:p>
+            <a:r>
+              <a:rPr lang="de-DE" dirty="0"/>
+              <a:t>5 </a:t>
+            </a:r>
+            <a:r>
+              <a:rPr lang="de-DE" dirty="0" err="1"/>
+              <a:t>epochs</a:t>
+            </a:r>
+            <a:endParaRPr lang="de-DE" dirty="0"/>
+          </a:p>
+        </p:txBody>
+      </p:sp>
+    </p:spTree>
+    <p:extLst>
+      <p:ext uri="{BB962C8B-B14F-4D97-AF65-F5344CB8AC3E}">
+        <p14:creationId xmlns:p14="http://schemas.microsoft.com/office/powerpoint/2010/main" val="1278214593"/>
+      </p:ext>
+    </p:extLst>
+  </p:cSld>
+  <p:clrMapOvr>
+    <a:masterClrMapping/>
+  </p:clrMapOvr>
+</p:sld>
+</file>
+
+<file path=ppt/slides/slide4.xml><?xml version="1.0" encoding="utf-8"?>
+<p:sld xmlns:a="http://schemas.openxmlformats.org/drawingml/2006/main" xmlns:r="http://schemas.openxmlformats.org/officeDocument/2006/relationships" xmlns:p="http://schemas.openxmlformats.org/presentationml/2006/main">
+  <p:cSld>
+    <p:spTree>
+      <p:nvGrpSpPr>
+        <p:cNvPr id="1" name=""/>
+        <p:cNvGrpSpPr/>
+        <p:nvPr/>
+      </p:nvGrpSpPr>
+      <p:grpSpPr>
+        <a:xfrm>
+          <a:off x="0" y="0"/>
+          <a:ext cx="0" cy="0"/>
+          <a:chOff x="0" y="0"/>
+          <a:chExt cx="0" cy="0"/>
+        </a:xfrm>
+      </p:grpSpPr>
+      <p:sp>
+        <p:nvSpPr>
+          <p:cNvPr id="2" name="Titel 1">
+            <a:extLst>
+              <a:ext uri="{FF2B5EF4-FFF2-40B4-BE49-F238E27FC236}">
+                <a16:creationId xmlns:a16="http://schemas.microsoft.com/office/drawing/2014/main" id="{1DD12F1B-42F9-06E5-F6E9-CB0AD7CE8946}"/>
+              </a:ext>
+            </a:extLst>
+          </p:cNvPr>
+          <p:cNvSpPr>
+            <a:spLocks noGrp="1"/>
+          </p:cNvSpPr>
+          <p:nvPr>
+            <p:ph type="title"/>
+          </p:nvPr>
+        </p:nvSpPr>
+        <p:spPr/>
+        <p:txBody>
+          <a:bodyPr/>
+          <a:lstStyle/>
+          <a:p>
+            <a:r>
+              <a:rPr lang="de-DE" dirty="0" err="1"/>
+              <a:t>Basemodel</a:t>
+            </a:r>
+            <a:r>
+              <a:rPr lang="de-DE" dirty="0"/>
+              <a:t> </a:t>
+            </a:r>
+            <a:r>
+              <a:rPr lang="de-DE" dirty="0" err="1"/>
+              <a:t>adjustments</a:t>
+            </a:r>
+            <a:endParaRPr lang="de-DE" dirty="0"/>
+          </a:p>
+        </p:txBody>
+      </p:sp>
+      <p:sp>
+        <p:nvSpPr>
+          <p:cNvPr id="4" name="Foliennummernplatzhalter 3">
+            <a:extLst>
+              <a:ext uri="{FF2B5EF4-FFF2-40B4-BE49-F238E27FC236}">
+                <a16:creationId xmlns:a16="http://schemas.microsoft.com/office/drawing/2014/main" id="{D921A888-D754-8075-C56E-15BCD80352EA}"/>
+              </a:ext>
+            </a:extLst>
+          </p:cNvPr>
+          <p:cNvSpPr>
+            <a:spLocks noGrp="1"/>
+          </p:cNvSpPr>
+          <p:nvPr>
+            <p:ph type="sldNum" sz="quarter" idx="12"/>
+          </p:nvPr>
+        </p:nvSpPr>
+        <p:spPr/>
+        <p:txBody>
+          <a:bodyPr/>
+          <a:lstStyle/>
+          <a:p>
+            <a:fld id="{A4F5F511-C017-478C-84E3-F7F078728441}" type="slidenum">
+              <a:rPr lang="de-DE" smtClean="0"/>
+              <a:t>4</a:t>
+            </a:fld>
+            <a:endParaRPr lang="de-DE"/>
+          </a:p>
+        </p:txBody>
+      </p:sp>
+      <p:sp>
+        <p:nvSpPr>
+          <p:cNvPr id="5" name="Textfeld 4">
+            <a:extLst>
+              <a:ext uri="{FF2B5EF4-FFF2-40B4-BE49-F238E27FC236}">
+                <a16:creationId xmlns:a16="http://schemas.microsoft.com/office/drawing/2014/main" id="{5B615E15-7C3B-2211-89BB-37D93E292A11}"/>
+              </a:ext>
+            </a:extLst>
+          </p:cNvPr>
+          <p:cNvSpPr txBox="1"/>
+          <p:nvPr/>
+        </p:nvSpPr>
+        <p:spPr>
+          <a:xfrm>
+            <a:off x="1173480" y="1553600"/>
+            <a:ext cx="9189720" cy="5866350"/>
+          </a:xfrm>
+          <a:prstGeom prst="rect">
+            <a:avLst/>
+          </a:prstGeom>
+          <a:noFill/>
+        </p:spPr>
+        <p:txBody>
+          <a:bodyPr wrap="square" rtlCol="0">
+            <a:spAutoFit/>
+          </a:bodyPr>
+          <a:lstStyle/>
+          <a:p>
+            <a:pPr marL="285750" indent="-285750">
+              <a:lnSpc>
+                <a:spcPct val="150000"/>
+              </a:lnSpc>
+              <a:buFont typeface="Wingdings" panose="05000000000000000000" pitchFamily="2" charset="2"/>
+              <a:buChar char="§"/>
+            </a:pPr>
+            <a:r>
+              <a:rPr lang="de-DE" dirty="0" err="1"/>
+              <a:t>Changes</a:t>
+            </a:r>
+            <a:r>
+              <a:rPr lang="de-DE" dirty="0"/>
+              <a:t>:</a:t>
+            </a:r>
+          </a:p>
+          <a:p>
+            <a:pPr marL="742950" lvl="1" indent="-285750">
+              <a:lnSpc>
+                <a:spcPct val="150000"/>
+              </a:lnSpc>
+              <a:buFont typeface="Wingdings" panose="05000000000000000000" pitchFamily="2" charset="2"/>
+              <a:buChar char="§"/>
+            </a:pPr>
+            <a:r>
+              <a:rPr lang="de-DE" dirty="0" err="1"/>
+              <a:t>Epoch</a:t>
+            </a:r>
+            <a:r>
+              <a:rPr lang="de-DE" dirty="0"/>
+              <a:t>: </a:t>
+            </a:r>
+            <a:r>
+              <a:rPr lang="de-DE" dirty="0" err="1"/>
+              <a:t>For</a:t>
+            </a:r>
+            <a:r>
+              <a:rPr lang="de-DE" dirty="0"/>
+              <a:t> 9 </a:t>
+            </a:r>
+            <a:r>
+              <a:rPr lang="de-DE" dirty="0" err="1"/>
+              <a:t>epochs</a:t>
+            </a:r>
+            <a:r>
+              <a:rPr lang="de-DE" dirty="0"/>
+              <a:t> </a:t>
+            </a:r>
+            <a:r>
+              <a:rPr lang="de-DE" dirty="0" err="1"/>
+              <a:t>we</a:t>
+            </a:r>
+            <a:r>
+              <a:rPr lang="de-DE" dirty="0"/>
+              <a:t> </a:t>
+            </a:r>
+            <a:r>
+              <a:rPr lang="de-DE" dirty="0" err="1"/>
+              <a:t>get</a:t>
+            </a:r>
+            <a:r>
+              <a:rPr lang="de-DE" dirty="0"/>
+              <a:t> </a:t>
+            </a:r>
+            <a:r>
+              <a:rPr lang="de-DE" dirty="0" err="1"/>
+              <a:t>the</a:t>
+            </a:r>
+            <a:r>
+              <a:rPr lang="de-DE" dirty="0"/>
+              <a:t> </a:t>
+            </a:r>
+            <a:r>
+              <a:rPr lang="de-DE" dirty="0" err="1"/>
+              <a:t>best</a:t>
+            </a:r>
+            <a:r>
+              <a:rPr lang="de-DE" dirty="0"/>
+              <a:t> </a:t>
+            </a:r>
+            <a:r>
+              <a:rPr lang="de-DE" dirty="0" err="1"/>
+              <a:t>performance</a:t>
+            </a:r>
+            <a:r>
+              <a:rPr lang="de-DE" dirty="0"/>
+              <a:t> (</a:t>
+            </a:r>
+            <a:r>
+              <a:rPr lang="de-DE" dirty="0" err="1"/>
+              <a:t>Acc</a:t>
+            </a:r>
+            <a:r>
+              <a:rPr lang="de-DE" dirty="0"/>
+              <a:t>: 0.85 | Loss:  0.63) </a:t>
+            </a:r>
+            <a:r>
+              <a:rPr lang="de-DE" dirty="0">
+                <a:sym typeface="Wingdings" panose="05000000000000000000" pitchFamily="2" charset="2"/>
+              </a:rPr>
+              <a:t> </a:t>
+            </a:r>
+            <a:r>
+              <a:rPr lang="de-DE" dirty="0" err="1">
+                <a:sym typeface="Wingdings" panose="05000000000000000000" pitchFamily="2" charset="2"/>
+              </a:rPr>
+              <a:t>for</a:t>
+            </a:r>
+            <a:r>
+              <a:rPr lang="de-DE" dirty="0">
+                <a:sym typeface="Wingdings" panose="05000000000000000000" pitchFamily="2" charset="2"/>
+              </a:rPr>
+              <a:t> </a:t>
+            </a:r>
+            <a:r>
+              <a:rPr lang="de-DE" dirty="0" err="1">
+                <a:sym typeface="Wingdings" panose="05000000000000000000" pitchFamily="2" charset="2"/>
+              </a:rPr>
+              <a:t>more</a:t>
+            </a:r>
+            <a:r>
+              <a:rPr lang="de-DE" dirty="0">
+                <a:sym typeface="Wingdings" panose="05000000000000000000" pitchFamily="2" charset="2"/>
+              </a:rPr>
+              <a:t> </a:t>
+            </a:r>
+            <a:r>
+              <a:rPr lang="de-DE" dirty="0" err="1">
+                <a:sym typeface="Wingdings" panose="05000000000000000000" pitchFamily="2" charset="2"/>
+              </a:rPr>
+              <a:t>epochs</a:t>
+            </a:r>
+            <a:r>
+              <a:rPr lang="de-DE" dirty="0">
+                <a:sym typeface="Wingdings" panose="05000000000000000000" pitchFamily="2" charset="2"/>
+              </a:rPr>
+              <a:t> </a:t>
+            </a:r>
+            <a:r>
+              <a:rPr lang="de-DE" dirty="0" err="1">
+                <a:sym typeface="Wingdings" panose="05000000000000000000" pitchFamily="2" charset="2"/>
+              </a:rPr>
+              <a:t>the</a:t>
+            </a:r>
+            <a:r>
+              <a:rPr lang="de-DE" dirty="0">
+                <a:sym typeface="Wingdings" panose="05000000000000000000" pitchFamily="2" charset="2"/>
+              </a:rPr>
+              <a:t> </a:t>
+            </a:r>
+            <a:r>
+              <a:rPr lang="de-DE" dirty="0" err="1">
+                <a:sym typeface="Wingdings" panose="05000000000000000000" pitchFamily="2" charset="2"/>
+              </a:rPr>
+              <a:t>model</a:t>
+            </a:r>
+            <a:r>
+              <a:rPr lang="de-DE" dirty="0">
+                <a:sym typeface="Wingdings" panose="05000000000000000000" pitchFamily="2" charset="2"/>
+              </a:rPr>
+              <a:t> </a:t>
+            </a:r>
+            <a:r>
+              <a:rPr lang="de-DE" dirty="0" err="1">
+                <a:sym typeface="Wingdings" panose="05000000000000000000" pitchFamily="2" charset="2"/>
+              </a:rPr>
+              <a:t>is</a:t>
+            </a:r>
+            <a:r>
+              <a:rPr lang="de-DE" dirty="0">
+                <a:sym typeface="Wingdings" panose="05000000000000000000" pitchFamily="2" charset="2"/>
+              </a:rPr>
+              <a:t> </a:t>
+            </a:r>
+            <a:r>
+              <a:rPr lang="de-DE" dirty="0" err="1">
+                <a:sym typeface="Wingdings" panose="05000000000000000000" pitchFamily="2" charset="2"/>
+              </a:rPr>
+              <a:t>overfitting</a:t>
+            </a:r>
+            <a:endParaRPr lang="de-DE" dirty="0"/>
+          </a:p>
+          <a:p>
+            <a:pPr marL="742950" lvl="1" indent="-285750">
+              <a:lnSpc>
+                <a:spcPct val="150000"/>
+              </a:lnSpc>
+              <a:buFont typeface="Wingdings" panose="05000000000000000000" pitchFamily="2" charset="2"/>
+              <a:buChar char="§"/>
+            </a:pPr>
+            <a:r>
+              <a:rPr lang="de-DE" dirty="0" err="1"/>
+              <a:t>Number</a:t>
+            </a:r>
+            <a:r>
+              <a:rPr lang="de-DE" dirty="0"/>
+              <a:t> </a:t>
+            </a:r>
+            <a:r>
+              <a:rPr lang="de-DE" dirty="0" err="1"/>
+              <a:t>of</a:t>
+            </a:r>
+            <a:r>
+              <a:rPr lang="de-DE" dirty="0"/>
+              <a:t> </a:t>
+            </a:r>
+            <a:r>
+              <a:rPr lang="de-DE" dirty="0" err="1"/>
+              <a:t>layers</a:t>
+            </a:r>
+            <a:r>
+              <a:rPr lang="de-DE" dirty="0"/>
+              <a:t> (9 </a:t>
+            </a:r>
+            <a:r>
+              <a:rPr lang="de-DE" dirty="0" err="1"/>
+              <a:t>epochs</a:t>
+            </a:r>
+            <a:r>
+              <a:rPr lang="de-DE" dirty="0"/>
+              <a:t>):</a:t>
+            </a:r>
+          </a:p>
+          <a:p>
+            <a:pPr marL="1200150" lvl="2" indent="-285750">
+              <a:lnSpc>
+                <a:spcPct val="150000"/>
+              </a:lnSpc>
+              <a:buFont typeface="Wingdings" panose="05000000000000000000" pitchFamily="2" charset="2"/>
+              <a:buChar char="§"/>
+            </a:pPr>
+            <a:r>
+              <a:rPr lang="de-DE" dirty="0"/>
+              <a:t>1 </a:t>
+            </a:r>
+            <a:r>
+              <a:rPr lang="de-DE" dirty="0" err="1"/>
+              <a:t>Conv</a:t>
+            </a:r>
+            <a:r>
+              <a:rPr lang="de-DE" dirty="0"/>
+              <a:t> + 1 Pool:  </a:t>
+            </a:r>
+            <a:r>
+              <a:rPr lang="de-DE" dirty="0" err="1"/>
+              <a:t>validation</a:t>
+            </a:r>
+            <a:r>
+              <a:rPr lang="de-DE" dirty="0"/>
+              <a:t> </a:t>
+            </a:r>
+            <a:r>
+              <a:rPr lang="de-DE" dirty="0" err="1"/>
+              <a:t>loss</a:t>
+            </a:r>
+            <a:r>
+              <a:rPr lang="de-DE" dirty="0"/>
+              <a:t>: 0.54 | </a:t>
+            </a:r>
+            <a:r>
+              <a:rPr lang="de-DE" dirty="0" err="1"/>
+              <a:t>validation</a:t>
+            </a:r>
+            <a:r>
+              <a:rPr lang="de-DE" dirty="0"/>
+              <a:t> </a:t>
+            </a:r>
+            <a:r>
+              <a:rPr lang="de-DE" dirty="0" err="1"/>
+              <a:t>accuracy</a:t>
+            </a:r>
+            <a:r>
+              <a:rPr lang="de-DE" dirty="0"/>
+              <a:t>: 0.83</a:t>
+            </a:r>
+          </a:p>
+          <a:p>
+            <a:pPr marL="1200150" lvl="2" indent="-285750">
+              <a:lnSpc>
+                <a:spcPct val="150000"/>
+              </a:lnSpc>
+              <a:buFont typeface="Wingdings" panose="05000000000000000000" pitchFamily="2" charset="2"/>
+              <a:buChar char="§"/>
+            </a:pPr>
+            <a:r>
+              <a:rPr lang="de-DE" dirty="0"/>
+              <a:t>2 </a:t>
+            </a:r>
+            <a:r>
+              <a:rPr lang="de-DE" dirty="0" err="1"/>
+              <a:t>Conv</a:t>
+            </a:r>
+            <a:r>
+              <a:rPr lang="de-DE" dirty="0"/>
+              <a:t> + 2 Pool: </a:t>
+            </a:r>
+            <a:r>
+              <a:rPr lang="de-DE" dirty="0" err="1"/>
+              <a:t>validation</a:t>
+            </a:r>
+            <a:r>
+              <a:rPr lang="de-DE" dirty="0"/>
+              <a:t> </a:t>
+            </a:r>
+            <a:r>
+              <a:rPr lang="de-DE" dirty="0" err="1"/>
+              <a:t>loss</a:t>
+            </a:r>
+            <a:r>
+              <a:rPr lang="de-DE" dirty="0"/>
+              <a:t>: 0.53 | </a:t>
+            </a:r>
+            <a:r>
+              <a:rPr lang="de-DE" dirty="0" err="1"/>
+              <a:t>validation</a:t>
+            </a:r>
+            <a:r>
+              <a:rPr lang="de-DE" dirty="0"/>
+              <a:t> </a:t>
+            </a:r>
+            <a:r>
+              <a:rPr lang="de-DE" dirty="0" err="1"/>
+              <a:t>accuracy</a:t>
+            </a:r>
+            <a:r>
+              <a:rPr lang="de-DE" dirty="0"/>
+              <a:t>: 0.89 </a:t>
+            </a:r>
+            <a:r>
+              <a:rPr lang="de-DE" dirty="0">
+                <a:sym typeface="Wingdings" panose="05000000000000000000" pitchFamily="2" charset="2"/>
+              </a:rPr>
+              <a:t> </a:t>
+            </a:r>
+            <a:r>
+              <a:rPr lang="de-DE" dirty="0" err="1">
+                <a:sym typeface="Wingdings" panose="05000000000000000000" pitchFamily="2" charset="2"/>
+              </a:rPr>
+              <a:t>better</a:t>
+            </a:r>
+            <a:endParaRPr lang="de-DE" dirty="0">
+              <a:sym typeface="Wingdings" panose="05000000000000000000" pitchFamily="2" charset="2"/>
+            </a:endParaRPr>
+          </a:p>
+          <a:p>
+            <a:pPr marL="1200150" lvl="2" indent="-285750">
+              <a:lnSpc>
+                <a:spcPct val="150000"/>
+              </a:lnSpc>
+              <a:buFont typeface="Wingdings" panose="05000000000000000000" pitchFamily="2" charset="2"/>
+              <a:buChar char="§"/>
+            </a:pPr>
+            <a:r>
+              <a:rPr lang="de-DE" dirty="0">
+                <a:sym typeface="Wingdings" panose="05000000000000000000" pitchFamily="2" charset="2"/>
+              </a:rPr>
+              <a:t>3 </a:t>
+            </a:r>
+            <a:r>
+              <a:rPr lang="de-DE" dirty="0" err="1">
+                <a:sym typeface="Wingdings" panose="05000000000000000000" pitchFamily="2" charset="2"/>
+              </a:rPr>
+              <a:t>Conv</a:t>
+            </a:r>
+            <a:r>
+              <a:rPr lang="de-DE" dirty="0">
+                <a:sym typeface="Wingdings" panose="05000000000000000000" pitchFamily="2" charset="2"/>
+              </a:rPr>
+              <a:t> + 3 Pool: </a:t>
+            </a:r>
+            <a:r>
+              <a:rPr lang="de-DE" dirty="0" err="1">
+                <a:sym typeface="Wingdings" panose="05000000000000000000" pitchFamily="2" charset="2"/>
+              </a:rPr>
+              <a:t>validation</a:t>
+            </a:r>
+            <a:r>
+              <a:rPr lang="de-DE" dirty="0">
+                <a:sym typeface="Wingdings" panose="05000000000000000000" pitchFamily="2" charset="2"/>
+              </a:rPr>
+              <a:t> </a:t>
+            </a:r>
+            <a:r>
+              <a:rPr lang="de-DE" dirty="0" err="1">
+                <a:sym typeface="Wingdings" panose="05000000000000000000" pitchFamily="2" charset="2"/>
+              </a:rPr>
+              <a:t>loss</a:t>
+            </a:r>
+            <a:r>
+              <a:rPr lang="de-DE" dirty="0">
+                <a:sym typeface="Wingdings" panose="05000000000000000000" pitchFamily="2" charset="2"/>
+              </a:rPr>
+              <a:t>:  | </a:t>
+            </a:r>
+            <a:r>
+              <a:rPr lang="de-DE" dirty="0" err="1">
+                <a:sym typeface="Wingdings" panose="05000000000000000000" pitchFamily="2" charset="2"/>
+              </a:rPr>
+              <a:t>validation</a:t>
+            </a:r>
+            <a:r>
+              <a:rPr lang="de-DE" dirty="0">
+                <a:sym typeface="Wingdings" panose="05000000000000000000" pitchFamily="2" charset="2"/>
+              </a:rPr>
+              <a:t> </a:t>
+            </a:r>
+            <a:r>
+              <a:rPr lang="de-DE" dirty="0" err="1">
+                <a:sym typeface="Wingdings" panose="05000000000000000000" pitchFamily="2" charset="2"/>
+              </a:rPr>
+              <a:t>accuracy</a:t>
+            </a:r>
+            <a:r>
+              <a:rPr lang="de-DE" dirty="0">
+                <a:sym typeface="Wingdings" panose="05000000000000000000" pitchFamily="2" charset="2"/>
+              </a:rPr>
+              <a:t>: 0.9</a:t>
+            </a:r>
+          </a:p>
+          <a:p>
+            <a:pPr marL="1200150" lvl="2" indent="-285750">
+              <a:lnSpc>
+                <a:spcPct val="150000"/>
+              </a:lnSpc>
+              <a:buFont typeface="Wingdings" panose="05000000000000000000" pitchFamily="2" charset="2"/>
+              <a:buChar char="§"/>
+            </a:pPr>
+            <a:r>
+              <a:rPr lang="de-DE" dirty="0">
+                <a:sym typeface="Wingdings" panose="05000000000000000000" pitchFamily="2" charset="2"/>
+              </a:rPr>
+              <a:t>4 </a:t>
+            </a:r>
+            <a:r>
+              <a:rPr lang="de-DE" dirty="0" err="1">
+                <a:sym typeface="Wingdings" panose="05000000000000000000" pitchFamily="2" charset="2"/>
+              </a:rPr>
+              <a:t>Conv</a:t>
+            </a:r>
+            <a:r>
+              <a:rPr lang="de-DE" dirty="0">
+                <a:sym typeface="Wingdings" panose="05000000000000000000" pitchFamily="2" charset="2"/>
+              </a:rPr>
+              <a:t> + 4 Pool: </a:t>
+            </a:r>
+            <a:r>
+              <a:rPr lang="de-DE" dirty="0" err="1">
+                <a:sym typeface="Wingdings" panose="05000000000000000000" pitchFamily="2" charset="2"/>
+              </a:rPr>
+              <a:t>validation</a:t>
+            </a:r>
+            <a:r>
+              <a:rPr lang="de-DE" dirty="0">
+                <a:sym typeface="Wingdings" panose="05000000000000000000" pitchFamily="2" charset="2"/>
+              </a:rPr>
+              <a:t> </a:t>
+            </a:r>
+            <a:r>
+              <a:rPr lang="de-DE" dirty="0" err="1">
+                <a:sym typeface="Wingdings" panose="05000000000000000000" pitchFamily="2" charset="2"/>
+              </a:rPr>
+              <a:t>loss</a:t>
+            </a:r>
+            <a:r>
+              <a:rPr lang="de-DE" dirty="0">
+                <a:sym typeface="Wingdings" panose="05000000000000000000" pitchFamily="2" charset="2"/>
+              </a:rPr>
+              <a:t>: 0.47 | </a:t>
+            </a:r>
+            <a:r>
+              <a:rPr lang="de-DE" dirty="0" err="1">
+                <a:sym typeface="Wingdings" panose="05000000000000000000" pitchFamily="2" charset="2"/>
+              </a:rPr>
+              <a:t>validation</a:t>
+            </a:r>
+            <a:r>
+              <a:rPr lang="de-DE" dirty="0">
+                <a:sym typeface="Wingdings" panose="05000000000000000000" pitchFamily="2" charset="2"/>
+              </a:rPr>
+              <a:t> </a:t>
+            </a:r>
+            <a:r>
+              <a:rPr lang="de-DE" dirty="0" err="1">
+                <a:sym typeface="Wingdings" panose="05000000000000000000" pitchFamily="2" charset="2"/>
+              </a:rPr>
+              <a:t>accuracy</a:t>
+            </a:r>
+            <a:r>
+              <a:rPr lang="de-DE" dirty="0">
+                <a:sym typeface="Wingdings" panose="05000000000000000000" pitchFamily="2" charset="2"/>
+              </a:rPr>
+              <a:t>: 0.87 (</a:t>
+            </a:r>
+            <a:r>
+              <a:rPr lang="de-DE" dirty="0" err="1">
+                <a:sym typeface="Wingdings" panose="05000000000000000000" pitchFamily="2" charset="2"/>
+              </a:rPr>
+              <a:t>less</a:t>
+            </a:r>
+            <a:r>
+              <a:rPr lang="de-DE" dirty="0">
+                <a:sym typeface="Wingdings" panose="05000000000000000000" pitchFamily="2" charset="2"/>
+              </a:rPr>
+              <a:t> </a:t>
+            </a:r>
+            <a:r>
+              <a:rPr lang="de-DE" dirty="0" err="1">
+                <a:sym typeface="Wingdings" panose="05000000000000000000" pitchFamily="2" charset="2"/>
+              </a:rPr>
+              <a:t>epochs</a:t>
+            </a:r>
+            <a:r>
+              <a:rPr lang="de-DE" dirty="0">
+                <a:sym typeface="Wingdings" panose="05000000000000000000" pitchFamily="2" charset="2"/>
+              </a:rPr>
+              <a:t> </a:t>
+            </a:r>
+            <a:r>
+              <a:rPr lang="de-DE" dirty="0" err="1">
+                <a:sym typeface="Wingdings" panose="05000000000000000000" pitchFamily="2" charset="2"/>
+              </a:rPr>
+              <a:t>than</a:t>
+            </a:r>
+            <a:r>
+              <a:rPr lang="de-DE" dirty="0">
+                <a:sym typeface="Wingdings" panose="05000000000000000000" pitchFamily="2" charset="2"/>
+              </a:rPr>
+              <a:t> 9 </a:t>
+            </a:r>
+            <a:r>
+              <a:rPr lang="de-DE" dirty="0" err="1">
+                <a:sym typeface="Wingdings" panose="05000000000000000000" pitchFamily="2" charset="2"/>
+              </a:rPr>
+              <a:t>improve</a:t>
+            </a:r>
+            <a:r>
+              <a:rPr lang="de-DE" dirty="0">
+                <a:sym typeface="Wingdings" panose="05000000000000000000" pitchFamily="2" charset="2"/>
+              </a:rPr>
+              <a:t> </a:t>
+            </a:r>
+            <a:r>
+              <a:rPr lang="de-DE" dirty="0" err="1">
+                <a:sym typeface="Wingdings" panose="05000000000000000000" pitchFamily="2" charset="2"/>
+              </a:rPr>
+              <a:t>the</a:t>
+            </a:r>
+            <a:r>
+              <a:rPr lang="de-DE" dirty="0">
+                <a:sym typeface="Wingdings" panose="05000000000000000000" pitchFamily="2" charset="2"/>
+              </a:rPr>
+              <a:t> </a:t>
+            </a:r>
+            <a:r>
+              <a:rPr lang="de-DE" dirty="0" err="1">
+                <a:sym typeface="Wingdings" panose="05000000000000000000" pitchFamily="2" charset="2"/>
+              </a:rPr>
+              <a:t>performance</a:t>
+            </a:r>
+            <a:r>
+              <a:rPr lang="de-DE" dirty="0">
+                <a:sym typeface="Wingdings" panose="05000000000000000000" pitchFamily="2" charset="2"/>
+              </a:rPr>
+              <a:t> </a:t>
+            </a:r>
+            <a:r>
+              <a:rPr lang="de-DE" dirty="0" err="1">
+                <a:sym typeface="Wingdings" panose="05000000000000000000" pitchFamily="2" charset="2"/>
+              </a:rPr>
+              <a:t>again</a:t>
+            </a:r>
+            <a:r>
+              <a:rPr lang="de-DE" dirty="0">
+                <a:sym typeface="Wingdings" panose="05000000000000000000" pitchFamily="2" charset="2"/>
+              </a:rPr>
+              <a:t>)</a:t>
+            </a:r>
+          </a:p>
+          <a:p>
+            <a:pPr marL="1200150" lvl="2" indent="-285750">
+              <a:lnSpc>
+                <a:spcPct val="150000"/>
+              </a:lnSpc>
+              <a:buFont typeface="Wingdings" panose="05000000000000000000" pitchFamily="2" charset="2"/>
+              <a:buChar char="à"/>
+            </a:pPr>
+            <a:r>
+              <a:rPr lang="de-DE" dirty="0">
+                <a:sym typeface="Wingdings" panose="05000000000000000000" pitchFamily="2" charset="2"/>
+              </a:rPr>
+              <a:t>Performance </a:t>
+            </a:r>
+            <a:r>
+              <a:rPr lang="de-DE" dirty="0" err="1">
+                <a:sym typeface="Wingdings" panose="05000000000000000000" pitchFamily="2" charset="2"/>
+              </a:rPr>
+              <a:t>improves</a:t>
+            </a:r>
+            <a:r>
+              <a:rPr lang="de-DE" dirty="0">
+                <a:sym typeface="Wingdings" panose="05000000000000000000" pitchFamily="2" charset="2"/>
+              </a:rPr>
+              <a:t> </a:t>
+            </a:r>
+            <a:r>
+              <a:rPr lang="de-DE" dirty="0" err="1">
+                <a:sym typeface="Wingdings" panose="05000000000000000000" pitchFamily="2" charset="2"/>
+              </a:rPr>
+              <a:t>with</a:t>
+            </a:r>
+            <a:r>
+              <a:rPr lang="de-DE" dirty="0">
+                <a:sym typeface="Wingdings" panose="05000000000000000000" pitchFamily="2" charset="2"/>
+              </a:rPr>
+              <a:t> </a:t>
+            </a:r>
+            <a:r>
+              <a:rPr lang="de-DE" dirty="0" err="1">
+                <a:sym typeface="Wingdings" panose="05000000000000000000" pitchFamily="2" charset="2"/>
+              </a:rPr>
+              <a:t>more</a:t>
+            </a:r>
+            <a:r>
+              <a:rPr lang="de-DE" dirty="0">
+                <a:sym typeface="Wingdings" panose="05000000000000000000" pitchFamily="2" charset="2"/>
+              </a:rPr>
+              <a:t> </a:t>
+            </a:r>
+            <a:r>
+              <a:rPr lang="de-DE" dirty="0" err="1">
+                <a:sym typeface="Wingdings" panose="05000000000000000000" pitchFamily="2" charset="2"/>
+              </a:rPr>
+              <a:t>layers</a:t>
+            </a:r>
+            <a:endParaRPr lang="de-DE" dirty="0">
+              <a:sym typeface="Wingdings" panose="05000000000000000000" pitchFamily="2" charset="2"/>
+            </a:endParaRPr>
+          </a:p>
+          <a:p>
+            <a:pPr marL="742950" lvl="1" indent="-285750">
+              <a:lnSpc>
+                <a:spcPct val="150000"/>
+              </a:lnSpc>
+              <a:buFont typeface="Wingdings" panose="05000000000000000000" pitchFamily="2" charset="2"/>
+              <a:buChar char="§"/>
+            </a:pPr>
+            <a:r>
+              <a:rPr lang="de-DE" dirty="0" err="1">
+                <a:sym typeface="Wingdings" panose="05000000000000000000" pitchFamily="2" charset="2"/>
+              </a:rPr>
+              <a:t>Increasing</a:t>
+            </a:r>
+            <a:r>
+              <a:rPr lang="de-DE" dirty="0">
+                <a:sym typeface="Wingdings" panose="05000000000000000000" pitchFamily="2" charset="2"/>
+              </a:rPr>
+              <a:t> </a:t>
+            </a:r>
+            <a:r>
+              <a:rPr lang="de-DE" dirty="0" err="1">
+                <a:sym typeface="Wingdings" panose="05000000000000000000" pitchFamily="2" charset="2"/>
+              </a:rPr>
+              <a:t>the</a:t>
+            </a:r>
+            <a:r>
+              <a:rPr lang="de-DE" dirty="0">
+                <a:sym typeface="Wingdings" panose="05000000000000000000" pitchFamily="2" charset="2"/>
+              </a:rPr>
+              <a:t> </a:t>
+            </a:r>
+            <a:r>
+              <a:rPr lang="de-DE" dirty="0" err="1">
+                <a:sym typeface="Wingdings" panose="05000000000000000000" pitchFamily="2" charset="2"/>
+              </a:rPr>
+              <a:t>size</a:t>
+            </a:r>
+            <a:r>
+              <a:rPr lang="de-DE" dirty="0">
+                <a:sym typeface="Wingdings" panose="05000000000000000000" pitchFamily="2" charset="2"/>
+              </a:rPr>
+              <a:t> </a:t>
+            </a:r>
+            <a:r>
+              <a:rPr lang="de-DE" dirty="0" err="1">
+                <a:sym typeface="Wingdings" panose="05000000000000000000" pitchFamily="2" charset="2"/>
+              </a:rPr>
+              <a:t>of</a:t>
+            </a:r>
+            <a:r>
+              <a:rPr lang="de-DE" dirty="0">
+                <a:sym typeface="Wingdings" panose="05000000000000000000" pitchFamily="2" charset="2"/>
+              </a:rPr>
+              <a:t> </a:t>
+            </a:r>
+            <a:r>
+              <a:rPr lang="de-DE" dirty="0" err="1">
+                <a:sym typeface="Wingdings" panose="05000000000000000000" pitchFamily="2" charset="2"/>
+              </a:rPr>
+              <a:t>max</a:t>
+            </a:r>
+            <a:r>
+              <a:rPr lang="de-DE" dirty="0">
+                <a:sym typeface="Wingdings" panose="05000000000000000000" pitchFamily="2" charset="2"/>
+              </a:rPr>
+              <a:t> </a:t>
+            </a:r>
+            <a:r>
+              <a:rPr lang="de-DE" dirty="0" err="1">
+                <a:sym typeface="Wingdings" panose="05000000000000000000" pitchFamily="2" charset="2"/>
+              </a:rPr>
+              <a:t>pooling</a:t>
+            </a:r>
+            <a:r>
+              <a:rPr lang="de-DE" dirty="0">
+                <a:sym typeface="Wingdings" panose="05000000000000000000" pitchFamily="2" charset="2"/>
+              </a:rPr>
+              <a:t> </a:t>
+            </a:r>
+            <a:r>
+              <a:rPr lang="de-DE" dirty="0" err="1">
+                <a:sym typeface="Wingdings" panose="05000000000000000000" pitchFamily="2" charset="2"/>
+              </a:rPr>
+              <a:t>decreases</a:t>
+            </a:r>
+            <a:r>
+              <a:rPr lang="de-DE" dirty="0">
+                <a:sym typeface="Wingdings" panose="05000000000000000000" pitchFamily="2" charset="2"/>
+              </a:rPr>
+              <a:t> </a:t>
+            </a:r>
+            <a:r>
+              <a:rPr lang="de-DE" dirty="0" err="1">
+                <a:sym typeface="Wingdings" panose="05000000000000000000" pitchFamily="2" charset="2"/>
+              </a:rPr>
+              <a:t>the</a:t>
+            </a:r>
+            <a:r>
+              <a:rPr lang="de-DE" dirty="0">
+                <a:sym typeface="Wingdings" panose="05000000000000000000" pitchFamily="2" charset="2"/>
+              </a:rPr>
+              <a:t> </a:t>
+            </a:r>
+            <a:r>
+              <a:rPr lang="de-DE" dirty="0" err="1">
+                <a:sym typeface="Wingdings" panose="05000000000000000000" pitchFamily="2" charset="2"/>
+              </a:rPr>
+              <a:t>accuracy</a:t>
+            </a:r>
+            <a:endParaRPr lang="de-DE" dirty="0">
+              <a:sym typeface="Wingdings" panose="05000000000000000000" pitchFamily="2" charset="2"/>
+            </a:endParaRPr>
+          </a:p>
+          <a:p>
+            <a:pPr marL="742950" lvl="1" indent="-285750">
+              <a:lnSpc>
+                <a:spcPct val="150000"/>
+              </a:lnSpc>
+              <a:buFont typeface="Wingdings" panose="05000000000000000000" pitchFamily="2" charset="2"/>
+              <a:buChar char="§"/>
+            </a:pPr>
+            <a:r>
+              <a:rPr lang="de-DE" dirty="0">
+                <a:sym typeface="Wingdings" panose="05000000000000000000" pitchFamily="2" charset="2"/>
+              </a:rPr>
+              <a:t>3x3 </a:t>
+            </a:r>
+            <a:r>
+              <a:rPr lang="de-DE" dirty="0" err="1">
+                <a:sym typeface="Wingdings" panose="05000000000000000000" pitchFamily="2" charset="2"/>
+              </a:rPr>
+              <a:t>max</a:t>
+            </a:r>
+            <a:r>
+              <a:rPr lang="de-DE" dirty="0">
+                <a:sym typeface="Wingdings" panose="05000000000000000000" pitchFamily="2" charset="2"/>
+              </a:rPr>
+              <a:t> </a:t>
+            </a:r>
+            <a:r>
+              <a:rPr lang="de-DE" dirty="0" err="1">
+                <a:sym typeface="Wingdings" panose="05000000000000000000" pitchFamily="2" charset="2"/>
+              </a:rPr>
+              <a:t>pooling</a:t>
+            </a:r>
+            <a:r>
+              <a:rPr lang="de-DE" dirty="0">
+                <a:sym typeface="Wingdings" panose="05000000000000000000" pitchFamily="2" charset="2"/>
+              </a:rPr>
+              <a:t> </a:t>
+            </a:r>
+            <a:r>
+              <a:rPr lang="de-DE" dirty="0" err="1">
+                <a:sym typeface="Wingdings" panose="05000000000000000000" pitchFamily="2" charset="2"/>
+              </a:rPr>
+              <a:t>improves</a:t>
+            </a:r>
+            <a:r>
+              <a:rPr lang="de-DE" dirty="0">
+                <a:sym typeface="Wingdings" panose="05000000000000000000" pitchFamily="2" charset="2"/>
+              </a:rPr>
+              <a:t> </a:t>
+            </a:r>
+            <a:r>
+              <a:rPr lang="de-DE" dirty="0" err="1">
+                <a:sym typeface="Wingdings" panose="05000000000000000000" pitchFamily="2" charset="2"/>
+              </a:rPr>
+              <a:t>accuracy</a:t>
+            </a:r>
+            <a:r>
+              <a:rPr lang="de-DE" dirty="0">
+                <a:sym typeface="Wingdings" panose="05000000000000000000" pitchFamily="2" charset="2"/>
+              </a:rPr>
+              <a:t> (</a:t>
+            </a:r>
+            <a:r>
+              <a:rPr lang="de-DE" dirty="0" err="1">
+                <a:sym typeface="Wingdings" panose="05000000000000000000" pitchFamily="2" charset="2"/>
+              </a:rPr>
+              <a:t>validation</a:t>
+            </a:r>
+            <a:r>
+              <a:rPr lang="de-DE" dirty="0">
+                <a:sym typeface="Wingdings" panose="05000000000000000000" pitchFamily="2" charset="2"/>
+              </a:rPr>
+              <a:t> </a:t>
+            </a:r>
+            <a:r>
+              <a:rPr lang="de-DE" dirty="0" err="1">
+                <a:sym typeface="Wingdings" panose="05000000000000000000" pitchFamily="2" charset="2"/>
+              </a:rPr>
+              <a:t>loss</a:t>
+            </a:r>
+            <a:r>
+              <a:rPr lang="de-DE" dirty="0">
+                <a:sym typeface="Wingdings" panose="05000000000000000000" pitchFamily="2" charset="2"/>
+              </a:rPr>
+              <a:t>. 0.34 | </a:t>
+            </a:r>
+            <a:r>
+              <a:rPr lang="de-DE" dirty="0" err="1">
+                <a:sym typeface="Wingdings" panose="05000000000000000000" pitchFamily="2" charset="2"/>
+              </a:rPr>
+              <a:t>validation</a:t>
+            </a:r>
+            <a:r>
+              <a:rPr lang="de-DE" dirty="0">
+                <a:sym typeface="Wingdings" panose="05000000000000000000" pitchFamily="2" charset="2"/>
+              </a:rPr>
+              <a:t> </a:t>
+            </a:r>
+            <a:r>
+              <a:rPr lang="de-DE" dirty="0" err="1">
+                <a:sym typeface="Wingdings" panose="05000000000000000000" pitchFamily="2" charset="2"/>
+              </a:rPr>
+              <a:t>accuracy</a:t>
+            </a:r>
+            <a:r>
+              <a:rPr lang="de-DE" dirty="0">
+                <a:sym typeface="Wingdings" panose="05000000000000000000" pitchFamily="2" charset="2"/>
+              </a:rPr>
+              <a:t>: 0.91)</a:t>
+            </a:r>
+          </a:p>
+          <a:p>
+            <a:pPr marL="742950" lvl="1" indent="-285750">
+              <a:lnSpc>
+                <a:spcPct val="150000"/>
+              </a:lnSpc>
+              <a:buFont typeface="Wingdings" panose="05000000000000000000" pitchFamily="2" charset="2"/>
+              <a:buChar char="§"/>
+            </a:pPr>
+            <a:r>
+              <a:rPr lang="de-DE" dirty="0">
+                <a:sym typeface="Wingdings" panose="05000000000000000000" pitchFamily="2" charset="2"/>
+              </a:rPr>
+              <a:t>Average </a:t>
+            </a:r>
+            <a:r>
+              <a:rPr lang="de-DE" dirty="0" err="1">
+                <a:sym typeface="Wingdings" panose="05000000000000000000" pitchFamily="2" charset="2"/>
+              </a:rPr>
+              <a:t>pooling</a:t>
+            </a:r>
+            <a:r>
+              <a:rPr lang="de-DE" dirty="0">
+                <a:sym typeface="Wingdings" panose="05000000000000000000" pitchFamily="2" charset="2"/>
+              </a:rPr>
+              <a:t> </a:t>
+            </a:r>
+            <a:r>
+              <a:rPr lang="de-DE" dirty="0" err="1">
+                <a:sym typeface="Wingdings" panose="05000000000000000000" pitchFamily="2" charset="2"/>
+              </a:rPr>
+              <a:t>decreases</a:t>
+            </a:r>
+            <a:r>
+              <a:rPr lang="de-DE" dirty="0">
+                <a:sym typeface="Wingdings" panose="05000000000000000000" pitchFamily="2" charset="2"/>
+              </a:rPr>
+              <a:t> </a:t>
+            </a:r>
+            <a:r>
+              <a:rPr lang="de-DE" dirty="0" err="1">
+                <a:sym typeface="Wingdings" panose="05000000000000000000" pitchFamily="2" charset="2"/>
+              </a:rPr>
+              <a:t>the</a:t>
+            </a:r>
+            <a:r>
+              <a:rPr lang="de-DE" dirty="0">
+                <a:sym typeface="Wingdings" panose="05000000000000000000" pitchFamily="2" charset="2"/>
+              </a:rPr>
+              <a:t> </a:t>
+            </a:r>
+            <a:r>
+              <a:rPr lang="de-DE" dirty="0" err="1">
+                <a:sym typeface="Wingdings" panose="05000000000000000000" pitchFamily="2" charset="2"/>
+              </a:rPr>
+              <a:t>performance</a:t>
+            </a:r>
+            <a:endParaRPr lang="de-DE" dirty="0"/>
+          </a:p>
+          <a:p>
+            <a:pPr marL="742950" lvl="1" indent="-285750">
+              <a:lnSpc>
+                <a:spcPct val="150000"/>
+              </a:lnSpc>
+              <a:buFont typeface="Wingdings" panose="05000000000000000000" pitchFamily="2" charset="2"/>
+              <a:buChar char="§"/>
+            </a:pPr>
+            <a:r>
+              <a:rPr lang="de-DE" dirty="0"/>
+              <a:t>Optimizer: </a:t>
+            </a:r>
+          </a:p>
+        </p:txBody>
+      </p:sp>
+      <p:graphicFrame>
+        <p:nvGraphicFramePr>
+          <p:cNvPr id="6" name="Tabelle 6">
+            <a:extLst>
+              <a:ext uri="{FF2B5EF4-FFF2-40B4-BE49-F238E27FC236}">
+                <a16:creationId xmlns:a16="http://schemas.microsoft.com/office/drawing/2014/main" id="{D29D7DD2-A0C9-7767-E06F-C16A350F18C7}"/>
+              </a:ext>
+            </a:extLst>
+          </p:cNvPr>
+          <p:cNvGraphicFramePr>
+            <a:graphicFrameLocks noGrp="1"/>
+          </p:cNvGraphicFramePr>
+          <p:nvPr>
+            <p:extLst>
+              <p:ext uri="{D42A27DB-BD31-4B8C-83A1-F6EECF244321}">
+                <p14:modId xmlns:p14="http://schemas.microsoft.com/office/powerpoint/2010/main" val="2088818922"/>
+              </p:ext>
+            </p:extLst>
+          </p:nvPr>
+        </p:nvGraphicFramePr>
+        <p:xfrm>
+          <a:off x="2032000" y="719666"/>
+          <a:ext cx="8128002" cy="2966720"/>
+        </p:xfrm>
+        <a:graphic>
+          <a:graphicData uri="http://schemas.openxmlformats.org/drawingml/2006/table">
+            <a:tbl>
+              <a:tblPr firstRow="1" bandRow="1">
+                <a:tableStyleId>{5C22544A-7EE6-4342-B048-85BDC9FD1C3A}</a:tableStyleId>
+              </a:tblPr>
+              <a:tblGrid>
+                <a:gridCol w="1354667">
+                  <a:extLst>
+                    <a:ext uri="{9D8B030D-6E8A-4147-A177-3AD203B41FA5}">
+                      <a16:colId xmlns:a16="http://schemas.microsoft.com/office/drawing/2014/main" val="551111263"/>
+                    </a:ext>
+                  </a:extLst>
+                </a:gridCol>
+                <a:gridCol w="1354667">
+                  <a:extLst>
+                    <a:ext uri="{9D8B030D-6E8A-4147-A177-3AD203B41FA5}">
+                      <a16:colId xmlns:a16="http://schemas.microsoft.com/office/drawing/2014/main" val="3274945326"/>
+                    </a:ext>
+                  </a:extLst>
+                </a:gridCol>
+                <a:gridCol w="1354667">
+                  <a:extLst>
+                    <a:ext uri="{9D8B030D-6E8A-4147-A177-3AD203B41FA5}">
+                      <a16:colId xmlns:a16="http://schemas.microsoft.com/office/drawing/2014/main" val="3217007343"/>
+                    </a:ext>
+                  </a:extLst>
+                </a:gridCol>
+                <a:gridCol w="1354667">
+                  <a:extLst>
+                    <a:ext uri="{9D8B030D-6E8A-4147-A177-3AD203B41FA5}">
+                      <a16:colId xmlns:a16="http://schemas.microsoft.com/office/drawing/2014/main" val="1477321785"/>
+                    </a:ext>
+                  </a:extLst>
+                </a:gridCol>
+                <a:gridCol w="1354667">
+                  <a:extLst>
+                    <a:ext uri="{9D8B030D-6E8A-4147-A177-3AD203B41FA5}">
+                      <a16:colId xmlns:a16="http://schemas.microsoft.com/office/drawing/2014/main" val="3034715541"/>
+                    </a:ext>
+                  </a:extLst>
+                </a:gridCol>
+                <a:gridCol w="1354667">
+                  <a:extLst>
+                    <a:ext uri="{9D8B030D-6E8A-4147-A177-3AD203B41FA5}">
+                      <a16:colId xmlns:a16="http://schemas.microsoft.com/office/drawing/2014/main" val="3584568110"/>
+                    </a:ext>
+                  </a:extLst>
+                </a:gridCol>
+              </a:tblGrid>
+              <a:tr h="370840">
+                <a:tc>
+                  <a:txBody>
+                    <a:bodyPr/>
+                    <a:lstStyle/>
+                    <a:p>
+                      <a:r>
+                        <a:rPr lang="de-DE" dirty="0" err="1"/>
+                        <a:t>Epochs</a:t>
+                      </a:r>
+                      <a:endParaRPr lang="de-DE" dirty="0"/>
+                    </a:p>
+                  </a:txBody>
+                  <a:tcPr/>
+                </a:tc>
+                <a:tc>
+                  <a:txBody>
+                    <a:bodyPr/>
+                    <a:lstStyle/>
+                    <a:p>
+                      <a:r>
+                        <a:rPr lang="de-DE" dirty="0" err="1"/>
+                        <a:t>Convs</a:t>
+                      </a:r>
+                      <a:endParaRPr lang="de-DE" dirty="0"/>
+                    </a:p>
+                  </a:txBody>
+                  <a:tcPr/>
+                </a:tc>
+                <a:tc>
+                  <a:txBody>
+                    <a:bodyPr/>
+                    <a:lstStyle/>
+                    <a:p>
+                      <a:r>
+                        <a:rPr lang="de-DE" dirty="0"/>
+                        <a:t>Pooling</a:t>
+                      </a:r>
+                    </a:p>
+                  </a:txBody>
+                  <a:tcPr/>
+                </a:tc>
+                <a:tc>
+                  <a:txBody>
+                    <a:bodyPr/>
+                    <a:lstStyle/>
+                    <a:p>
+                      <a:r>
+                        <a:rPr lang="de-DE" dirty="0"/>
+                        <a:t>Optimizer</a:t>
+                      </a:r>
+                    </a:p>
+                  </a:txBody>
+                  <a:tcPr/>
+                </a:tc>
+                <a:tc>
+                  <a:txBody>
+                    <a:bodyPr/>
+                    <a:lstStyle/>
+                    <a:p>
+                      <a:r>
+                        <a:rPr lang="de-DE" dirty="0"/>
+                        <a:t>Loss</a:t>
+                      </a:r>
+                    </a:p>
+                  </a:txBody>
+                  <a:tcPr/>
+                </a:tc>
+                <a:tc>
+                  <a:txBody>
+                    <a:bodyPr/>
+                    <a:lstStyle/>
+                    <a:p>
+                      <a:endParaRPr lang="de-DE"/>
+                    </a:p>
+                  </a:txBody>
+                  <a:tcPr/>
+                </a:tc>
+                <a:extLst>
+                  <a:ext uri="{0D108BD9-81ED-4DB2-BD59-A6C34878D82A}">
+                    <a16:rowId xmlns:a16="http://schemas.microsoft.com/office/drawing/2014/main" val="42604014"/>
+                  </a:ext>
+                </a:extLst>
+              </a:tr>
+              <a:tr h="370840">
+                <a:tc>
+                  <a:txBody>
+                    <a:bodyPr/>
+                    <a:lstStyle/>
+                    <a:p>
+                      <a:r>
+                        <a:rPr lang="de-DE" dirty="0"/>
+                        <a:t>5</a:t>
+                      </a:r>
+                    </a:p>
+                  </a:txBody>
+                  <a:tcPr/>
+                </a:tc>
+                <a:tc>
+                  <a:txBody>
+                    <a:bodyPr/>
+                    <a:lstStyle/>
+                    <a:p>
+                      <a:r>
+                        <a:rPr lang="de-DE" dirty="0"/>
+                        <a:t>3x (3x3 )</a:t>
+                      </a:r>
+                    </a:p>
+                  </a:txBody>
+                  <a:tcPr/>
+                </a:tc>
+                <a:tc>
+                  <a:txBody>
+                    <a:bodyPr/>
+                    <a:lstStyle/>
+                    <a:p>
+                      <a:r>
+                        <a:rPr lang="de-DE" dirty="0"/>
+                        <a:t>3x ()</a:t>
+                      </a:r>
+                    </a:p>
+                  </a:txBody>
+                  <a:tcPr/>
+                </a:tc>
+                <a:tc>
+                  <a:txBody>
+                    <a:bodyPr/>
+                    <a:lstStyle/>
+                    <a:p>
+                      <a:r>
+                        <a:rPr lang="de-DE" dirty="0"/>
+                        <a:t>Adam</a:t>
+                      </a:r>
+                    </a:p>
+                  </a:txBody>
+                  <a:tcPr/>
+                </a:tc>
+                <a:tc>
+                  <a:txBody>
+                    <a:bodyPr/>
+                    <a:lstStyle/>
+                    <a:p>
+                      <a:r>
+                        <a:rPr lang="de-DE" dirty="0" err="1"/>
+                        <a:t>softmax</a:t>
+                      </a:r>
+                      <a:endParaRPr lang="de-DE" dirty="0"/>
+                    </a:p>
+                  </a:txBody>
+                  <a:tcPr/>
+                </a:tc>
+                <a:tc>
+                  <a:txBody>
+                    <a:bodyPr/>
+                    <a:lstStyle/>
+                    <a:p>
+                      <a:endParaRPr lang="de-DE"/>
+                    </a:p>
+                  </a:txBody>
+                  <a:tcPr/>
+                </a:tc>
+                <a:extLst>
+                  <a:ext uri="{0D108BD9-81ED-4DB2-BD59-A6C34878D82A}">
+                    <a16:rowId xmlns:a16="http://schemas.microsoft.com/office/drawing/2014/main" val="1989390290"/>
+                  </a:ext>
+                </a:extLst>
+              </a:tr>
+              <a:tr h="370840">
+                <a:tc>
+                  <a:txBody>
+                    <a:bodyPr/>
+                    <a:lstStyle/>
+                    <a:p>
+                      <a:r>
+                        <a:rPr lang="de-DE" dirty="0"/>
+                        <a:t>9</a:t>
+                      </a:r>
+                    </a:p>
+                  </a:txBody>
+                  <a:tcPr/>
+                </a:tc>
+                <a:tc>
+                  <a:txBody>
+                    <a:bodyPr/>
+                    <a:lstStyle/>
+                    <a:p>
+                      <a:r>
+                        <a:rPr lang="de-DE" dirty="0"/>
+                        <a:t>1x ()</a:t>
+                      </a:r>
+                    </a:p>
+                  </a:txBody>
+                  <a:tcPr/>
+                </a:tc>
+                <a:tc>
+                  <a:txBody>
+                    <a:bodyPr/>
+                    <a:lstStyle/>
+                    <a:p>
+                      <a:r>
+                        <a:rPr lang="de-DE" dirty="0"/>
+                        <a:t>1x ()</a:t>
+                      </a:r>
+                    </a:p>
+                  </a:txBody>
+                  <a:tcPr/>
+                </a:tc>
+                <a:tc>
+                  <a:txBody>
+                    <a:bodyPr/>
+                    <a:lstStyle/>
+                    <a:p>
+                      <a:r>
+                        <a:rPr lang="de-DE" dirty="0"/>
+                        <a:t>Adam</a:t>
+                      </a:r>
+                    </a:p>
+                  </a:txBody>
+                  <a:tcPr/>
+                </a:tc>
+                <a:tc>
+                  <a:txBody>
+                    <a:bodyPr/>
+                    <a:lstStyle/>
+                    <a:p>
+                      <a:r>
+                        <a:rPr lang="de-DE" dirty="0" err="1"/>
+                        <a:t>softmax</a:t>
+                      </a:r>
+                      <a:endParaRPr lang="de-DE" dirty="0"/>
+                    </a:p>
+                  </a:txBody>
+                  <a:tcPr/>
+                </a:tc>
+                <a:tc>
+                  <a:txBody>
+                    <a:bodyPr/>
+                    <a:lstStyle/>
+                    <a:p>
+                      <a:endParaRPr lang="de-DE"/>
+                    </a:p>
+                  </a:txBody>
+                  <a:tcPr/>
+                </a:tc>
+                <a:extLst>
+                  <a:ext uri="{0D108BD9-81ED-4DB2-BD59-A6C34878D82A}">
+                    <a16:rowId xmlns:a16="http://schemas.microsoft.com/office/drawing/2014/main" val="625251540"/>
+                  </a:ext>
+                </a:extLst>
+              </a:tr>
+              <a:tr h="370840">
+                <a:tc>
+                  <a:txBody>
+                    <a:bodyPr/>
+                    <a:lstStyle/>
+                    <a:p>
+                      <a:r>
+                        <a:rPr lang="de-DE" dirty="0"/>
+                        <a:t>9</a:t>
+                      </a:r>
+                    </a:p>
+                  </a:txBody>
+                  <a:tcPr/>
+                </a:tc>
+                <a:tc>
+                  <a:txBody>
+                    <a:bodyPr/>
+                    <a:lstStyle/>
+                    <a:p>
+                      <a:r>
+                        <a:rPr lang="de-DE" dirty="0"/>
+                        <a:t>2x</a:t>
+                      </a:r>
+                    </a:p>
+                  </a:txBody>
+                  <a:tcPr/>
+                </a:tc>
+                <a:tc>
+                  <a:txBody>
+                    <a:bodyPr/>
+                    <a:lstStyle/>
+                    <a:p>
+                      <a:r>
+                        <a:rPr lang="de-DE" dirty="0"/>
+                        <a:t>2x ()</a:t>
+                      </a:r>
+                    </a:p>
+                  </a:txBody>
+                  <a:tcPr/>
+                </a:tc>
+                <a:tc>
+                  <a:txBody>
+                    <a:bodyPr/>
+                    <a:lstStyle/>
+                    <a:p>
+                      <a:r>
+                        <a:rPr lang="de-DE" dirty="0"/>
+                        <a:t>Adam</a:t>
+                      </a:r>
+                    </a:p>
+                  </a:txBody>
+                  <a:tcPr/>
+                </a:tc>
+                <a:tc>
+                  <a:txBody>
+                    <a:bodyPr/>
+                    <a:lstStyle/>
+                    <a:p>
+                      <a:r>
+                        <a:rPr lang="de-DE" dirty="0" err="1"/>
+                        <a:t>softmax</a:t>
+                      </a:r>
+                      <a:endParaRPr lang="de-DE" dirty="0"/>
+                    </a:p>
+                  </a:txBody>
+                  <a:tcPr/>
+                </a:tc>
+                <a:tc>
+                  <a:txBody>
+                    <a:bodyPr/>
+                    <a:lstStyle/>
+                    <a:p>
+                      <a:endParaRPr lang="de-DE"/>
+                    </a:p>
+                  </a:txBody>
+                  <a:tcPr/>
+                </a:tc>
+                <a:extLst>
+                  <a:ext uri="{0D108BD9-81ED-4DB2-BD59-A6C34878D82A}">
+                    <a16:rowId xmlns:a16="http://schemas.microsoft.com/office/drawing/2014/main" val="3269986665"/>
+                  </a:ext>
+                </a:extLst>
+              </a:tr>
+              <a:tr h="370840">
+                <a:tc>
+                  <a:txBody>
+                    <a:bodyPr/>
+                    <a:lstStyle/>
+                    <a:p>
+                      <a:r>
+                        <a:rPr lang="de-DE" dirty="0"/>
+                        <a:t>9</a:t>
+                      </a:r>
+                    </a:p>
+                  </a:txBody>
+                  <a:tcPr/>
+                </a:tc>
+                <a:tc>
+                  <a:txBody>
+                    <a:bodyPr/>
+                    <a:lstStyle/>
+                    <a:p>
+                      <a:r>
+                        <a:rPr lang="de-DE" dirty="0"/>
+                        <a:t>3x ()</a:t>
+                      </a:r>
+                    </a:p>
+                  </a:txBody>
+                  <a:tcPr/>
+                </a:tc>
+                <a:tc>
+                  <a:txBody>
+                    <a:bodyPr/>
+                    <a:lstStyle/>
+                    <a:p>
+                      <a:r>
+                        <a:rPr lang="de-DE" dirty="0"/>
+                        <a:t>3x ()</a:t>
+                      </a:r>
+                    </a:p>
+                  </a:txBody>
+                  <a:tcPr/>
+                </a:tc>
+                <a:tc>
+                  <a:txBody>
+                    <a:bodyPr/>
+                    <a:lstStyle/>
+                    <a:p>
+                      <a:r>
+                        <a:rPr lang="de-DE" dirty="0"/>
+                        <a:t>Adam </a:t>
+                      </a:r>
+                    </a:p>
+                  </a:txBody>
+                  <a:tcPr/>
+                </a:tc>
+                <a:tc>
+                  <a:txBody>
+                    <a:bodyPr/>
+                    <a:lstStyle/>
+                    <a:p>
+                      <a:r>
+                        <a:rPr lang="de-DE" dirty="0" err="1"/>
+                        <a:t>softmax</a:t>
+                      </a:r>
+                      <a:endParaRPr lang="de-DE" dirty="0"/>
+                    </a:p>
+                  </a:txBody>
+                  <a:tcPr/>
+                </a:tc>
+                <a:tc>
+                  <a:txBody>
+                    <a:bodyPr/>
+                    <a:lstStyle/>
+                    <a:p>
+                      <a:endParaRPr lang="de-DE" dirty="0"/>
+                    </a:p>
+                  </a:txBody>
+                  <a:tcPr/>
+                </a:tc>
+                <a:extLst>
+                  <a:ext uri="{0D108BD9-81ED-4DB2-BD59-A6C34878D82A}">
+                    <a16:rowId xmlns:a16="http://schemas.microsoft.com/office/drawing/2014/main" val="3779457668"/>
+                  </a:ext>
+                </a:extLst>
+              </a:tr>
+              <a:tr h="370840">
+                <a:tc>
+                  <a:txBody>
+                    <a:bodyPr/>
+                    <a:lstStyle/>
+                    <a:p>
+                      <a:r>
+                        <a:rPr lang="de-DE" dirty="0"/>
+                        <a:t>9</a:t>
+                      </a:r>
+                    </a:p>
+                  </a:txBody>
+                  <a:tcPr/>
+                </a:tc>
+                <a:tc>
+                  <a:txBody>
+                    <a:bodyPr/>
+                    <a:lstStyle/>
+                    <a:p>
+                      <a:r>
+                        <a:rPr lang="de-DE" dirty="0"/>
+                        <a:t>3x ()</a:t>
+                      </a:r>
+                    </a:p>
+                  </a:txBody>
+                  <a:tcPr/>
+                </a:tc>
+                <a:tc>
+                  <a:txBody>
+                    <a:bodyPr/>
+                    <a:lstStyle/>
+                    <a:p>
+                      <a:r>
+                        <a:rPr lang="de-DE" dirty="0"/>
+                        <a:t>3x ()</a:t>
+                      </a:r>
+                    </a:p>
+                  </a:txBody>
+                  <a:tcPr/>
+                </a:tc>
+                <a:tc>
+                  <a:txBody>
+                    <a:bodyPr/>
+                    <a:lstStyle/>
+                    <a:p>
+                      <a:r>
+                        <a:rPr lang="de-DE" dirty="0"/>
+                        <a:t>Adam </a:t>
+                      </a:r>
+                    </a:p>
+                  </a:txBody>
+                  <a:tcPr/>
+                </a:tc>
+                <a:tc>
+                  <a:txBody>
+                    <a:bodyPr/>
+                    <a:lstStyle/>
+                    <a:p>
+                      <a:r>
+                        <a:rPr lang="de-DE" dirty="0" err="1"/>
+                        <a:t>softmax</a:t>
+                      </a:r>
+                      <a:endParaRPr lang="de-DE" dirty="0"/>
+                    </a:p>
+                  </a:txBody>
+                  <a:tcPr/>
+                </a:tc>
+                <a:tc>
+                  <a:txBody>
+                    <a:bodyPr/>
+                    <a:lstStyle/>
+                    <a:p>
+                      <a:endParaRPr lang="de-DE" dirty="0"/>
+                    </a:p>
+                  </a:txBody>
+                  <a:tcPr/>
+                </a:tc>
+                <a:extLst>
+                  <a:ext uri="{0D108BD9-81ED-4DB2-BD59-A6C34878D82A}">
+                    <a16:rowId xmlns:a16="http://schemas.microsoft.com/office/drawing/2014/main" val="2791573456"/>
+                  </a:ext>
+                </a:extLst>
+              </a:tr>
+              <a:tr h="370840">
+                <a:tc>
+                  <a:txBody>
+                    <a:bodyPr/>
+                    <a:lstStyle/>
+                    <a:p>
+                      <a:endParaRPr lang="de-DE" dirty="0"/>
+                    </a:p>
+                  </a:txBody>
+                  <a:tcPr/>
+                </a:tc>
+                <a:tc>
+                  <a:txBody>
+                    <a:bodyPr/>
+                    <a:lstStyle/>
+                    <a:p>
+                      <a:endParaRPr lang="de-DE" dirty="0"/>
+                    </a:p>
+                  </a:txBody>
+                  <a:tcPr/>
+                </a:tc>
+                <a:tc>
+                  <a:txBody>
+                    <a:bodyPr/>
+                    <a:lstStyle/>
+                    <a:p>
+                      <a:endParaRPr lang="de-DE" dirty="0"/>
+                    </a:p>
+                  </a:txBody>
+                  <a:tcPr/>
+                </a:tc>
+                <a:tc>
+                  <a:txBody>
+                    <a:bodyPr/>
+                    <a:lstStyle/>
+                    <a:p>
+                      <a:endParaRPr lang="de-DE" dirty="0"/>
+                    </a:p>
+                  </a:txBody>
+                  <a:tcPr/>
+                </a:tc>
+                <a:tc>
+                  <a:txBody>
+                    <a:bodyPr/>
+                    <a:lstStyle/>
+                    <a:p>
+                      <a:endParaRPr lang="de-DE" dirty="0"/>
+                    </a:p>
+                  </a:txBody>
+                  <a:tcPr/>
+                </a:tc>
+                <a:tc>
+                  <a:txBody>
+                    <a:bodyPr/>
+                    <a:lstStyle/>
+                    <a:p>
+                      <a:endParaRPr lang="de-DE" dirty="0"/>
+                    </a:p>
+                  </a:txBody>
+                  <a:tcPr/>
+                </a:tc>
+                <a:extLst>
+                  <a:ext uri="{0D108BD9-81ED-4DB2-BD59-A6C34878D82A}">
+                    <a16:rowId xmlns:a16="http://schemas.microsoft.com/office/drawing/2014/main" val="1313910830"/>
+                  </a:ext>
+                </a:extLst>
+              </a:tr>
+              <a:tr h="370840">
+                <a:tc>
+                  <a:txBody>
+                    <a:bodyPr/>
+                    <a:lstStyle/>
+                    <a:p>
+                      <a:endParaRPr lang="de-DE" dirty="0"/>
+                    </a:p>
+                  </a:txBody>
+                  <a:tcPr/>
+                </a:tc>
+                <a:tc>
+                  <a:txBody>
+                    <a:bodyPr/>
+                    <a:lstStyle/>
+                    <a:p>
+                      <a:endParaRPr lang="de-DE" dirty="0"/>
+                    </a:p>
+                  </a:txBody>
+                  <a:tcPr/>
+                </a:tc>
+                <a:tc>
+                  <a:txBody>
+                    <a:bodyPr/>
+                    <a:lstStyle/>
+                    <a:p>
+                      <a:endParaRPr lang="de-DE" dirty="0"/>
+                    </a:p>
+                  </a:txBody>
+                  <a:tcPr/>
+                </a:tc>
+                <a:tc>
+                  <a:txBody>
+                    <a:bodyPr/>
+                    <a:lstStyle/>
+                    <a:p>
+                      <a:endParaRPr lang="de-DE" dirty="0"/>
+                    </a:p>
+                  </a:txBody>
+                  <a:tcPr/>
+                </a:tc>
+                <a:tc>
+                  <a:txBody>
+                    <a:bodyPr/>
+                    <a:lstStyle/>
+                    <a:p>
+                      <a:endParaRPr lang="de-DE" dirty="0"/>
+                    </a:p>
+                  </a:txBody>
+                  <a:tcPr/>
+                </a:tc>
+                <a:tc>
+                  <a:txBody>
+                    <a:bodyPr/>
+                    <a:lstStyle/>
+                    <a:p>
+                      <a:endParaRPr lang="de-DE" dirty="0"/>
+                    </a:p>
+                  </a:txBody>
+                  <a:tcPr/>
+                </a:tc>
+                <a:extLst>
+                  <a:ext uri="{0D108BD9-81ED-4DB2-BD59-A6C34878D82A}">
+                    <a16:rowId xmlns:a16="http://schemas.microsoft.com/office/drawing/2014/main" val="3970787827"/>
+                  </a:ext>
+                </a:extLst>
+              </a:tr>
+            </a:tbl>
+          </a:graphicData>
+        </a:graphic>
+      </p:graphicFrame>
+    </p:spTree>
+    <p:extLst>
+      <p:ext uri="{BB962C8B-B14F-4D97-AF65-F5344CB8AC3E}">
+        <p14:creationId xmlns:p14="http://schemas.microsoft.com/office/powerpoint/2010/main" val="1084471891"/>
+      </p:ext>
+    </p:extLst>
+  </p:cSld>
+  <p:clrMapOvr>
+    <a:masterClrMapping/>
+  </p:clrMapOvr>
+</p:sld>
+</file>
+
+<file path=ppt/slides/slide5.xml><?xml version="1.0" encoding="utf-8"?>
+<p:sld xmlns:a="http://schemas.openxmlformats.org/drawingml/2006/main" xmlns:r="http://schemas.openxmlformats.org/officeDocument/2006/relationships" xmlns:p="http://schemas.openxmlformats.org/presentationml/2006/main">
+  <p:cSld>
+    <p:spTree>
+      <p:nvGrpSpPr>
+        <p:cNvPr id="1" name=""/>
+        <p:cNvGrpSpPr/>
+        <p:nvPr/>
+      </p:nvGrpSpPr>
+      <p:grpSpPr>
+        <a:xfrm>
+          <a:off x="0" y="0"/>
+          <a:ext cx="0" cy="0"/>
+          <a:chOff x="0" y="0"/>
+          <a:chExt cx="0" cy="0"/>
+        </a:xfrm>
+      </p:grpSpPr>
+      <p:sp>
+        <p:nvSpPr>
+          <p:cNvPr id="2" name="Titel 1">
+            <a:extLst>
+              <a:ext uri="{FF2B5EF4-FFF2-40B4-BE49-F238E27FC236}">
+                <a16:creationId xmlns:a16="http://schemas.microsoft.com/office/drawing/2014/main" id="{55DA63B7-E85E-0D55-2E2B-97E6620F6DFD}"/>
+              </a:ext>
+            </a:extLst>
+          </p:cNvPr>
+          <p:cNvSpPr>
+            <a:spLocks noGrp="1"/>
+          </p:cNvSpPr>
+          <p:nvPr>
+            <p:ph type="title"/>
+          </p:nvPr>
+        </p:nvSpPr>
+        <p:spPr/>
+        <p:txBody>
+          <a:bodyPr/>
+          <a:lstStyle/>
+          <a:p>
+            <a:r>
+              <a:rPr lang="de-DE" dirty="0"/>
+              <a:t>Black and White Images</a:t>
+            </a:r>
+          </a:p>
+        </p:txBody>
+      </p:sp>
+      <p:sp>
+        <p:nvSpPr>
+          <p:cNvPr id="4" name="Foliennummernplatzhalter 3">
+            <a:extLst>
+              <a:ext uri="{FF2B5EF4-FFF2-40B4-BE49-F238E27FC236}">
+                <a16:creationId xmlns:a16="http://schemas.microsoft.com/office/drawing/2014/main" id="{84064C63-0179-3FC2-6939-8E53476D802E}"/>
+              </a:ext>
+            </a:extLst>
+          </p:cNvPr>
+          <p:cNvSpPr>
+            <a:spLocks noGrp="1"/>
+          </p:cNvSpPr>
+          <p:nvPr>
+            <p:ph type="sldNum" sz="quarter" idx="12"/>
+          </p:nvPr>
+        </p:nvSpPr>
+        <p:spPr/>
+        <p:txBody>
+          <a:bodyPr/>
+          <a:lstStyle/>
+          <a:p>
+            <a:fld id="{A4F5F511-C017-478C-84E3-F7F078728441}" type="slidenum">
+              <a:rPr lang="de-DE" smtClean="0"/>
+              <a:t>5</a:t>
+            </a:fld>
+            <a:endParaRPr lang="de-DE"/>
+          </a:p>
+        </p:txBody>
+      </p:sp>
+      <p:sp>
+        <p:nvSpPr>
+          <p:cNvPr id="5" name="Textfeld 4">
+            <a:extLst>
+              <a:ext uri="{FF2B5EF4-FFF2-40B4-BE49-F238E27FC236}">
+                <a16:creationId xmlns:a16="http://schemas.microsoft.com/office/drawing/2014/main" id="{7120A02C-68DF-3A04-292C-C0C273175E69}"/>
+              </a:ext>
+            </a:extLst>
+          </p:cNvPr>
+          <p:cNvSpPr txBox="1"/>
+          <p:nvPr/>
+        </p:nvSpPr>
+        <p:spPr>
+          <a:xfrm>
+            <a:off x="1268730" y="1965960"/>
+            <a:ext cx="5669280" cy="1477328"/>
+          </a:xfrm>
+          <a:prstGeom prst="rect">
+            <a:avLst/>
+          </a:prstGeom>
+          <a:noFill/>
+        </p:spPr>
+        <p:txBody>
+          <a:bodyPr wrap="square" rtlCol="0">
+            <a:spAutoFit/>
+          </a:bodyPr>
+          <a:lstStyle/>
+          <a:p>
+            <a:pPr marL="285750" indent="-285750">
+              <a:buFont typeface="Wingdings" panose="05000000000000000000" pitchFamily="2" charset="2"/>
+              <a:buChar char="§"/>
+            </a:pPr>
+            <a:r>
+              <a:rPr lang="de-DE" dirty="0"/>
+              <a:t>Validation </a:t>
+            </a:r>
+            <a:r>
+              <a:rPr lang="de-DE" dirty="0" err="1"/>
+              <a:t>loss</a:t>
+            </a:r>
+            <a:r>
+              <a:rPr lang="de-DE" dirty="0"/>
+              <a:t>: 0.62 | Validation </a:t>
+            </a:r>
+            <a:r>
+              <a:rPr lang="de-DE" dirty="0" err="1"/>
+              <a:t>accuracy</a:t>
+            </a:r>
+            <a:r>
+              <a:rPr lang="de-DE" dirty="0"/>
+              <a:t>: 0.81 (5 </a:t>
+            </a:r>
+            <a:r>
+              <a:rPr lang="de-DE" dirty="0" err="1"/>
+              <a:t>epochs</a:t>
+            </a:r>
+            <a:r>
+              <a:rPr lang="de-DE" dirty="0"/>
+              <a:t>, </a:t>
+            </a:r>
+            <a:r>
+              <a:rPr lang="de-DE" dirty="0" err="1"/>
+              <a:t>max</a:t>
+            </a:r>
+            <a:r>
+              <a:rPr lang="de-DE" dirty="0"/>
+              <a:t> pool 2x2)</a:t>
+            </a:r>
+          </a:p>
+          <a:p>
+            <a:pPr marL="285750" indent="-285750">
+              <a:buFont typeface="Wingdings" panose="05000000000000000000" pitchFamily="2" charset="2"/>
+              <a:buChar char="§"/>
+            </a:pPr>
+            <a:endParaRPr lang="de-DE" dirty="0"/>
+          </a:p>
+          <a:p>
+            <a:pPr marL="285750" indent="-285750">
+              <a:buFont typeface="Wingdings" panose="05000000000000000000" pitchFamily="2" charset="2"/>
+              <a:buChar char="§"/>
+            </a:pPr>
+            <a:r>
+              <a:rPr lang="de-DE" dirty="0">
+                <a:sym typeface="Wingdings" panose="05000000000000000000" pitchFamily="2" charset="2"/>
+              </a:rPr>
+              <a:t> Color </a:t>
+            </a:r>
+            <a:r>
+              <a:rPr lang="de-DE" dirty="0" err="1">
+                <a:sym typeface="Wingdings" panose="05000000000000000000" pitchFamily="2" charset="2"/>
+              </a:rPr>
+              <a:t>seems</a:t>
+            </a:r>
+            <a:r>
+              <a:rPr lang="de-DE" dirty="0">
+                <a:sym typeface="Wingdings" panose="05000000000000000000" pitchFamily="2" charset="2"/>
+              </a:rPr>
+              <a:t> </a:t>
+            </a:r>
+            <a:r>
+              <a:rPr lang="de-DE" dirty="0" err="1">
+                <a:sym typeface="Wingdings" panose="05000000000000000000" pitchFamily="2" charset="2"/>
+              </a:rPr>
+              <a:t>to</a:t>
+            </a:r>
+            <a:r>
+              <a:rPr lang="de-DE" dirty="0">
+                <a:sym typeface="Wingdings" panose="05000000000000000000" pitchFamily="2" charset="2"/>
+              </a:rPr>
+              <a:t> </a:t>
+            </a:r>
+            <a:r>
+              <a:rPr lang="de-DE" dirty="0" err="1">
+                <a:sym typeface="Wingdings" panose="05000000000000000000" pitchFamily="2" charset="2"/>
+              </a:rPr>
+              <a:t>be</a:t>
+            </a:r>
+            <a:r>
+              <a:rPr lang="de-DE" dirty="0">
+                <a:sym typeface="Wingdings" panose="05000000000000000000" pitchFamily="2" charset="2"/>
+              </a:rPr>
+              <a:t> an </a:t>
+            </a:r>
+            <a:r>
+              <a:rPr lang="de-DE" dirty="0" err="1">
+                <a:sym typeface="Wingdings" panose="05000000000000000000" pitchFamily="2" charset="2"/>
+              </a:rPr>
+              <a:t>important</a:t>
+            </a:r>
+            <a:r>
+              <a:rPr lang="de-DE" dirty="0">
+                <a:sym typeface="Wingdings" panose="05000000000000000000" pitchFamily="2" charset="2"/>
+              </a:rPr>
+              <a:t> </a:t>
+            </a:r>
+            <a:r>
+              <a:rPr lang="de-DE" dirty="0" err="1">
+                <a:sym typeface="Wingdings" panose="05000000000000000000" pitchFamily="2" charset="2"/>
+              </a:rPr>
+              <a:t>characteristic</a:t>
+            </a:r>
+            <a:r>
+              <a:rPr lang="de-DE" dirty="0">
+                <a:sym typeface="Wingdings" panose="05000000000000000000" pitchFamily="2" charset="2"/>
+              </a:rPr>
+              <a:t> </a:t>
+            </a:r>
+            <a:r>
+              <a:rPr lang="de-DE" dirty="0" err="1">
+                <a:sym typeface="Wingdings" panose="05000000000000000000" pitchFamily="2" charset="2"/>
+              </a:rPr>
+              <a:t>for</a:t>
+            </a:r>
+            <a:r>
+              <a:rPr lang="de-DE" dirty="0">
+                <a:sym typeface="Wingdings" panose="05000000000000000000" pitchFamily="2" charset="2"/>
+              </a:rPr>
+              <a:t> </a:t>
+            </a:r>
+            <a:r>
+              <a:rPr lang="de-DE" dirty="0" err="1">
+                <a:sym typeface="Wingdings" panose="05000000000000000000" pitchFamily="2" charset="2"/>
+              </a:rPr>
+              <a:t>the</a:t>
+            </a:r>
+            <a:r>
+              <a:rPr lang="de-DE" dirty="0">
+                <a:sym typeface="Wingdings" panose="05000000000000000000" pitchFamily="2" charset="2"/>
+              </a:rPr>
+              <a:t> </a:t>
+            </a:r>
+            <a:r>
+              <a:rPr lang="de-DE" dirty="0" err="1">
+                <a:sym typeface="Wingdings" panose="05000000000000000000" pitchFamily="2" charset="2"/>
+              </a:rPr>
+              <a:t>recognition</a:t>
+            </a:r>
+            <a:r>
+              <a:rPr lang="de-DE" dirty="0"/>
+              <a:t> </a:t>
+            </a:r>
+            <a:r>
+              <a:rPr lang="de-DE" dirty="0" err="1"/>
+              <a:t>of</a:t>
+            </a:r>
+            <a:r>
+              <a:rPr lang="de-DE" dirty="0"/>
+              <a:t> </a:t>
+            </a:r>
+            <a:r>
+              <a:rPr lang="de-DE" dirty="0" err="1"/>
+              <a:t>tree</a:t>
+            </a:r>
+            <a:r>
+              <a:rPr lang="de-DE" dirty="0"/>
+              <a:t> </a:t>
+            </a:r>
+            <a:r>
+              <a:rPr lang="de-DE" dirty="0" err="1"/>
+              <a:t>leaves</a:t>
+            </a:r>
+            <a:endParaRPr lang="de-DE" dirty="0"/>
+          </a:p>
+        </p:txBody>
+      </p:sp>
+      <p:pic>
+        <p:nvPicPr>
+          <p:cNvPr id="7" name="Grafik 6" descr="Ein Bild, das Pflanze, Baum, Blatt, Ulmen enthält.&#10;&#10;Automatisch generierte Beschreibung">
+            <a:extLst>
+              <a:ext uri="{FF2B5EF4-FFF2-40B4-BE49-F238E27FC236}">
+                <a16:creationId xmlns:a16="http://schemas.microsoft.com/office/drawing/2014/main" id="{FA7494A6-4E1D-FD96-F09B-59E3FC3E941B}"/>
+              </a:ext>
+            </a:extLst>
+          </p:cNvPr>
+          <p:cNvPicPr>
+            <a:picLocks noChangeAspect="1"/>
+          </p:cNvPicPr>
+          <p:nvPr/>
+        </p:nvPicPr>
+        <p:blipFill>
+          <a:blip r:embed="rId2">
+            <a:extLst>
+              <a:ext uri="{28A0092B-C50C-407E-A947-70E740481C1C}">
+                <a14:useLocalDpi xmlns:a14="http://schemas.microsoft.com/office/drawing/2010/main" val="0"/>
+              </a:ext>
+            </a:extLst>
+          </a:blip>
+          <a:stretch>
+            <a:fillRect/>
+          </a:stretch>
+        </p:blipFill>
+        <p:spPr>
+          <a:xfrm>
+            <a:off x="8500728" y="537210"/>
+            <a:ext cx="1428750" cy="2857500"/>
+          </a:xfrm>
+          <a:prstGeom prst="rect">
+            <a:avLst/>
+          </a:prstGeom>
+        </p:spPr>
+      </p:pic>
+      <p:pic>
+        <p:nvPicPr>
+          <p:cNvPr id="9" name="Grafik 8" descr="Ein Bild, das Pflanze, Baum, Blatt, Ulmen enthält.&#10;&#10;Automatisch generierte Beschreibung">
+            <a:extLst>
+              <a:ext uri="{FF2B5EF4-FFF2-40B4-BE49-F238E27FC236}">
+                <a16:creationId xmlns:a16="http://schemas.microsoft.com/office/drawing/2014/main" id="{106CED7E-605C-1D68-B49F-F53E7A346744}"/>
+              </a:ext>
+            </a:extLst>
+          </p:cNvPr>
+          <p:cNvPicPr>
+            <a:picLocks noChangeAspect="1"/>
+          </p:cNvPicPr>
+          <p:nvPr/>
+        </p:nvPicPr>
+        <p:blipFill>
+          <a:blip r:embed="rId3">
+            <a:extLst>
+              <a:ext uri="{28A0092B-C50C-407E-A947-70E740481C1C}">
+                <a14:useLocalDpi xmlns:a14="http://schemas.microsoft.com/office/drawing/2010/main" val="0"/>
+              </a:ext>
+            </a:extLst>
+          </a:blip>
+          <a:stretch>
+            <a:fillRect/>
+          </a:stretch>
+        </p:blipFill>
+        <p:spPr>
+          <a:xfrm>
+            <a:off x="9929478" y="535376"/>
+            <a:ext cx="1428750" cy="2857500"/>
+          </a:xfrm>
+          <a:prstGeom prst="rect">
+            <a:avLst/>
+          </a:prstGeom>
+        </p:spPr>
+      </p:pic>
+      <p:pic>
+        <p:nvPicPr>
+          <p:cNvPr id="15" name="Grafik 14" descr="Ein Bild, das Pflanze, Eiche, Schwarzweiß, Blatt enthält.&#10;&#10;Automatisch generierte Beschreibung">
+            <a:extLst>
+              <a:ext uri="{FF2B5EF4-FFF2-40B4-BE49-F238E27FC236}">
+                <a16:creationId xmlns:a16="http://schemas.microsoft.com/office/drawing/2014/main" id="{D453226F-943D-B51E-24A4-6B18BAC6CA2D}"/>
+              </a:ext>
+            </a:extLst>
+          </p:cNvPr>
+          <p:cNvPicPr>
+            <a:picLocks noChangeAspect="1"/>
+          </p:cNvPicPr>
+          <p:nvPr/>
+        </p:nvPicPr>
+        <p:blipFill>
+          <a:blip r:embed="rId4">
+            <a:extLst>
+              <a:ext uri="{28A0092B-C50C-407E-A947-70E740481C1C}">
+                <a14:useLocalDpi xmlns:a14="http://schemas.microsoft.com/office/drawing/2010/main" val="0"/>
+              </a:ext>
+            </a:extLst>
+          </a:blip>
+          <a:stretch>
+            <a:fillRect/>
+          </a:stretch>
+        </p:blipFill>
+        <p:spPr>
+          <a:xfrm>
+            <a:off x="8500728" y="3392876"/>
+            <a:ext cx="1428750" cy="2857500"/>
+          </a:xfrm>
+          <a:prstGeom prst="rect">
+            <a:avLst/>
+          </a:prstGeom>
+        </p:spPr>
+      </p:pic>
+      <p:pic>
+        <p:nvPicPr>
+          <p:cNvPr id="17" name="Grafik 16" descr="Ein Bild, das Pflanze, Eiche, Baum, Blatt enthält.&#10;&#10;Automatisch generierte Beschreibung">
+            <a:extLst>
+              <a:ext uri="{FF2B5EF4-FFF2-40B4-BE49-F238E27FC236}">
+                <a16:creationId xmlns:a16="http://schemas.microsoft.com/office/drawing/2014/main" id="{8A27C815-D19D-9137-F945-D47BC2888167}"/>
+              </a:ext>
+            </a:extLst>
+          </p:cNvPr>
+          <p:cNvPicPr>
+            <a:picLocks noChangeAspect="1"/>
+          </p:cNvPicPr>
+          <p:nvPr/>
+        </p:nvPicPr>
+        <p:blipFill>
+          <a:blip r:embed="rId5">
+            <a:extLst>
+              <a:ext uri="{28A0092B-C50C-407E-A947-70E740481C1C}">
+                <a14:useLocalDpi xmlns:a14="http://schemas.microsoft.com/office/drawing/2010/main" val="0"/>
+              </a:ext>
+            </a:extLst>
+          </a:blip>
+          <a:stretch>
+            <a:fillRect/>
+          </a:stretch>
+        </p:blipFill>
+        <p:spPr>
+          <a:xfrm>
+            <a:off x="9929478" y="3403399"/>
+            <a:ext cx="1428750" cy="2857500"/>
           </a:xfrm>
           <a:prstGeom prst="rect">
             <a:avLst/>
@@ -3786,7 +7019,560 @@
     </p:spTree>
     <p:extLst>
       <p:ext uri="{BB962C8B-B14F-4D97-AF65-F5344CB8AC3E}">
-        <p14:creationId xmlns:p14="http://schemas.microsoft.com/office/powerpoint/2010/main" val="1278214593"/>
+        <p14:creationId xmlns:p14="http://schemas.microsoft.com/office/powerpoint/2010/main" val="2589339957"/>
+      </p:ext>
+    </p:extLst>
+  </p:cSld>
+  <p:clrMapOvr>
+    <a:masterClrMapping/>
+  </p:clrMapOvr>
+</p:sld>
+</file>
+
+<file path=ppt/slides/slide6.xml><?xml version="1.0" encoding="utf-8"?>
+<p:sld xmlns:a="http://schemas.openxmlformats.org/drawingml/2006/main" xmlns:r="http://schemas.openxmlformats.org/officeDocument/2006/relationships" xmlns:p="http://schemas.openxmlformats.org/presentationml/2006/main">
+  <p:cSld>
+    <p:spTree>
+      <p:nvGrpSpPr>
+        <p:cNvPr id="1" name=""/>
+        <p:cNvGrpSpPr/>
+        <p:nvPr/>
+      </p:nvGrpSpPr>
+      <p:grpSpPr>
+        <a:xfrm>
+          <a:off x="0" y="0"/>
+          <a:ext cx="0" cy="0"/>
+          <a:chOff x="0" y="0"/>
+          <a:chExt cx="0" cy="0"/>
+        </a:xfrm>
+      </p:grpSpPr>
+      <p:sp>
+        <p:nvSpPr>
+          <p:cNvPr id="2" name="Titel 1">
+            <a:extLst>
+              <a:ext uri="{FF2B5EF4-FFF2-40B4-BE49-F238E27FC236}">
+                <a16:creationId xmlns:a16="http://schemas.microsoft.com/office/drawing/2014/main" id="{1B9FCD8D-1281-B35F-15B8-A6F77FF1C173}"/>
+              </a:ext>
+            </a:extLst>
+          </p:cNvPr>
+          <p:cNvSpPr>
+            <a:spLocks noGrp="1"/>
+          </p:cNvSpPr>
+          <p:nvPr>
+            <p:ph type="title"/>
+          </p:nvPr>
+        </p:nvSpPr>
+        <p:spPr/>
+        <p:txBody>
+          <a:bodyPr/>
+          <a:lstStyle/>
+          <a:p>
+            <a:r>
+              <a:rPr lang="de-DE" dirty="0"/>
+              <a:t>Augmentation</a:t>
+            </a:r>
+          </a:p>
+        </p:txBody>
+      </p:sp>
+      <p:sp>
+        <p:nvSpPr>
+          <p:cNvPr id="3" name="Inhaltsplatzhalter 2">
+            <a:extLst>
+              <a:ext uri="{FF2B5EF4-FFF2-40B4-BE49-F238E27FC236}">
+                <a16:creationId xmlns:a16="http://schemas.microsoft.com/office/drawing/2014/main" id="{76136DAC-96BB-F891-563B-467E413B8F49}"/>
+              </a:ext>
+            </a:extLst>
+          </p:cNvPr>
+          <p:cNvSpPr>
+            <a:spLocks noGrp="1"/>
+          </p:cNvSpPr>
+          <p:nvPr>
+            <p:ph idx="1"/>
+          </p:nvPr>
+        </p:nvSpPr>
+        <p:spPr/>
+        <p:txBody>
+          <a:bodyPr/>
+          <a:lstStyle/>
+          <a:p>
+            <a:endParaRPr lang="de-DE"/>
+          </a:p>
+        </p:txBody>
+      </p:sp>
+      <p:sp>
+        <p:nvSpPr>
+          <p:cNvPr id="4" name="Foliennummernplatzhalter 3">
+            <a:extLst>
+              <a:ext uri="{FF2B5EF4-FFF2-40B4-BE49-F238E27FC236}">
+                <a16:creationId xmlns:a16="http://schemas.microsoft.com/office/drawing/2014/main" id="{44226EF0-36F0-5655-EA17-C41680BC3D3E}"/>
+              </a:ext>
+            </a:extLst>
+          </p:cNvPr>
+          <p:cNvSpPr>
+            <a:spLocks noGrp="1"/>
+          </p:cNvSpPr>
+          <p:nvPr>
+            <p:ph type="sldNum" sz="quarter" idx="12"/>
+          </p:nvPr>
+        </p:nvSpPr>
+        <p:spPr/>
+        <p:txBody>
+          <a:bodyPr/>
+          <a:lstStyle/>
+          <a:p>
+            <a:fld id="{A4F5F511-C017-478C-84E3-F7F078728441}" type="slidenum">
+              <a:rPr lang="de-DE" smtClean="0"/>
+              <a:t>6</a:t>
+            </a:fld>
+            <a:endParaRPr lang="de-DE"/>
+          </a:p>
+        </p:txBody>
+      </p:sp>
+    </p:spTree>
+    <p:extLst>
+      <p:ext uri="{BB962C8B-B14F-4D97-AF65-F5344CB8AC3E}">
+        <p14:creationId xmlns:p14="http://schemas.microsoft.com/office/powerpoint/2010/main" val="938384063"/>
+      </p:ext>
+    </p:extLst>
+  </p:cSld>
+  <p:clrMapOvr>
+    <a:masterClrMapping/>
+  </p:clrMapOvr>
+</p:sld>
+</file>
+
+<file path=ppt/slides/slide7.xml><?xml version="1.0" encoding="utf-8"?>
+<p:sld xmlns:a="http://schemas.openxmlformats.org/drawingml/2006/main" xmlns:r="http://schemas.openxmlformats.org/officeDocument/2006/relationships" xmlns:p="http://schemas.openxmlformats.org/presentationml/2006/main">
+  <p:cSld>
+    <p:spTree>
+      <p:nvGrpSpPr>
+        <p:cNvPr id="1" name=""/>
+        <p:cNvGrpSpPr/>
+        <p:nvPr/>
+      </p:nvGrpSpPr>
+      <p:grpSpPr>
+        <a:xfrm>
+          <a:off x="0" y="0"/>
+          <a:ext cx="0" cy="0"/>
+          <a:chOff x="0" y="0"/>
+          <a:chExt cx="0" cy="0"/>
+        </a:xfrm>
+      </p:grpSpPr>
+      <p:sp>
+        <p:nvSpPr>
+          <p:cNvPr id="2" name="Titel 1">
+            <a:extLst>
+              <a:ext uri="{FF2B5EF4-FFF2-40B4-BE49-F238E27FC236}">
+                <a16:creationId xmlns:a16="http://schemas.microsoft.com/office/drawing/2014/main" id="{D92C6540-8A44-5A53-E813-54BC821FF4A1}"/>
+              </a:ext>
+            </a:extLst>
+          </p:cNvPr>
+          <p:cNvSpPr>
+            <a:spLocks noGrp="1"/>
+          </p:cNvSpPr>
+          <p:nvPr>
+            <p:ph type="title"/>
+          </p:nvPr>
+        </p:nvSpPr>
+        <p:spPr/>
+        <p:txBody>
+          <a:bodyPr/>
+          <a:lstStyle/>
+          <a:p>
+            <a:r>
+              <a:rPr lang="de-DE" dirty="0"/>
+              <a:t>Transfer Learning </a:t>
+            </a:r>
+            <a:r>
+              <a:rPr lang="de-DE" dirty="0" err="1"/>
+              <a:t>with</a:t>
+            </a:r>
+            <a:r>
+              <a:rPr lang="de-DE" dirty="0"/>
+              <a:t> VGG19</a:t>
+            </a:r>
+          </a:p>
+        </p:txBody>
+      </p:sp>
+      <p:sp>
+        <p:nvSpPr>
+          <p:cNvPr id="4" name="Foliennummernplatzhalter 3">
+            <a:extLst>
+              <a:ext uri="{FF2B5EF4-FFF2-40B4-BE49-F238E27FC236}">
+                <a16:creationId xmlns:a16="http://schemas.microsoft.com/office/drawing/2014/main" id="{BAB1D727-1E3B-BEA3-B564-675BAABA5B79}"/>
+              </a:ext>
+            </a:extLst>
+          </p:cNvPr>
+          <p:cNvSpPr>
+            <a:spLocks noGrp="1"/>
+          </p:cNvSpPr>
+          <p:nvPr>
+            <p:ph type="sldNum" sz="quarter" idx="12"/>
+          </p:nvPr>
+        </p:nvSpPr>
+        <p:spPr/>
+        <p:txBody>
+          <a:bodyPr/>
+          <a:lstStyle/>
+          <a:p>
+            <a:fld id="{A4F5F511-C017-478C-84E3-F7F078728441}" type="slidenum">
+              <a:rPr lang="de-DE" smtClean="0"/>
+              <a:t>7</a:t>
+            </a:fld>
+            <a:endParaRPr lang="de-DE"/>
+          </a:p>
+        </p:txBody>
+      </p:sp>
+      <p:pic>
+        <p:nvPicPr>
+          <p:cNvPr id="6" name="Grafik 5" descr="Ein Bild, das Text, Screenshot, Diagramm, Design enthält.&#10;&#10;Automatisch generierte Beschreibung">
+            <a:extLst>
+              <a:ext uri="{FF2B5EF4-FFF2-40B4-BE49-F238E27FC236}">
+                <a16:creationId xmlns:a16="http://schemas.microsoft.com/office/drawing/2014/main" id="{75D7BC34-0AED-2E36-7086-6B1E4D6328B9}"/>
+              </a:ext>
+            </a:extLst>
+          </p:cNvPr>
+          <p:cNvPicPr>
+            <a:picLocks noChangeAspect="1"/>
+          </p:cNvPicPr>
+          <p:nvPr/>
+        </p:nvPicPr>
+        <p:blipFill>
+          <a:blip r:embed="rId2">
+            <a:extLst>
+              <a:ext uri="{28A0092B-C50C-407E-A947-70E740481C1C}">
+                <a14:useLocalDpi xmlns:a14="http://schemas.microsoft.com/office/drawing/2010/main" val="0"/>
+              </a:ext>
+            </a:extLst>
+          </a:blip>
+          <a:stretch>
+            <a:fillRect/>
+          </a:stretch>
+        </p:blipFill>
+        <p:spPr>
+          <a:xfrm>
+            <a:off x="5665367" y="2138955"/>
+            <a:ext cx="5715000" cy="3276600"/>
+          </a:xfrm>
+          <a:prstGeom prst="rect">
+            <a:avLst/>
+          </a:prstGeom>
+        </p:spPr>
+      </p:pic>
+      <p:sp>
+        <p:nvSpPr>
+          <p:cNvPr id="7" name="Textfeld 6">
+            <a:extLst>
+              <a:ext uri="{FF2B5EF4-FFF2-40B4-BE49-F238E27FC236}">
+                <a16:creationId xmlns:a16="http://schemas.microsoft.com/office/drawing/2014/main" id="{5922A8A7-8222-D119-3BAA-04457EDF9DF5}"/>
+              </a:ext>
+            </a:extLst>
+          </p:cNvPr>
+          <p:cNvSpPr txBox="1"/>
+          <p:nvPr/>
+        </p:nvSpPr>
+        <p:spPr>
+          <a:xfrm>
+            <a:off x="5657850" y="5532120"/>
+            <a:ext cx="5634990" cy="307777"/>
+          </a:xfrm>
+          <a:prstGeom prst="rect">
+            <a:avLst/>
+          </a:prstGeom>
+          <a:noFill/>
+        </p:spPr>
+        <p:txBody>
+          <a:bodyPr wrap="square" rtlCol="0">
+            <a:spAutoFit/>
+          </a:bodyPr>
+          <a:lstStyle/>
+          <a:p>
+            <a:pPr algn="r"/>
+            <a:r>
+              <a:rPr lang="de-DE" sz="1400" dirty="0"/>
+              <a:t>Yang et al. 2018</a:t>
+            </a:r>
+          </a:p>
+        </p:txBody>
+      </p:sp>
+    </p:spTree>
+    <p:extLst>
+      <p:ext uri="{BB962C8B-B14F-4D97-AF65-F5344CB8AC3E}">
+        <p14:creationId xmlns:p14="http://schemas.microsoft.com/office/powerpoint/2010/main" val="2152368386"/>
+      </p:ext>
+    </p:extLst>
+  </p:cSld>
+  <p:clrMapOvr>
+    <a:masterClrMapping/>
+  </p:clrMapOvr>
+</p:sld>
+</file>
+
+<file path=ppt/slides/slide8.xml><?xml version="1.0" encoding="utf-8"?>
+<p:sld xmlns:a="http://schemas.openxmlformats.org/drawingml/2006/main" xmlns:r="http://schemas.openxmlformats.org/officeDocument/2006/relationships" xmlns:p="http://schemas.openxmlformats.org/presentationml/2006/main">
+  <p:cSld>
+    <p:spTree>
+      <p:nvGrpSpPr>
+        <p:cNvPr id="1" name=""/>
+        <p:cNvGrpSpPr/>
+        <p:nvPr/>
+      </p:nvGrpSpPr>
+      <p:grpSpPr>
+        <a:xfrm>
+          <a:off x="0" y="0"/>
+          <a:ext cx="0" cy="0"/>
+          <a:chOff x="0" y="0"/>
+          <a:chExt cx="0" cy="0"/>
+        </a:xfrm>
+      </p:grpSpPr>
+      <p:sp>
+        <p:nvSpPr>
+          <p:cNvPr id="2" name="Titel 1">
+            <a:extLst>
+              <a:ext uri="{FF2B5EF4-FFF2-40B4-BE49-F238E27FC236}">
+                <a16:creationId xmlns:a16="http://schemas.microsoft.com/office/drawing/2014/main" id="{6F156F5B-979E-3C66-72C4-02A1731391C3}"/>
+              </a:ext>
+            </a:extLst>
+          </p:cNvPr>
+          <p:cNvSpPr>
+            <a:spLocks noGrp="1"/>
+          </p:cNvSpPr>
+          <p:nvPr>
+            <p:ph type="title"/>
+          </p:nvPr>
+        </p:nvSpPr>
+        <p:spPr/>
+        <p:txBody>
+          <a:bodyPr/>
+          <a:lstStyle/>
+          <a:p>
+            <a:r>
+              <a:rPr lang="de-DE" dirty="0"/>
+              <a:t>Implementation VGG19</a:t>
+            </a:r>
+          </a:p>
+        </p:txBody>
+      </p:sp>
+      <p:sp>
+        <p:nvSpPr>
+          <p:cNvPr id="4" name="Foliennummernplatzhalter 3">
+            <a:extLst>
+              <a:ext uri="{FF2B5EF4-FFF2-40B4-BE49-F238E27FC236}">
+                <a16:creationId xmlns:a16="http://schemas.microsoft.com/office/drawing/2014/main" id="{544673C4-C82A-1749-7BA9-E300EC1CFE7D}"/>
+              </a:ext>
+            </a:extLst>
+          </p:cNvPr>
+          <p:cNvSpPr>
+            <a:spLocks noGrp="1"/>
+          </p:cNvSpPr>
+          <p:nvPr>
+            <p:ph type="sldNum" sz="quarter" idx="12"/>
+          </p:nvPr>
+        </p:nvSpPr>
+        <p:spPr/>
+        <p:txBody>
+          <a:bodyPr/>
+          <a:lstStyle/>
+          <a:p>
+            <a:fld id="{A4F5F511-C017-478C-84E3-F7F078728441}" type="slidenum">
+              <a:rPr lang="de-DE" smtClean="0"/>
+              <a:t>8</a:t>
+            </a:fld>
+            <a:endParaRPr lang="de-DE"/>
+          </a:p>
+        </p:txBody>
+      </p:sp>
+      <p:pic>
+        <p:nvPicPr>
+          <p:cNvPr id="6" name="Grafik 5">
+            <a:extLst>
+              <a:ext uri="{FF2B5EF4-FFF2-40B4-BE49-F238E27FC236}">
+                <a16:creationId xmlns:a16="http://schemas.microsoft.com/office/drawing/2014/main" id="{1EA63391-20BE-33E4-7915-FCA9D4D509D7}"/>
+              </a:ext>
+            </a:extLst>
+          </p:cNvPr>
+          <p:cNvPicPr>
+            <a:picLocks noChangeAspect="1"/>
+          </p:cNvPicPr>
+          <p:nvPr/>
+        </p:nvPicPr>
+        <p:blipFill>
+          <a:blip r:embed="rId2"/>
+          <a:stretch>
+            <a:fillRect/>
+          </a:stretch>
+        </p:blipFill>
+        <p:spPr>
+          <a:xfrm>
+            <a:off x="6080760" y="2434590"/>
+            <a:ext cx="5620512" cy="2194560"/>
+          </a:xfrm>
+          <a:prstGeom prst="rect">
+            <a:avLst/>
+          </a:prstGeom>
+        </p:spPr>
+      </p:pic>
+    </p:spTree>
+    <p:extLst>
+      <p:ext uri="{BB962C8B-B14F-4D97-AF65-F5344CB8AC3E}">
+        <p14:creationId xmlns:p14="http://schemas.microsoft.com/office/powerpoint/2010/main" val="1939588560"/>
+      </p:ext>
+    </p:extLst>
+  </p:cSld>
+  <p:clrMapOvr>
+    <a:masterClrMapping/>
+  </p:clrMapOvr>
+</p:sld>
+</file>
+
+<file path=ppt/slides/slide9.xml><?xml version="1.0" encoding="utf-8"?>
+<p:sld xmlns:a="http://schemas.openxmlformats.org/drawingml/2006/main" xmlns:r="http://schemas.openxmlformats.org/officeDocument/2006/relationships" xmlns:p="http://schemas.openxmlformats.org/presentationml/2006/main">
+  <p:cSld>
+    <p:spTree>
+      <p:nvGrpSpPr>
+        <p:cNvPr id="1" name=""/>
+        <p:cNvGrpSpPr/>
+        <p:nvPr/>
+      </p:nvGrpSpPr>
+      <p:grpSpPr>
+        <a:xfrm>
+          <a:off x="0" y="0"/>
+          <a:ext cx="0" cy="0"/>
+          <a:chOff x="0" y="0"/>
+          <a:chExt cx="0" cy="0"/>
+        </a:xfrm>
+      </p:grpSpPr>
+      <p:sp>
+        <p:nvSpPr>
+          <p:cNvPr id="2" name="Titel 1">
+            <a:extLst>
+              <a:ext uri="{FF2B5EF4-FFF2-40B4-BE49-F238E27FC236}">
+                <a16:creationId xmlns:a16="http://schemas.microsoft.com/office/drawing/2014/main" id="{A9E29A43-5216-DB14-F6A0-FB48FD97C80D}"/>
+              </a:ext>
+            </a:extLst>
+          </p:cNvPr>
+          <p:cNvSpPr>
+            <a:spLocks noGrp="1"/>
+          </p:cNvSpPr>
+          <p:nvPr>
+            <p:ph type="title"/>
+          </p:nvPr>
+        </p:nvSpPr>
+        <p:spPr/>
+        <p:txBody>
+          <a:bodyPr/>
+          <a:lstStyle/>
+          <a:p>
+            <a:r>
+              <a:rPr lang="de-DE" dirty="0" err="1"/>
+              <a:t>Difficulties</a:t>
+            </a:r>
+            <a:endParaRPr lang="de-DE" dirty="0"/>
+          </a:p>
+        </p:txBody>
+      </p:sp>
+      <p:sp>
+        <p:nvSpPr>
+          <p:cNvPr id="3" name="Inhaltsplatzhalter 2">
+            <a:extLst>
+              <a:ext uri="{FF2B5EF4-FFF2-40B4-BE49-F238E27FC236}">
+                <a16:creationId xmlns:a16="http://schemas.microsoft.com/office/drawing/2014/main" id="{BD83AB34-EB3E-5DDF-DA83-B869E9482A0F}"/>
+              </a:ext>
+            </a:extLst>
+          </p:cNvPr>
+          <p:cNvSpPr>
+            <a:spLocks noGrp="1"/>
+          </p:cNvSpPr>
+          <p:nvPr>
+            <p:ph idx="1"/>
+          </p:nvPr>
+        </p:nvSpPr>
+        <p:spPr/>
+        <p:txBody>
+          <a:bodyPr/>
+          <a:lstStyle/>
+          <a:p>
+            <a:r>
+              <a:rPr lang="de-DE" dirty="0"/>
+              <a:t>Structured </a:t>
+            </a:r>
+            <a:r>
+              <a:rPr lang="de-DE" dirty="0" err="1"/>
+              <a:t>working</a:t>
+            </a:r>
+            <a:endParaRPr lang="de-DE" dirty="0"/>
+          </a:p>
+          <a:p>
+            <a:r>
+              <a:rPr lang="de-DE" dirty="0"/>
+              <a:t>Setting </a:t>
+            </a:r>
+            <a:r>
+              <a:rPr lang="de-DE" dirty="0" err="1"/>
+              <a:t>tensorflow</a:t>
+            </a:r>
+            <a:r>
+              <a:rPr lang="de-DE" dirty="0"/>
+              <a:t> on private </a:t>
+            </a:r>
+            <a:r>
+              <a:rPr lang="de-DE" dirty="0" err="1"/>
+              <a:t>machine</a:t>
+            </a:r>
+            <a:r>
+              <a:rPr lang="de-DE" dirty="0"/>
+              <a:t> (GPU not </a:t>
+            </a:r>
+            <a:r>
+              <a:rPr lang="de-DE" dirty="0" err="1"/>
+              <a:t>working</a:t>
+            </a:r>
+            <a:r>
+              <a:rPr lang="de-DE" dirty="0"/>
+              <a:t>)</a:t>
+            </a:r>
+          </a:p>
+          <a:p>
+            <a:endParaRPr lang="de-DE" dirty="0"/>
+          </a:p>
+          <a:p>
+            <a:endParaRPr lang="de-DE" dirty="0"/>
+          </a:p>
+        </p:txBody>
+      </p:sp>
+      <p:sp>
+        <p:nvSpPr>
+          <p:cNvPr id="4" name="Foliennummernplatzhalter 3">
+            <a:extLst>
+              <a:ext uri="{FF2B5EF4-FFF2-40B4-BE49-F238E27FC236}">
+                <a16:creationId xmlns:a16="http://schemas.microsoft.com/office/drawing/2014/main" id="{D5B5052B-6A43-270B-D9C9-D71BB778FD74}"/>
+              </a:ext>
+            </a:extLst>
+          </p:cNvPr>
+          <p:cNvSpPr>
+            <a:spLocks noGrp="1"/>
+          </p:cNvSpPr>
+          <p:nvPr>
+            <p:ph type="sldNum" sz="quarter" idx="12"/>
+          </p:nvPr>
+        </p:nvSpPr>
+        <p:spPr/>
+        <p:txBody>
+          <a:bodyPr/>
+          <a:lstStyle/>
+          <a:p>
+            <a:fld id="{A4F5F511-C017-478C-84E3-F7F078728441}" type="slidenum">
+              <a:rPr lang="de-DE" smtClean="0"/>
+              <a:t>9</a:t>
+            </a:fld>
+            <a:endParaRPr lang="de-DE"/>
+          </a:p>
+        </p:txBody>
+      </p:sp>
+    </p:spTree>
+    <p:extLst>
+      <p:ext uri="{BB962C8B-B14F-4D97-AF65-F5344CB8AC3E}">
+        <p14:creationId xmlns:p14="http://schemas.microsoft.com/office/powerpoint/2010/main" val="2068544664"/>
       </p:ext>
     </p:extLst>
   </p:cSld>
@@ -4031,4 +7817,299 @@
     </a:ext>
   </a:extLst>
 </a:theme>
+</file>
+
+<file path=ppt/theme/theme2.xml><?xml version="1.0" encoding="utf-8"?>
+<a:theme xmlns:a="http://schemas.openxmlformats.org/drawingml/2006/main" name="Office">
+  <a:themeElements>
+    <a:clrScheme name="Office">
+      <a:dk1>
+        <a:sysClr val="windowText" lastClr="000000"/>
+      </a:dk1>
+      <a:lt1>
+        <a:sysClr val="window" lastClr="FFFFFF"/>
+      </a:lt1>
+      <a:dk2>
+        <a:srgbClr val="44546A"/>
+      </a:dk2>
+      <a:lt2>
+        <a:srgbClr val="E7E6E6"/>
+      </a:lt2>
+      <a:accent1>
+        <a:srgbClr val="4472C4"/>
+      </a:accent1>
+      <a:accent2>
+        <a:srgbClr val="ED7D31"/>
+      </a:accent2>
+      <a:accent3>
+        <a:srgbClr val="A5A5A5"/>
+      </a:accent3>
+      <a:accent4>
+        <a:srgbClr val="FFC000"/>
+      </a:accent4>
+      <a:accent5>
+        <a:srgbClr val="5B9BD5"/>
+      </a:accent5>
+      <a:accent6>
+        <a:srgbClr val="70AD47"/>
+      </a:accent6>
+      <a:hlink>
+        <a:srgbClr val="0563C1"/>
+      </a:hlink>
+      <a:folHlink>
+        <a:srgbClr val="954F72"/>
+      </a:folHlink>
+    </a:clrScheme>
+    <a:fontScheme name="Office">
+      <a:majorFont>
+        <a:latin typeface="Calibri Light" panose="020F0302020204030204"/>
+        <a:ea typeface=""/>
+        <a:cs typeface=""/>
+        <a:font script="Jpan" typeface="游ゴシック Light"/>
+        <a:font script="Hang" typeface="맑은 고딕"/>
+        <a:font script="Hans" typeface="等线 Light"/>
+        <a:font script="Hant" typeface="新細明體"/>
+        <a:font script="Arab" typeface="Times New Roman"/>
+        <a:font script="Hebr" typeface="Times New Roman"/>
+        <a:font script="Thai" typeface="Angsana New"/>
+        <a:font script="Ethi" typeface="Nyala"/>
+        <a:font script="Beng" typeface="Vrinda"/>
+        <a:font script="Gujr" typeface="Shruti"/>
+        <a:font script="Khmr" typeface="MoolBoran"/>
+        <a:font script="Knda" typeface="Tunga"/>
+        <a:font script="Guru" typeface="Raavi"/>
+        <a:font script="Cans" typeface="Euphemia"/>
+        <a:font script="Cher" typeface="Plantagenet Cherokee"/>
+        <a:font script="Yiii" typeface="Microsoft Yi Baiti"/>
+        <a:font script="Tibt" typeface="Microsoft Himalaya"/>
+        <a:font script="Thaa" typeface="MV Boli"/>
+        <a:font script="Deva" typeface="Mangal"/>
+        <a:font script="Telu" typeface="Gautami"/>
+        <a:font script="Taml" typeface="Latha"/>
+        <a:font script="Syrc" typeface="Estrangelo Edessa"/>
+        <a:font script="Orya" typeface="Kalinga"/>
+        <a:font script="Mlym" typeface="Kartika"/>
+        <a:font script="Laoo" typeface="DokChampa"/>
+        <a:font script="Sinh" typeface="Iskoola Pota"/>
+        <a:font script="Mong" typeface="Mongolian Baiti"/>
+        <a:font script="Viet" typeface="Times New Roman"/>
+        <a:font script="Uigh" typeface="Microsoft Uighur"/>
+        <a:font script="Geor" typeface="Sylfaen"/>
+        <a:font script="Armn" typeface="Arial"/>
+        <a:font script="Bugi" typeface="Leelawadee UI"/>
+        <a:font script="Bopo" typeface="Microsoft JhengHei"/>
+        <a:font script="Java" typeface="Javanese Text"/>
+        <a:font script="Lisu" typeface="Segoe UI"/>
+        <a:font script="Mymr" typeface="Myanmar Text"/>
+        <a:font script="Nkoo" typeface="Ebrima"/>
+        <a:font script="Olck" typeface="Nirmala UI"/>
+        <a:font script="Osma" typeface="Ebrima"/>
+        <a:font script="Phag" typeface="Phagspa"/>
+        <a:font script="Syrn" typeface="Estrangelo Edessa"/>
+        <a:font script="Syrj" typeface="Estrangelo Edessa"/>
+        <a:font script="Syre" typeface="Estrangelo Edessa"/>
+        <a:font script="Sora" typeface="Nirmala UI"/>
+        <a:font script="Tale" typeface="Microsoft Tai Le"/>
+        <a:font script="Talu" typeface="Microsoft New Tai Lue"/>
+        <a:font script="Tfng" typeface="Ebrima"/>
+      </a:majorFont>
+      <a:minorFont>
+        <a:latin typeface="Calibri" panose="020F0502020204030204"/>
+        <a:ea typeface=""/>
+        <a:cs typeface=""/>
+        <a:font script="Jpan" typeface="游ゴシック"/>
+        <a:font script="Hang" typeface="맑은 고딕"/>
+        <a:font script="Hans" typeface="等线"/>
+        <a:font script="Hant" typeface="新細明體"/>
+        <a:font script="Arab" typeface="Arial"/>
+        <a:font script="Hebr" typeface="Arial"/>
+        <a:font script="Thai" typeface="Cordia New"/>
+        <a:font script="Ethi" typeface="Nyala"/>
+        <a:font script="Beng" typeface="Vrinda"/>
+        <a:font script="Gujr" typeface="Shruti"/>
+        <a:font script="Khmr" typeface="DaunPenh"/>
+        <a:font script="Knda" typeface="Tunga"/>
+        <a:font script="Guru" typeface="Raavi"/>
+        <a:font script="Cans" typeface="Euphemia"/>
+        <a:font script="Cher" typeface="Plantagenet Cherokee"/>
+        <a:font script="Yiii" typeface="Microsoft Yi Baiti"/>
+        <a:font script="Tibt" typeface="Microsoft Himalaya"/>
+        <a:font script="Thaa" typeface="MV Boli"/>
+        <a:font script="Deva" typeface="Mangal"/>
+        <a:font script="Telu" typeface="Gautami"/>
+        <a:font script="Taml" typeface="Latha"/>
+        <a:font script="Syrc" typeface="Estrangelo Edessa"/>
+        <a:font script="Orya" typeface="Kalinga"/>
+        <a:font script="Mlym" typeface="Kartika"/>
+        <a:font script="Laoo" typeface="DokChampa"/>
+        <a:font script="Sinh" typeface="Iskoola Pota"/>
+        <a:font script="Mong" typeface="Mongolian Baiti"/>
+        <a:font script="Viet" typeface="Arial"/>
+        <a:font script="Uigh" typeface="Microsoft Uighur"/>
+        <a:font script="Geor" typeface="Sylfaen"/>
+        <a:font script="Armn" typeface="Arial"/>
+        <a:font script="Bugi" typeface="Leelawadee UI"/>
+        <a:font script="Bopo" typeface="Microsoft JhengHei"/>
+        <a:font script="Java" typeface="Javanese Text"/>
+        <a:font script="Lisu" typeface="Segoe UI"/>
+        <a:font script="Mymr" typeface="Myanmar Text"/>
+        <a:font script="Nkoo" typeface="Ebrima"/>
+        <a:font script="Olck" typeface="Nirmala UI"/>
+        <a:font script="Osma" typeface="Ebrima"/>
+        <a:font script="Phag" typeface="Phagspa"/>
+        <a:font script="Syrn" typeface="Estrangelo Edessa"/>
+        <a:font script="Syrj" typeface="Estrangelo Edessa"/>
+        <a:font script="Syre" typeface="Estrangelo Edessa"/>
+        <a:font script="Sora" typeface="Nirmala UI"/>
+        <a:font script="Tale" typeface="Microsoft Tai Le"/>
+        <a:font script="Talu" typeface="Microsoft New Tai Lue"/>
+        <a:font script="Tfng" typeface="Ebrima"/>
+      </a:minorFont>
+    </a:fontScheme>
+    <a:fmtScheme name="Office">
+      <a:fillStyleLst>
+        <a:solidFill>
+          <a:schemeClr val="phClr"/>
+        </a:solidFill>
+        <a:gradFill rotWithShape="1">
+          <a:gsLst>
+            <a:gs pos="0">
+              <a:schemeClr val="phClr">
+                <a:lumMod val="110000"/>
+                <a:satMod val="105000"/>
+                <a:tint val="67000"/>
+              </a:schemeClr>
+            </a:gs>
+            <a:gs pos="50000">
+              <a:schemeClr val="phClr">
+                <a:lumMod val="105000"/>
+                <a:satMod val="103000"/>
+                <a:tint val="73000"/>
+              </a:schemeClr>
+            </a:gs>
+            <a:gs pos="100000">
+              <a:schemeClr val="phClr">
+                <a:lumMod val="105000"/>
+                <a:satMod val="109000"/>
+                <a:tint val="81000"/>
+              </a:schemeClr>
+            </a:gs>
+          </a:gsLst>
+          <a:lin ang="5400000" scaled="0"/>
+        </a:gradFill>
+        <a:gradFill rotWithShape="1">
+          <a:gsLst>
+            <a:gs pos="0">
+              <a:schemeClr val="phClr">
+                <a:satMod val="103000"/>
+                <a:lumMod val="102000"/>
+                <a:tint val="94000"/>
+              </a:schemeClr>
+            </a:gs>
+            <a:gs pos="50000">
+              <a:schemeClr val="phClr">
+                <a:satMod val="110000"/>
+                <a:lumMod val="100000"/>
+                <a:shade val="100000"/>
+              </a:schemeClr>
+            </a:gs>
+            <a:gs pos="100000">
+              <a:schemeClr val="phClr">
+                <a:lumMod val="99000"/>
+                <a:satMod val="120000"/>
+                <a:shade val="78000"/>
+              </a:schemeClr>
+            </a:gs>
+          </a:gsLst>
+          <a:lin ang="5400000" scaled="0"/>
+        </a:gradFill>
+      </a:fillStyleLst>
+      <a:lnStyleLst>
+        <a:ln w="6350" cap="flat" cmpd="sng" algn="ctr">
+          <a:solidFill>
+            <a:schemeClr val="phClr"/>
+          </a:solidFill>
+          <a:prstDash val="solid"/>
+          <a:miter lim="800000"/>
+        </a:ln>
+        <a:ln w="12700" cap="flat" cmpd="sng" algn="ctr">
+          <a:solidFill>
+            <a:schemeClr val="phClr"/>
+          </a:solidFill>
+          <a:prstDash val="solid"/>
+          <a:miter lim="800000"/>
+        </a:ln>
+        <a:ln w="19050" cap="flat" cmpd="sng" algn="ctr">
+          <a:solidFill>
+            <a:schemeClr val="phClr"/>
+          </a:solidFill>
+          <a:prstDash val="solid"/>
+          <a:miter lim="800000"/>
+        </a:ln>
+      </a:lnStyleLst>
+      <a:effectStyleLst>
+        <a:effectStyle>
+          <a:effectLst/>
+        </a:effectStyle>
+        <a:effectStyle>
+          <a:effectLst/>
+        </a:effectStyle>
+        <a:effectStyle>
+          <a:effectLst>
+            <a:outerShdw blurRad="57150" dist="19050" dir="5400000" algn="ctr" rotWithShape="0">
+              <a:srgbClr val="000000">
+                <a:alpha val="63000"/>
+              </a:srgbClr>
+            </a:outerShdw>
+          </a:effectLst>
+        </a:effectStyle>
+      </a:effectStyleLst>
+      <a:bgFillStyleLst>
+        <a:solidFill>
+          <a:schemeClr val="phClr"/>
+        </a:solidFill>
+        <a:solidFill>
+          <a:schemeClr val="phClr">
+            <a:tint val="95000"/>
+            <a:satMod val="170000"/>
+          </a:schemeClr>
+        </a:solidFill>
+        <a:gradFill rotWithShape="1">
+          <a:gsLst>
+            <a:gs pos="0">
+              <a:schemeClr val="phClr">
+                <a:tint val="93000"/>
+                <a:satMod val="150000"/>
+                <a:shade val="98000"/>
+                <a:lumMod val="102000"/>
+              </a:schemeClr>
+            </a:gs>
+            <a:gs pos="50000">
+              <a:schemeClr val="phClr">
+                <a:tint val="98000"/>
+                <a:satMod val="130000"/>
+                <a:shade val="90000"/>
+                <a:lumMod val="103000"/>
+              </a:schemeClr>
+            </a:gs>
+            <a:gs pos="100000">
+              <a:schemeClr val="phClr">
+                <a:shade val="63000"/>
+                <a:satMod val="120000"/>
+              </a:schemeClr>
+            </a:gs>
+          </a:gsLst>
+          <a:lin ang="5400000" scaled="0"/>
+        </a:gradFill>
+      </a:bgFillStyleLst>
+    </a:fmtScheme>
+  </a:themeElements>
+  <a:objectDefaults/>
+  <a:extraClrSchemeLst/>
+  <a:extLst>
+    <a:ext uri="{05A4C25C-085E-4340-85A3-A5531E510DB2}">
+      <thm15:themeFamily xmlns:thm15="http://schemas.microsoft.com/office/thememl/2012/main" name="Office Theme" id="{62F939B6-93AF-4DB8-9C6B-D6C7DFDC589F}" vid="{4A3C46E8-61CC-4603-A589-7422A47A8E4A}"/>
+    </a:ext>
+  </a:extLst>
+</a:theme>
 </file>
--- a/Tree leaf recognition.pptx
+++ b/Tree leaf recognition.pptx
@@ -5,7 +5,7 @@
     <p:sldMasterId id="2147483660" r:id="rId1"/>
   </p:sldMasterIdLst>
   <p:notesMasterIdLst>
-    <p:notesMasterId r:id="rId12"/>
+    <p:notesMasterId r:id="rId13"/>
   </p:notesMasterIdLst>
   <p:sldIdLst>
     <p:sldId id="256" r:id="rId2"/>
@@ -16,8 +16,9 @@
     <p:sldId id="261" r:id="rId7"/>
     <p:sldId id="259" r:id="rId8"/>
     <p:sldId id="262" r:id="rId9"/>
-    <p:sldId id="263" r:id="rId10"/>
-    <p:sldId id="264" r:id="rId11"/>
+    <p:sldId id="266" r:id="rId10"/>
+    <p:sldId id="263" r:id="rId11"/>
+    <p:sldId id="264" r:id="rId12"/>
   </p:sldIdLst>
   <p:sldSz cx="12192000" cy="6858000"/>
   <p:notesSz cx="6858000" cy="9144000"/>
@@ -206,7 +207,7 @@
           <a:p>
             <a:fld id="{E03D3E37-43D0-428B-B7FE-421AC194A595}" type="datetimeFigureOut">
               <a:rPr lang="de-DE" smtClean="0"/>
-              <a:t>19.06.2023</a:t>
+              <a:t>20.06.2023</a:t>
             </a:fld>
             <a:endParaRPr lang="de-DE"/>
           </a:p>
@@ -473,6 +474,1185 @@
 </p:notesMaster>
 </file>
 
+<file path=ppt/notesSlides/notesSlide1.xml><?xml version="1.0" encoding="utf-8"?>
+<p:notes xmlns:a="http://schemas.openxmlformats.org/drawingml/2006/main" xmlns:r="http://schemas.openxmlformats.org/officeDocument/2006/relationships" xmlns:p="http://schemas.openxmlformats.org/presentationml/2006/main">
+  <p:cSld>
+    <p:spTree>
+      <p:nvGrpSpPr>
+        <p:cNvPr id="1" name=""/>
+        <p:cNvGrpSpPr/>
+        <p:nvPr/>
+      </p:nvGrpSpPr>
+      <p:grpSpPr>
+        <a:xfrm>
+          <a:off x="0" y="0"/>
+          <a:ext cx="0" cy="0"/>
+          <a:chOff x="0" y="0"/>
+          <a:chExt cx="0" cy="0"/>
+        </a:xfrm>
+      </p:grpSpPr>
+      <p:sp>
+        <p:nvSpPr>
+          <p:cNvPr id="2" name="Folienbildplatzhalter 1"/>
+          <p:cNvSpPr>
+            <a:spLocks noGrp="1" noRot="1" noChangeAspect="1"/>
+          </p:cNvSpPr>
+          <p:nvPr>
+            <p:ph type="sldImg"/>
+          </p:nvPr>
+        </p:nvSpPr>
+        <p:spPr/>
+      </p:sp>
+      <p:sp>
+        <p:nvSpPr>
+          <p:cNvPr id="3" name="Notizenplatzhalter 2"/>
+          <p:cNvSpPr>
+            <a:spLocks noGrp="1"/>
+          </p:cNvSpPr>
+          <p:nvPr>
+            <p:ph type="body" idx="1"/>
+          </p:nvPr>
+        </p:nvSpPr>
+        <p:spPr/>
+        <p:txBody>
+          <a:bodyPr/>
+          <a:lstStyle/>
+          <a:p>
+            <a:r>
+              <a:rPr lang="de-DE" dirty="0"/>
+              <a:t>Most </a:t>
+            </a:r>
+            <a:r>
+              <a:rPr lang="de-DE" dirty="0" err="1"/>
+              <a:t>freely</a:t>
+            </a:r>
+            <a:r>
+              <a:rPr lang="de-DE" dirty="0"/>
+              <a:t> </a:t>
+            </a:r>
+            <a:r>
+              <a:rPr lang="de-DE" dirty="0" err="1"/>
+              <a:t>available</a:t>
+            </a:r>
+            <a:r>
+              <a:rPr lang="de-DE" dirty="0"/>
+              <a:t> </a:t>
+            </a:r>
+            <a:r>
+              <a:rPr lang="de-DE" dirty="0" err="1"/>
+              <a:t>datasets</a:t>
+            </a:r>
+            <a:r>
+              <a:rPr lang="de-DE" dirty="0"/>
+              <a:t> </a:t>
+            </a:r>
+            <a:r>
+              <a:rPr lang="de-DE" dirty="0" err="1"/>
+              <a:t>look</a:t>
+            </a:r>
+            <a:r>
+              <a:rPr lang="de-DE" dirty="0"/>
+              <a:t> </a:t>
+            </a:r>
+            <a:r>
+              <a:rPr lang="de-DE" dirty="0" err="1"/>
+              <a:t>into</a:t>
+            </a:r>
+            <a:r>
+              <a:rPr lang="de-DE" dirty="0"/>
+              <a:t> plants in </a:t>
+            </a:r>
+            <a:r>
+              <a:rPr lang="de-DE" dirty="0" err="1"/>
+              <a:t>general</a:t>
+            </a:r>
+            <a:r>
+              <a:rPr lang="de-DE" dirty="0"/>
+              <a:t> and </a:t>
+            </a:r>
+            <a:r>
+              <a:rPr lang="de-DE" dirty="0" err="1"/>
+              <a:t>often</a:t>
+            </a:r>
+            <a:r>
+              <a:rPr lang="de-DE" dirty="0"/>
+              <a:t> </a:t>
+            </a:r>
+            <a:r>
+              <a:rPr lang="de-DE" dirty="0" err="1"/>
+              <a:t>the</a:t>
+            </a:r>
+            <a:r>
+              <a:rPr lang="de-DE" dirty="0"/>
+              <a:t> plants </a:t>
+            </a:r>
+            <a:r>
+              <a:rPr lang="de-DE" dirty="0" err="1"/>
+              <a:t>are</a:t>
+            </a:r>
+            <a:r>
+              <a:rPr lang="de-DE" dirty="0"/>
+              <a:t> not native in Germany</a:t>
+            </a:r>
+          </a:p>
+          <a:p>
+            <a:r>
+              <a:rPr lang="de-DE" dirty="0"/>
+              <a:t>Dataset </a:t>
+            </a:r>
+            <a:r>
+              <a:rPr lang="de-DE" dirty="0" err="1"/>
+              <a:t>from</a:t>
+            </a:r>
+            <a:r>
+              <a:rPr lang="de-DE" dirty="0"/>
+              <a:t> a </a:t>
+            </a:r>
+            <a:r>
+              <a:rPr lang="de-DE" dirty="0" err="1"/>
+              <a:t>master</a:t>
+            </a:r>
+            <a:r>
+              <a:rPr lang="de-DE" dirty="0"/>
+              <a:t> </a:t>
+            </a:r>
+            <a:r>
+              <a:rPr lang="de-DE" dirty="0" err="1"/>
+              <a:t>thesis</a:t>
+            </a:r>
+            <a:r>
+              <a:rPr lang="de-DE" dirty="0"/>
+              <a:t> </a:t>
+            </a:r>
+            <a:r>
+              <a:rPr lang="de-DE" dirty="0" err="1"/>
+              <a:t>from</a:t>
+            </a:r>
+            <a:r>
+              <a:rPr lang="de-DE" dirty="0"/>
+              <a:t> </a:t>
+            </a:r>
+            <a:r>
+              <a:rPr lang="de-DE" dirty="0" err="1"/>
+              <a:t>the</a:t>
+            </a:r>
+            <a:r>
+              <a:rPr lang="de-DE" dirty="0"/>
+              <a:t> </a:t>
+            </a:r>
+            <a:r>
+              <a:rPr lang="de-DE" dirty="0" err="1"/>
+              <a:t>university</a:t>
+            </a:r>
+            <a:r>
+              <a:rPr lang="de-DE" dirty="0"/>
+              <a:t> </a:t>
+            </a:r>
+            <a:r>
+              <a:rPr lang="de-DE" dirty="0" err="1"/>
+              <a:t>of</a:t>
+            </a:r>
+            <a:r>
+              <a:rPr lang="de-DE" dirty="0"/>
+              <a:t> </a:t>
+            </a:r>
+            <a:r>
+              <a:rPr lang="de-DE" dirty="0" err="1"/>
+              <a:t>Linkoping</a:t>
+            </a:r>
+            <a:r>
+              <a:rPr lang="de-DE" dirty="0"/>
+              <a:t> </a:t>
+            </a:r>
+            <a:r>
+              <a:rPr lang="de-DE" dirty="0" err="1"/>
+              <a:t>covering</a:t>
+            </a:r>
+            <a:r>
+              <a:rPr lang="de-DE" dirty="0"/>
+              <a:t> </a:t>
+            </a:r>
+            <a:r>
+              <a:rPr lang="de-DE" dirty="0" err="1"/>
+              <a:t>tree</a:t>
+            </a:r>
+            <a:r>
+              <a:rPr lang="de-DE" dirty="0"/>
+              <a:t> </a:t>
+            </a:r>
+            <a:r>
+              <a:rPr lang="de-DE" dirty="0" err="1"/>
+              <a:t>leaves</a:t>
+            </a:r>
+            <a:r>
+              <a:rPr lang="de-DE" dirty="0"/>
+              <a:t> like </a:t>
+            </a:r>
+            <a:r>
+              <a:rPr lang="de-DE" dirty="0" err="1"/>
+              <a:t>the</a:t>
+            </a:r>
+            <a:r>
+              <a:rPr lang="de-DE" dirty="0"/>
+              <a:t> </a:t>
+            </a:r>
+            <a:r>
+              <a:rPr lang="de-DE" dirty="0" err="1"/>
+              <a:t>field</a:t>
+            </a:r>
+            <a:r>
+              <a:rPr lang="de-DE" dirty="0"/>
+              <a:t> </a:t>
+            </a:r>
+            <a:r>
+              <a:rPr lang="de-DE" dirty="0" err="1"/>
+              <a:t>elm</a:t>
+            </a:r>
+            <a:r>
+              <a:rPr lang="de-DE" dirty="0"/>
+              <a:t> and </a:t>
+            </a:r>
+            <a:r>
+              <a:rPr lang="de-DE" dirty="0" err="1"/>
+              <a:t>the</a:t>
+            </a:r>
+            <a:r>
+              <a:rPr lang="de-DE" dirty="0"/>
+              <a:t> </a:t>
+            </a:r>
+            <a:r>
+              <a:rPr lang="de-DE" dirty="0" err="1"/>
+              <a:t>cottonwood</a:t>
+            </a:r>
+            <a:r>
+              <a:rPr lang="de-DE" dirty="0"/>
+              <a:t> </a:t>
+            </a:r>
+            <a:r>
+              <a:rPr lang="de-DE" dirty="0" err="1"/>
+              <a:t>that</a:t>
+            </a:r>
+            <a:r>
+              <a:rPr lang="de-DE" dirty="0"/>
+              <a:t> </a:t>
+            </a:r>
+            <a:r>
+              <a:rPr lang="de-DE" dirty="0" err="1"/>
+              <a:t>are</a:t>
+            </a:r>
+            <a:r>
+              <a:rPr lang="de-DE" dirty="0"/>
+              <a:t> </a:t>
+            </a:r>
+            <a:r>
+              <a:rPr lang="de-DE" dirty="0" err="1"/>
+              <a:t>mostly</a:t>
+            </a:r>
+            <a:r>
+              <a:rPr lang="de-DE" dirty="0"/>
+              <a:t> native in </a:t>
+            </a:r>
+            <a:r>
+              <a:rPr lang="de-DE" dirty="0" err="1"/>
+              <a:t>the</a:t>
+            </a:r>
+            <a:r>
+              <a:rPr lang="de-DE" dirty="0"/>
+              <a:t> Northern </a:t>
+            </a:r>
+            <a:r>
+              <a:rPr lang="de-DE" dirty="0" err="1"/>
+              <a:t>Hemisphere</a:t>
+            </a:r>
+            <a:r>
+              <a:rPr lang="de-DE" dirty="0"/>
+              <a:t>, so also </a:t>
+            </a:r>
+            <a:r>
+              <a:rPr lang="de-DE" dirty="0" err="1"/>
+              <a:t>here</a:t>
+            </a:r>
+            <a:r>
+              <a:rPr lang="de-DE" dirty="0"/>
+              <a:t> in Germany</a:t>
+            </a:r>
+          </a:p>
+        </p:txBody>
+      </p:sp>
+      <p:sp>
+        <p:nvSpPr>
+          <p:cNvPr id="4" name="Foliennummernplatzhalter 3"/>
+          <p:cNvSpPr>
+            <a:spLocks noGrp="1"/>
+          </p:cNvSpPr>
+          <p:nvPr>
+            <p:ph type="sldNum" sz="quarter" idx="5"/>
+          </p:nvPr>
+        </p:nvSpPr>
+        <p:spPr/>
+        <p:txBody>
+          <a:bodyPr/>
+          <a:lstStyle/>
+          <a:p>
+            <a:fld id="{14E53487-59BE-40DE-8E0A-21DA7D74AB8D}" type="slidenum">
+              <a:rPr lang="de-DE" smtClean="0"/>
+              <a:t>2</a:t>
+            </a:fld>
+            <a:endParaRPr lang="de-DE"/>
+          </a:p>
+        </p:txBody>
+      </p:sp>
+    </p:spTree>
+    <p:extLst>
+      <p:ext uri="{BB962C8B-B14F-4D97-AF65-F5344CB8AC3E}">
+        <p14:creationId xmlns:p14="http://schemas.microsoft.com/office/powerpoint/2010/main" val="2981791705"/>
+      </p:ext>
+    </p:extLst>
+  </p:cSld>
+  <p:clrMapOvr>
+    <a:masterClrMapping/>
+  </p:clrMapOvr>
+</p:notes>
+</file>
+
+<file path=ppt/notesSlides/notesSlide2.xml><?xml version="1.0" encoding="utf-8"?>
+<p:notes xmlns:a="http://schemas.openxmlformats.org/drawingml/2006/main" xmlns:r="http://schemas.openxmlformats.org/officeDocument/2006/relationships" xmlns:p="http://schemas.openxmlformats.org/presentationml/2006/main">
+  <p:cSld>
+    <p:spTree>
+      <p:nvGrpSpPr>
+        <p:cNvPr id="1" name=""/>
+        <p:cNvGrpSpPr/>
+        <p:nvPr/>
+      </p:nvGrpSpPr>
+      <p:grpSpPr>
+        <a:xfrm>
+          <a:off x="0" y="0"/>
+          <a:ext cx="0" cy="0"/>
+          <a:chOff x="0" y="0"/>
+          <a:chExt cx="0" cy="0"/>
+        </a:xfrm>
+      </p:grpSpPr>
+      <p:sp>
+        <p:nvSpPr>
+          <p:cNvPr id="2" name="Folienbildplatzhalter 1"/>
+          <p:cNvSpPr>
+            <a:spLocks noGrp="1" noRot="1" noChangeAspect="1"/>
+          </p:cNvSpPr>
+          <p:nvPr>
+            <p:ph type="sldImg"/>
+          </p:nvPr>
+        </p:nvSpPr>
+        <p:spPr/>
+      </p:sp>
+      <p:sp>
+        <p:nvSpPr>
+          <p:cNvPr id="3" name="Notizenplatzhalter 2"/>
+          <p:cNvSpPr>
+            <a:spLocks noGrp="1"/>
+          </p:cNvSpPr>
+          <p:nvPr>
+            <p:ph type="body" idx="1"/>
+          </p:nvPr>
+        </p:nvSpPr>
+        <p:spPr/>
+        <p:txBody>
+          <a:bodyPr/>
+          <a:lstStyle/>
+          <a:p>
+            <a:pPr marL="285750" indent="-285750">
+              <a:buFont typeface="Wingdings" panose="05000000000000000000" pitchFamily="2" charset="2"/>
+              <a:buChar char="§"/>
+            </a:pPr>
+            <a:r>
+              <a:rPr lang="de-DE" dirty="0"/>
+              <a:t>Black and White:</a:t>
+            </a:r>
+          </a:p>
+          <a:p>
+            <a:pPr marL="742950" lvl="1" indent="-285750">
+              <a:buFont typeface="Wingdings" panose="05000000000000000000" pitchFamily="2" charset="2"/>
+              <a:buChar char="§"/>
+            </a:pPr>
+            <a:r>
+              <a:rPr lang="de-DE" dirty="0"/>
+              <a:t>Validation </a:t>
+            </a:r>
+            <a:r>
+              <a:rPr lang="de-DE" dirty="0" err="1"/>
+              <a:t>loss</a:t>
+            </a:r>
+            <a:r>
+              <a:rPr lang="de-DE" dirty="0"/>
+              <a:t>: 0.62 | Validation </a:t>
+            </a:r>
+            <a:r>
+              <a:rPr lang="de-DE" dirty="0" err="1"/>
+              <a:t>accuracy</a:t>
+            </a:r>
+            <a:r>
+              <a:rPr lang="de-DE" dirty="0"/>
+              <a:t>: 0.81 (5 </a:t>
+            </a:r>
+            <a:r>
+              <a:rPr lang="de-DE" dirty="0" err="1"/>
+              <a:t>epochs</a:t>
+            </a:r>
+            <a:r>
+              <a:rPr lang="de-DE" dirty="0"/>
+              <a:t>, </a:t>
+            </a:r>
+            <a:r>
+              <a:rPr lang="de-DE" dirty="0" err="1"/>
+              <a:t>max</a:t>
+            </a:r>
+            <a:r>
+              <a:rPr lang="de-DE" dirty="0"/>
+              <a:t> pool 2x2)</a:t>
+            </a:r>
+          </a:p>
+          <a:p>
+            <a:pPr marL="742950" lvl="1" indent="-285750">
+              <a:buFont typeface="Wingdings" panose="05000000000000000000" pitchFamily="2" charset="2"/>
+              <a:buChar char="§"/>
+            </a:pPr>
+            <a:r>
+              <a:rPr lang="de-DE" dirty="0"/>
+              <a:t>Validation </a:t>
+            </a:r>
+            <a:r>
+              <a:rPr lang="de-DE" dirty="0" err="1"/>
+              <a:t>loss</a:t>
+            </a:r>
+            <a:r>
+              <a:rPr lang="de-DE" dirty="0"/>
+              <a:t>: 0.43 | Validation </a:t>
+            </a:r>
+            <a:r>
+              <a:rPr lang="de-DE" dirty="0" err="1"/>
+              <a:t>accuracy</a:t>
+            </a:r>
+            <a:r>
+              <a:rPr lang="de-DE" dirty="0"/>
+              <a:t>: 0.86 (9 </a:t>
+            </a:r>
+            <a:r>
+              <a:rPr lang="de-DE" dirty="0" err="1"/>
+              <a:t>epochs</a:t>
+            </a:r>
+            <a:r>
+              <a:rPr lang="de-DE" dirty="0"/>
+              <a:t>, </a:t>
+            </a:r>
+            <a:r>
+              <a:rPr lang="de-DE" dirty="0" err="1"/>
+              <a:t>max</a:t>
+            </a:r>
+            <a:r>
+              <a:rPr lang="de-DE" dirty="0"/>
+              <a:t> pool 3x3)</a:t>
+            </a:r>
+          </a:p>
+          <a:p>
+            <a:pPr marL="285750" indent="-285750">
+              <a:buFont typeface="Wingdings" panose="05000000000000000000" pitchFamily="2" charset="2"/>
+              <a:buChar char="§"/>
+            </a:pPr>
+            <a:r>
+              <a:rPr lang="de-DE" dirty="0"/>
+              <a:t>HSV (Hue, Saturation, Value </a:t>
+            </a:r>
+            <a:r>
+              <a:rPr lang="de-DE" dirty="0" err="1"/>
+              <a:t>changes</a:t>
+            </a:r>
+            <a:r>
+              <a:rPr lang="de-DE" dirty="0"/>
+              <a:t>):</a:t>
+            </a:r>
+          </a:p>
+          <a:p>
+            <a:pPr marL="742950" lvl="1" indent="-285750">
+              <a:buFont typeface="Wingdings" panose="05000000000000000000" pitchFamily="2" charset="2"/>
+              <a:buChar char="§"/>
+            </a:pPr>
+            <a:r>
+              <a:rPr lang="de-DE" dirty="0"/>
+              <a:t>Separates </a:t>
+            </a:r>
+            <a:r>
+              <a:rPr lang="de-DE" dirty="0" err="1"/>
+              <a:t>color</a:t>
+            </a:r>
+            <a:r>
+              <a:rPr lang="de-DE" dirty="0"/>
+              <a:t> </a:t>
+            </a:r>
+            <a:r>
+              <a:rPr lang="de-DE" dirty="0" err="1"/>
+              <a:t>from</a:t>
+            </a:r>
+            <a:r>
+              <a:rPr lang="de-DE" dirty="0"/>
+              <a:t> </a:t>
+            </a:r>
+            <a:r>
+              <a:rPr lang="de-DE" dirty="0" err="1"/>
+              <a:t>brightness</a:t>
+            </a:r>
+            <a:r>
+              <a:rPr lang="de-DE" dirty="0"/>
+              <a:t> (</a:t>
+            </a:r>
+            <a:r>
+              <a:rPr lang="de-DE" dirty="0" err="1"/>
+              <a:t>more</a:t>
+            </a:r>
+            <a:r>
+              <a:rPr lang="de-DE" dirty="0"/>
+              <a:t> robust </a:t>
+            </a:r>
+            <a:r>
+              <a:rPr lang="de-DE" dirty="0" err="1"/>
+              <a:t>to</a:t>
+            </a:r>
+            <a:r>
+              <a:rPr lang="de-DE" dirty="0"/>
+              <a:t> </a:t>
+            </a:r>
+            <a:r>
+              <a:rPr lang="de-DE" dirty="0" err="1"/>
+              <a:t>changes</a:t>
+            </a:r>
+            <a:r>
+              <a:rPr lang="de-DE" dirty="0"/>
+              <a:t> in </a:t>
+            </a:r>
+            <a:r>
+              <a:rPr lang="de-DE" dirty="0" err="1"/>
+              <a:t>lighting</a:t>
+            </a:r>
+            <a:r>
+              <a:rPr lang="de-DE" dirty="0"/>
+              <a:t> </a:t>
+            </a:r>
+            <a:r>
+              <a:rPr lang="de-DE" dirty="0" err="1"/>
+              <a:t>conditions</a:t>
+            </a:r>
+            <a:r>
+              <a:rPr lang="de-DE" dirty="0"/>
+              <a:t>; </a:t>
+            </a:r>
+            <a:r>
+              <a:rPr lang="de-DE" dirty="0" err="1"/>
+              <a:t>better</a:t>
+            </a:r>
+            <a:r>
+              <a:rPr lang="de-DE" dirty="0"/>
+              <a:t> in </a:t>
+            </a:r>
+            <a:r>
+              <a:rPr lang="de-DE" dirty="0" err="1"/>
+              <a:t>detecting</a:t>
+            </a:r>
+            <a:r>
+              <a:rPr lang="de-DE" dirty="0"/>
+              <a:t> </a:t>
+            </a:r>
+            <a:r>
+              <a:rPr lang="de-DE" dirty="0" err="1"/>
+              <a:t>objects</a:t>
+            </a:r>
+            <a:r>
+              <a:rPr lang="de-DE" dirty="0"/>
+              <a:t> </a:t>
+            </a:r>
+            <a:r>
+              <a:rPr lang="de-DE" dirty="0" err="1"/>
+              <a:t>of</a:t>
+            </a:r>
+            <a:r>
+              <a:rPr lang="de-DE" dirty="0"/>
+              <a:t> different </a:t>
+            </a:r>
+            <a:r>
+              <a:rPr lang="de-DE" dirty="0" err="1"/>
+              <a:t>color</a:t>
+            </a:r>
+            <a:r>
+              <a:rPr lang="de-DE" dirty="0"/>
+              <a:t>; </a:t>
+            </a:r>
+            <a:r>
+              <a:rPr lang="de-DE" dirty="0" err="1"/>
+              <a:t>simplicity</a:t>
+            </a:r>
+            <a:r>
+              <a:rPr lang="de-DE" dirty="0"/>
+              <a:t>)</a:t>
+            </a:r>
+          </a:p>
+          <a:p>
+            <a:pPr marL="742950" lvl="1" indent="-285750">
+              <a:buFont typeface="Wingdings" panose="05000000000000000000" pitchFamily="2" charset="2"/>
+              <a:buChar char="§"/>
+            </a:pPr>
+            <a:r>
+              <a:rPr lang="de-DE" dirty="0"/>
+              <a:t>Validation </a:t>
+            </a:r>
+            <a:r>
+              <a:rPr lang="de-DE" dirty="0" err="1"/>
+              <a:t>loss</a:t>
+            </a:r>
+            <a:r>
+              <a:rPr lang="de-DE" dirty="0"/>
+              <a:t>: 0.64 | Validation </a:t>
+            </a:r>
+            <a:r>
+              <a:rPr lang="de-DE" dirty="0" err="1"/>
+              <a:t>accuracy</a:t>
+            </a:r>
+            <a:r>
+              <a:rPr lang="de-DE" dirty="0"/>
+              <a:t>: 0.82 (5 </a:t>
+            </a:r>
+            <a:r>
+              <a:rPr lang="de-DE" dirty="0" err="1"/>
+              <a:t>epochs</a:t>
+            </a:r>
+            <a:r>
+              <a:rPr lang="de-DE" dirty="0"/>
+              <a:t>, </a:t>
+            </a:r>
+            <a:r>
+              <a:rPr lang="de-DE" dirty="0" err="1"/>
+              <a:t>max</a:t>
+            </a:r>
+            <a:r>
+              <a:rPr lang="de-DE" dirty="0"/>
+              <a:t> pool 2x2)</a:t>
+            </a:r>
+          </a:p>
+          <a:p>
+            <a:pPr marL="742950" lvl="1" indent="-285750">
+              <a:buFont typeface="Wingdings" panose="05000000000000000000" pitchFamily="2" charset="2"/>
+              <a:buChar char="§"/>
+            </a:pPr>
+            <a:r>
+              <a:rPr lang="de-DE" dirty="0"/>
+              <a:t>Validation </a:t>
+            </a:r>
+            <a:r>
+              <a:rPr lang="de-DE" dirty="0" err="1"/>
+              <a:t>loss</a:t>
+            </a:r>
+            <a:r>
+              <a:rPr lang="de-DE" dirty="0"/>
+              <a:t>: 0.42 | Validation </a:t>
+            </a:r>
+            <a:r>
+              <a:rPr lang="de-DE" dirty="0" err="1"/>
+              <a:t>accuracy</a:t>
+            </a:r>
+            <a:r>
+              <a:rPr lang="de-DE" dirty="0"/>
+              <a:t>: 0.88 (9 </a:t>
+            </a:r>
+            <a:r>
+              <a:rPr lang="de-DE" dirty="0" err="1"/>
+              <a:t>epochs</a:t>
+            </a:r>
+            <a:r>
+              <a:rPr lang="de-DE" dirty="0"/>
+              <a:t>, </a:t>
+            </a:r>
+            <a:r>
+              <a:rPr lang="de-DE" dirty="0" err="1"/>
+              <a:t>max</a:t>
+            </a:r>
+            <a:r>
+              <a:rPr lang="de-DE" dirty="0"/>
+              <a:t> pool 3x3) </a:t>
+            </a:r>
+          </a:p>
+        </p:txBody>
+      </p:sp>
+      <p:sp>
+        <p:nvSpPr>
+          <p:cNvPr id="4" name="Foliennummernplatzhalter 3"/>
+          <p:cNvSpPr>
+            <a:spLocks noGrp="1"/>
+          </p:cNvSpPr>
+          <p:nvPr>
+            <p:ph type="sldNum" sz="quarter" idx="5"/>
+          </p:nvPr>
+        </p:nvSpPr>
+        <p:spPr/>
+        <p:txBody>
+          <a:bodyPr/>
+          <a:lstStyle/>
+          <a:p>
+            <a:fld id="{14E53487-59BE-40DE-8E0A-21DA7D74AB8D}" type="slidenum">
+              <a:rPr lang="de-DE" smtClean="0"/>
+              <a:t>5</a:t>
+            </a:fld>
+            <a:endParaRPr lang="de-DE"/>
+          </a:p>
+        </p:txBody>
+      </p:sp>
+    </p:spTree>
+    <p:extLst>
+      <p:ext uri="{BB962C8B-B14F-4D97-AF65-F5344CB8AC3E}">
+        <p14:creationId xmlns:p14="http://schemas.microsoft.com/office/powerpoint/2010/main" val="2957630216"/>
+      </p:ext>
+    </p:extLst>
+  </p:cSld>
+  <p:clrMapOvr>
+    <a:masterClrMapping/>
+  </p:clrMapOvr>
+</p:notes>
+</file>
+
+<file path=ppt/notesSlides/notesSlide3.xml><?xml version="1.0" encoding="utf-8"?>
+<p:notes xmlns:a="http://schemas.openxmlformats.org/drawingml/2006/main" xmlns:r="http://schemas.openxmlformats.org/officeDocument/2006/relationships" xmlns:p="http://schemas.openxmlformats.org/presentationml/2006/main">
+  <p:cSld>
+    <p:spTree>
+      <p:nvGrpSpPr>
+        <p:cNvPr id="1" name=""/>
+        <p:cNvGrpSpPr/>
+        <p:nvPr/>
+      </p:nvGrpSpPr>
+      <p:grpSpPr>
+        <a:xfrm>
+          <a:off x="0" y="0"/>
+          <a:ext cx="0" cy="0"/>
+          <a:chOff x="0" y="0"/>
+          <a:chExt cx="0" cy="0"/>
+        </a:xfrm>
+      </p:grpSpPr>
+      <p:sp>
+        <p:nvSpPr>
+          <p:cNvPr id="2" name="Folienbildplatzhalter 1"/>
+          <p:cNvSpPr>
+            <a:spLocks noGrp="1" noRot="1" noChangeAspect="1"/>
+          </p:cNvSpPr>
+          <p:nvPr>
+            <p:ph type="sldImg"/>
+          </p:nvPr>
+        </p:nvSpPr>
+        <p:spPr/>
+      </p:sp>
+      <p:sp>
+        <p:nvSpPr>
+          <p:cNvPr id="3" name="Notizenplatzhalter 2"/>
+          <p:cNvSpPr>
+            <a:spLocks noGrp="1"/>
+          </p:cNvSpPr>
+          <p:nvPr>
+            <p:ph type="body" idx="1"/>
+          </p:nvPr>
+        </p:nvSpPr>
+        <p:spPr/>
+        <p:txBody>
+          <a:bodyPr/>
+          <a:lstStyle/>
+          <a:p>
+            <a:r>
+              <a:rPr lang="de-DE" dirty="0"/>
+              <a:t>Top-1 </a:t>
+            </a:r>
+            <a:r>
+              <a:rPr lang="de-DE" dirty="0" err="1"/>
+              <a:t>Accuracy</a:t>
+            </a:r>
+            <a:r>
+              <a:rPr lang="de-DE" dirty="0"/>
+              <a:t>: </a:t>
+            </a:r>
+            <a:r>
+              <a:rPr lang="de-DE" dirty="0" err="1"/>
+              <a:t>Calculates</a:t>
+            </a:r>
+            <a:r>
+              <a:rPr lang="de-DE" dirty="0"/>
+              <a:t> </a:t>
+            </a:r>
+            <a:r>
+              <a:rPr lang="de-DE" dirty="0" err="1"/>
+              <a:t>the</a:t>
+            </a:r>
+            <a:r>
+              <a:rPr lang="de-DE" dirty="0"/>
+              <a:t> </a:t>
+            </a:r>
+            <a:r>
+              <a:rPr lang="de-DE" dirty="0" err="1"/>
+              <a:t>percentage</a:t>
+            </a:r>
+            <a:r>
+              <a:rPr lang="de-DE" dirty="0"/>
+              <a:t> </a:t>
+            </a:r>
+            <a:r>
+              <a:rPr lang="de-DE" dirty="0" err="1"/>
+              <a:t>of</a:t>
+            </a:r>
+            <a:r>
+              <a:rPr lang="de-DE" dirty="0"/>
+              <a:t> </a:t>
+            </a:r>
+            <a:r>
+              <a:rPr lang="de-DE" dirty="0" err="1"/>
+              <a:t>instances</a:t>
+            </a:r>
+            <a:r>
+              <a:rPr lang="de-DE" dirty="0"/>
+              <a:t> </a:t>
+            </a:r>
+            <a:r>
+              <a:rPr lang="de-DE" dirty="0" err="1"/>
+              <a:t>where</a:t>
+            </a:r>
+            <a:r>
+              <a:rPr lang="de-DE" dirty="0"/>
+              <a:t> </a:t>
+            </a:r>
+            <a:r>
+              <a:rPr lang="de-DE" dirty="0" err="1"/>
+              <a:t>the</a:t>
+            </a:r>
+            <a:r>
+              <a:rPr lang="de-DE" dirty="0"/>
+              <a:t> </a:t>
+            </a:r>
+            <a:r>
+              <a:rPr lang="de-DE" dirty="0" err="1"/>
+              <a:t>prediction</a:t>
+            </a:r>
+            <a:r>
+              <a:rPr lang="de-DE" dirty="0"/>
+              <a:t> </a:t>
+            </a:r>
+            <a:r>
+              <a:rPr lang="de-DE" dirty="0" err="1"/>
+              <a:t>matches</a:t>
+            </a:r>
+            <a:r>
+              <a:rPr lang="de-DE" dirty="0"/>
+              <a:t> </a:t>
+            </a:r>
+            <a:r>
+              <a:rPr lang="de-DE" dirty="0" err="1"/>
+              <a:t>the</a:t>
+            </a:r>
+            <a:r>
+              <a:rPr lang="de-DE" dirty="0"/>
+              <a:t> </a:t>
+            </a:r>
+            <a:r>
+              <a:rPr lang="de-DE" dirty="0" err="1"/>
+              <a:t>ground</a:t>
+            </a:r>
+            <a:r>
+              <a:rPr lang="de-DE" dirty="0"/>
+              <a:t> </a:t>
+            </a:r>
+            <a:r>
+              <a:rPr lang="de-DE" dirty="0" err="1"/>
+              <a:t>truth</a:t>
+            </a:r>
+            <a:r>
+              <a:rPr lang="de-DE" dirty="0"/>
+              <a:t> </a:t>
+            </a:r>
+            <a:r>
+              <a:rPr lang="de-DE" dirty="0" err="1"/>
+              <a:t>label</a:t>
+            </a:r>
+            <a:r>
+              <a:rPr lang="de-DE" dirty="0"/>
+              <a:t> </a:t>
+            </a:r>
+            <a:r>
+              <a:rPr lang="de-DE" dirty="0" err="1"/>
+              <a:t>for</a:t>
+            </a:r>
+            <a:r>
+              <a:rPr lang="de-DE" dirty="0"/>
+              <a:t> </a:t>
+            </a:r>
+            <a:r>
+              <a:rPr lang="de-DE" dirty="0" err="1"/>
+              <a:t>the</a:t>
+            </a:r>
+            <a:r>
+              <a:rPr lang="de-DE" dirty="0"/>
+              <a:t> </a:t>
+            </a:r>
+            <a:r>
+              <a:rPr lang="de-DE" dirty="0" err="1"/>
+              <a:t>class</a:t>
+            </a:r>
+            <a:r>
+              <a:rPr lang="de-DE" dirty="0"/>
+              <a:t> </a:t>
+            </a:r>
+            <a:r>
+              <a:rPr lang="de-DE" dirty="0" err="1"/>
+              <a:t>with</a:t>
+            </a:r>
+            <a:r>
+              <a:rPr lang="de-DE" dirty="0"/>
+              <a:t> </a:t>
+            </a:r>
+            <a:r>
+              <a:rPr lang="de-DE" dirty="0" err="1"/>
+              <a:t>the</a:t>
+            </a:r>
+            <a:r>
+              <a:rPr lang="de-DE" dirty="0"/>
+              <a:t> </a:t>
+            </a:r>
+            <a:r>
+              <a:rPr lang="de-DE" dirty="0" err="1"/>
+              <a:t>highest</a:t>
+            </a:r>
+            <a:r>
+              <a:rPr lang="de-DE" dirty="0"/>
+              <a:t> </a:t>
+            </a:r>
+            <a:r>
+              <a:rPr lang="de-DE" dirty="0" err="1"/>
+              <a:t>probability</a:t>
+            </a:r>
+            <a:r>
+              <a:rPr lang="de-DE" dirty="0"/>
+              <a:t>.</a:t>
+            </a:r>
+          </a:p>
+        </p:txBody>
+      </p:sp>
+      <p:sp>
+        <p:nvSpPr>
+          <p:cNvPr id="4" name="Foliennummernplatzhalter 3"/>
+          <p:cNvSpPr>
+            <a:spLocks noGrp="1"/>
+          </p:cNvSpPr>
+          <p:nvPr>
+            <p:ph type="sldNum" sz="quarter" idx="5"/>
+          </p:nvPr>
+        </p:nvSpPr>
+        <p:spPr/>
+        <p:txBody>
+          <a:bodyPr/>
+          <a:lstStyle/>
+          <a:p>
+            <a:fld id="{14E53487-59BE-40DE-8E0A-21DA7D74AB8D}" type="slidenum">
+              <a:rPr lang="de-DE" smtClean="0"/>
+              <a:t>7</a:t>
+            </a:fld>
+            <a:endParaRPr lang="de-DE"/>
+          </a:p>
+        </p:txBody>
+      </p:sp>
+    </p:spTree>
+    <p:extLst>
+      <p:ext uri="{BB962C8B-B14F-4D97-AF65-F5344CB8AC3E}">
+        <p14:creationId xmlns:p14="http://schemas.microsoft.com/office/powerpoint/2010/main" val="3097467453"/>
+      </p:ext>
+    </p:extLst>
+  </p:cSld>
+  <p:clrMapOvr>
+    <a:masterClrMapping/>
+  </p:clrMapOvr>
+</p:notes>
+</file>
+
+<file path=ppt/notesSlides/notesSlide4.xml><?xml version="1.0" encoding="utf-8"?>
+<p:notes xmlns:a="http://schemas.openxmlformats.org/drawingml/2006/main" xmlns:r="http://schemas.openxmlformats.org/officeDocument/2006/relationships" xmlns:p="http://schemas.openxmlformats.org/presentationml/2006/main">
+  <p:cSld>
+    <p:spTree>
+      <p:nvGrpSpPr>
+        <p:cNvPr id="1" name=""/>
+        <p:cNvGrpSpPr/>
+        <p:nvPr/>
+      </p:nvGrpSpPr>
+      <p:grpSpPr>
+        <a:xfrm>
+          <a:off x="0" y="0"/>
+          <a:ext cx="0" cy="0"/>
+          <a:chOff x="0" y="0"/>
+          <a:chExt cx="0" cy="0"/>
+        </a:xfrm>
+      </p:grpSpPr>
+      <p:sp>
+        <p:nvSpPr>
+          <p:cNvPr id="2" name="Folienbildplatzhalter 1"/>
+          <p:cNvSpPr>
+            <a:spLocks noGrp="1" noRot="1" noChangeAspect="1"/>
+          </p:cNvSpPr>
+          <p:nvPr>
+            <p:ph type="sldImg"/>
+          </p:nvPr>
+        </p:nvSpPr>
+        <p:spPr/>
+      </p:sp>
+      <p:sp>
+        <p:nvSpPr>
+          <p:cNvPr id="3" name="Notizenplatzhalter 2"/>
+          <p:cNvSpPr>
+            <a:spLocks noGrp="1"/>
+          </p:cNvSpPr>
+          <p:nvPr>
+            <p:ph type="body" idx="1"/>
+          </p:nvPr>
+        </p:nvSpPr>
+        <p:spPr/>
+        <p:txBody>
+          <a:bodyPr/>
+          <a:lstStyle/>
+          <a:p>
+            <a:r>
+              <a:rPr lang="de-DE" dirty="0"/>
+              <a:t>5 </a:t>
+            </a:r>
+            <a:r>
+              <a:rPr lang="de-DE" dirty="0" err="1"/>
+              <a:t>epochs</a:t>
+            </a:r>
+            <a:endParaRPr lang="de-DE" dirty="0"/>
+          </a:p>
+        </p:txBody>
+      </p:sp>
+      <p:sp>
+        <p:nvSpPr>
+          <p:cNvPr id="4" name="Foliennummernplatzhalter 3"/>
+          <p:cNvSpPr>
+            <a:spLocks noGrp="1"/>
+          </p:cNvSpPr>
+          <p:nvPr>
+            <p:ph type="sldNum" sz="quarter" idx="5"/>
+          </p:nvPr>
+        </p:nvSpPr>
+        <p:spPr/>
+        <p:txBody>
+          <a:bodyPr/>
+          <a:lstStyle/>
+          <a:p>
+            <a:fld id="{14E53487-59BE-40DE-8E0A-21DA7D74AB8D}" type="slidenum">
+              <a:rPr lang="de-DE" smtClean="0"/>
+              <a:t>8</a:t>
+            </a:fld>
+            <a:endParaRPr lang="de-DE"/>
+          </a:p>
+        </p:txBody>
+      </p:sp>
+    </p:spTree>
+    <p:extLst>
+      <p:ext uri="{BB962C8B-B14F-4D97-AF65-F5344CB8AC3E}">
+        <p14:creationId xmlns:p14="http://schemas.microsoft.com/office/powerpoint/2010/main" val="3498258774"/>
+      </p:ext>
+    </p:extLst>
+  </p:cSld>
+  <p:clrMapOvr>
+    <a:masterClrMapping/>
+  </p:clrMapOvr>
+</p:notes>
+</file>
+
+<file path=ppt/notesSlides/notesSlide5.xml><?xml version="1.0" encoding="utf-8"?>
+<p:notes xmlns:a="http://schemas.openxmlformats.org/drawingml/2006/main" xmlns:r="http://schemas.openxmlformats.org/officeDocument/2006/relationships" xmlns:p="http://schemas.openxmlformats.org/presentationml/2006/main">
+  <p:cSld>
+    <p:spTree>
+      <p:nvGrpSpPr>
+        <p:cNvPr id="1" name=""/>
+        <p:cNvGrpSpPr/>
+        <p:nvPr/>
+      </p:nvGrpSpPr>
+      <p:grpSpPr>
+        <a:xfrm>
+          <a:off x="0" y="0"/>
+          <a:ext cx="0" cy="0"/>
+          <a:chOff x="0" y="0"/>
+          <a:chExt cx="0" cy="0"/>
+        </a:xfrm>
+      </p:grpSpPr>
+      <p:sp>
+        <p:nvSpPr>
+          <p:cNvPr id="2" name="Folienbildplatzhalter 1"/>
+          <p:cNvSpPr>
+            <a:spLocks noGrp="1" noRot="1" noChangeAspect="1"/>
+          </p:cNvSpPr>
+          <p:nvPr>
+            <p:ph type="sldImg"/>
+          </p:nvPr>
+        </p:nvSpPr>
+        <p:spPr/>
+      </p:sp>
+      <p:sp>
+        <p:nvSpPr>
+          <p:cNvPr id="3" name="Notizenplatzhalter 2"/>
+          <p:cNvSpPr>
+            <a:spLocks noGrp="1"/>
+          </p:cNvSpPr>
+          <p:nvPr>
+            <p:ph type="body" idx="1"/>
+          </p:nvPr>
+        </p:nvSpPr>
+        <p:spPr/>
+        <p:txBody>
+          <a:bodyPr/>
+          <a:lstStyle/>
+          <a:p>
+            <a:r>
+              <a:rPr lang="de-DE" dirty="0"/>
+              <a:t>5 </a:t>
+            </a:r>
+            <a:r>
+              <a:rPr lang="de-DE" dirty="0" err="1"/>
+              <a:t>epochs</a:t>
+            </a:r>
+            <a:endParaRPr lang="de-DE" dirty="0"/>
+          </a:p>
+        </p:txBody>
+      </p:sp>
+      <p:sp>
+        <p:nvSpPr>
+          <p:cNvPr id="4" name="Foliennummernplatzhalter 3"/>
+          <p:cNvSpPr>
+            <a:spLocks noGrp="1"/>
+          </p:cNvSpPr>
+          <p:nvPr>
+            <p:ph type="sldNum" sz="quarter" idx="5"/>
+          </p:nvPr>
+        </p:nvSpPr>
+        <p:spPr/>
+        <p:txBody>
+          <a:bodyPr/>
+          <a:lstStyle/>
+          <a:p>
+            <a:fld id="{14E53487-59BE-40DE-8E0A-21DA7D74AB8D}" type="slidenum">
+              <a:rPr lang="de-DE" smtClean="0"/>
+              <a:t>9</a:t>
+            </a:fld>
+            <a:endParaRPr lang="de-DE"/>
+          </a:p>
+        </p:txBody>
+      </p:sp>
+    </p:spTree>
+    <p:extLst>
+      <p:ext uri="{BB962C8B-B14F-4D97-AF65-F5344CB8AC3E}">
+        <p14:creationId xmlns:p14="http://schemas.microsoft.com/office/powerpoint/2010/main" val="1689944775"/>
+      </p:ext>
+    </p:extLst>
+  </p:cSld>
+  <p:clrMapOvr>
+    <a:masterClrMapping/>
+  </p:clrMapOvr>
+</p:notes>
+</file>
+
 <file path=ppt/slideLayouts/slideLayout1.xml><?xml version="1.0" encoding="utf-8"?>
 <p:sldLayout xmlns:a="http://schemas.openxmlformats.org/drawingml/2006/main" xmlns:r="http://schemas.openxmlformats.org/officeDocument/2006/relationships" xmlns:p="http://schemas.openxmlformats.org/presentationml/2006/main" type="title" preserve="1">
   <p:cSld name="Titelfolie">
@@ -669,7 +1849,7 @@
           <a:p>
             <a:fld id="{A7D61278-6D72-41FC-83DB-2202A990958A}" type="datetime1">
               <a:rPr lang="de-DE" smtClean="0"/>
-              <a:t>19.06.2023</a:t>
+              <a:t>20.06.2023</a:t>
             </a:fld>
             <a:endParaRPr lang="de-DE"/>
           </a:p>
@@ -890,7 +2070,7 @@
           <a:p>
             <a:fld id="{A7059AE0-6D0B-4B34-BCE0-1EE667F5088C}" type="datetime1">
               <a:rPr lang="de-DE" smtClean="0"/>
-              <a:t>19.06.2023</a:t>
+              <a:t>20.06.2023</a:t>
             </a:fld>
             <a:endParaRPr lang="de-DE"/>
           </a:p>
@@ -1070,7 +2250,7 @@
           <a:p>
             <a:fld id="{472220EE-C07D-4436-A0EE-02830E8795F3}" type="datetime1">
               <a:rPr lang="de-DE" smtClean="0"/>
-              <a:t>19.06.2023</a:t>
+              <a:t>20.06.2023</a:t>
             </a:fld>
             <a:endParaRPr lang="de-DE"/>
           </a:p>
@@ -1240,7 +2420,7 @@
           <a:p>
             <a:fld id="{91876C7D-0FF6-40BD-906C-65C474464DC0}" type="datetime1">
               <a:rPr lang="de-DE" smtClean="0"/>
-              <a:t>19.06.2023</a:t>
+              <a:t>20.06.2023</a:t>
             </a:fld>
             <a:endParaRPr lang="de-DE"/>
           </a:p>
@@ -1491,7 +2671,7 @@
           <a:p>
             <a:fld id="{F283584F-9DBC-437F-B42C-CAE55830717E}" type="datetime1">
               <a:rPr lang="de-DE" smtClean="0"/>
-              <a:t>19.06.2023</a:t>
+              <a:t>20.06.2023</a:t>
             </a:fld>
             <a:endParaRPr lang="de-DE"/>
           </a:p>
@@ -1814,7 +2994,7 @@
           <a:p>
             <a:fld id="{8786633B-E5D6-4925-AD4D-DE4E4C4BF3B3}" type="datetime1">
               <a:rPr lang="de-DE" smtClean="0"/>
-              <a:t>19.06.2023</a:t>
+              <a:t>20.06.2023</a:t>
             </a:fld>
             <a:endParaRPr lang="de-DE"/>
           </a:p>
@@ -2238,7 +3418,7 @@
           <a:p>
             <a:fld id="{93EA33B4-7C54-45FA-9FE1-3E5EA6AD2C21}" type="datetime1">
               <a:rPr lang="de-DE" smtClean="0"/>
-              <a:t>19.06.2023</a:t>
+              <a:t>20.06.2023</a:t>
             </a:fld>
             <a:endParaRPr lang="de-DE"/>
           </a:p>
@@ -2356,7 +3536,7 @@
           <a:p>
             <a:fld id="{6DFFC3FB-4AE8-4F76-91EF-2643F346C684}" type="datetime1">
               <a:rPr lang="de-DE" smtClean="0"/>
-              <a:t>19.06.2023</a:t>
+              <a:t>20.06.2023</a:t>
             </a:fld>
             <a:endParaRPr lang="de-DE"/>
           </a:p>
@@ -2451,7 +3631,7 @@
           <a:p>
             <a:fld id="{7C42F524-C849-483B-B713-3A555CC5207C}" type="datetime1">
               <a:rPr lang="de-DE" smtClean="0"/>
-              <a:t>19.06.2023</a:t>
+              <a:t>20.06.2023</a:t>
             </a:fld>
             <a:endParaRPr lang="de-DE"/>
           </a:p>
@@ -2741,7 +3921,7 @@
           <a:p>
             <a:fld id="{6D4F81B3-6F70-40CE-9B92-9D54202EB72C}" type="datetime1">
               <a:rPr lang="de-DE" smtClean="0"/>
-              <a:t>19.06.2023</a:t>
+              <a:t>20.06.2023</a:t>
             </a:fld>
             <a:endParaRPr lang="de-DE"/>
           </a:p>
@@ -3013,7 +4193,7 @@
           <a:p>
             <a:fld id="{7D0BDB2E-4CD9-4C24-9E8D-15CF72E28C0B}" type="datetime1">
               <a:rPr lang="de-DE" smtClean="0"/>
-              <a:t>19.06.2023</a:t>
+              <a:t>20.06.2023</a:t>
             </a:fld>
             <a:endParaRPr lang="de-DE"/>
           </a:p>
@@ -3267,7 +4447,7 @@
           <a:p>
             <a:fld id="{D262C37D-7C82-458F-B4D4-99B67BB40413}" type="datetime1">
               <a:rPr lang="de-DE" smtClean="0"/>
-              <a:t>19.06.2023</a:t>
+              <a:t>20.06.2023</a:t>
             </a:fld>
             <a:endParaRPr lang="de-DE"/>
           </a:p>
@@ -4002,6 +5182,249 @@
           <p:cNvPr id="2" name="Titel 1">
             <a:extLst>
               <a:ext uri="{FF2B5EF4-FFF2-40B4-BE49-F238E27FC236}">
+                <a16:creationId xmlns:a16="http://schemas.microsoft.com/office/drawing/2014/main" id="{A9E29A43-5216-DB14-F6A0-FB48FD97C80D}"/>
+              </a:ext>
+            </a:extLst>
+          </p:cNvPr>
+          <p:cNvSpPr>
+            <a:spLocks noGrp="1"/>
+          </p:cNvSpPr>
+          <p:nvPr>
+            <p:ph type="title"/>
+          </p:nvPr>
+        </p:nvSpPr>
+        <p:spPr/>
+        <p:txBody>
+          <a:bodyPr/>
+          <a:lstStyle/>
+          <a:p>
+            <a:r>
+              <a:rPr lang="de-DE" dirty="0" err="1"/>
+              <a:t>Difficulties</a:t>
+            </a:r>
+            <a:endParaRPr lang="de-DE" dirty="0"/>
+          </a:p>
+        </p:txBody>
+      </p:sp>
+      <p:sp>
+        <p:nvSpPr>
+          <p:cNvPr id="3" name="Inhaltsplatzhalter 2">
+            <a:extLst>
+              <a:ext uri="{FF2B5EF4-FFF2-40B4-BE49-F238E27FC236}">
+                <a16:creationId xmlns:a16="http://schemas.microsoft.com/office/drawing/2014/main" id="{BD83AB34-EB3E-5DDF-DA83-B869E9482A0F}"/>
+              </a:ext>
+            </a:extLst>
+          </p:cNvPr>
+          <p:cNvSpPr>
+            <a:spLocks noGrp="1"/>
+          </p:cNvSpPr>
+          <p:nvPr>
+            <p:ph idx="1"/>
+          </p:nvPr>
+        </p:nvSpPr>
+        <p:spPr/>
+        <p:txBody>
+          <a:bodyPr>
+            <a:normAutofit/>
+          </a:bodyPr>
+          <a:lstStyle/>
+          <a:p>
+            <a:pPr>
+              <a:buClrTx/>
+              <a:buFont typeface="Wingdings" panose="05000000000000000000" pitchFamily="2" charset="2"/>
+              <a:buChar char="§"/>
+            </a:pPr>
+            <a:r>
+              <a:rPr lang="de-DE" sz="1800" dirty="0">
+                <a:solidFill>
+                  <a:schemeClr val="tx1"/>
+                </a:solidFill>
+              </a:rPr>
+              <a:t>Structured </a:t>
+            </a:r>
+            <a:r>
+              <a:rPr lang="de-DE" sz="1800" dirty="0" err="1">
+                <a:solidFill>
+                  <a:schemeClr val="tx1"/>
+                </a:solidFill>
+              </a:rPr>
+              <a:t>working</a:t>
+            </a:r>
+            <a:endParaRPr lang="de-DE" sz="1800" dirty="0">
+              <a:solidFill>
+                <a:schemeClr val="tx1"/>
+              </a:solidFill>
+            </a:endParaRPr>
+          </a:p>
+          <a:p>
+            <a:pPr>
+              <a:buClrTx/>
+              <a:buFont typeface="Wingdings" panose="05000000000000000000" pitchFamily="2" charset="2"/>
+              <a:buChar char="§"/>
+            </a:pPr>
+            <a:r>
+              <a:rPr lang="de-DE" sz="1800" dirty="0">
+                <a:solidFill>
+                  <a:schemeClr val="tx1"/>
+                </a:solidFill>
+              </a:rPr>
+              <a:t>Setting </a:t>
+            </a:r>
+            <a:r>
+              <a:rPr lang="de-DE" sz="1800" dirty="0" err="1">
+                <a:solidFill>
+                  <a:schemeClr val="tx1"/>
+                </a:solidFill>
+              </a:rPr>
+              <a:t>up</a:t>
+            </a:r>
+            <a:r>
+              <a:rPr lang="de-DE" sz="1800" dirty="0">
+                <a:solidFill>
+                  <a:schemeClr val="tx1"/>
+                </a:solidFill>
+              </a:rPr>
+              <a:t> </a:t>
+            </a:r>
+            <a:r>
+              <a:rPr lang="de-DE" sz="1800" dirty="0" err="1">
+                <a:solidFill>
+                  <a:schemeClr val="tx1"/>
+                </a:solidFill>
+              </a:rPr>
+              <a:t>tensorflow</a:t>
+            </a:r>
+            <a:r>
+              <a:rPr lang="de-DE" sz="1800" dirty="0">
+                <a:solidFill>
+                  <a:schemeClr val="tx1"/>
+                </a:solidFill>
+              </a:rPr>
+              <a:t> on private </a:t>
+            </a:r>
+            <a:r>
+              <a:rPr lang="de-DE" sz="1800" dirty="0" err="1">
+                <a:solidFill>
+                  <a:schemeClr val="tx1"/>
+                </a:solidFill>
+              </a:rPr>
+              <a:t>machine</a:t>
+            </a:r>
+            <a:r>
+              <a:rPr lang="de-DE" sz="1800" dirty="0">
+                <a:solidFill>
+                  <a:schemeClr val="tx1"/>
+                </a:solidFill>
+              </a:rPr>
+              <a:t> (GPU not </a:t>
+            </a:r>
+            <a:r>
+              <a:rPr lang="de-DE" sz="1800" dirty="0" err="1">
+                <a:solidFill>
+                  <a:schemeClr val="tx1"/>
+                </a:solidFill>
+              </a:rPr>
+              <a:t>working</a:t>
+            </a:r>
+            <a:r>
+              <a:rPr lang="de-DE" sz="1800" dirty="0">
+                <a:solidFill>
+                  <a:schemeClr val="tx1"/>
+                </a:solidFill>
+              </a:rPr>
+              <a:t>)</a:t>
+            </a:r>
+          </a:p>
+          <a:p>
+            <a:pPr>
+              <a:buClrTx/>
+              <a:buFont typeface="Wingdings" panose="05000000000000000000" pitchFamily="2" charset="2"/>
+              <a:buChar char="§"/>
+            </a:pPr>
+            <a:endParaRPr lang="de-DE" sz="1800" dirty="0">
+              <a:solidFill>
+                <a:schemeClr val="tx1"/>
+              </a:solidFill>
+            </a:endParaRPr>
+          </a:p>
+          <a:p>
+            <a:pPr>
+              <a:buClrTx/>
+              <a:buFont typeface="Wingdings" panose="05000000000000000000" pitchFamily="2" charset="2"/>
+              <a:buChar char="§"/>
+            </a:pPr>
+            <a:endParaRPr lang="de-DE" sz="1800" dirty="0">
+              <a:solidFill>
+                <a:schemeClr val="tx1"/>
+              </a:solidFill>
+            </a:endParaRPr>
+          </a:p>
+        </p:txBody>
+      </p:sp>
+      <p:sp>
+        <p:nvSpPr>
+          <p:cNvPr id="4" name="Foliennummernplatzhalter 3">
+            <a:extLst>
+              <a:ext uri="{FF2B5EF4-FFF2-40B4-BE49-F238E27FC236}">
+                <a16:creationId xmlns:a16="http://schemas.microsoft.com/office/drawing/2014/main" id="{D5B5052B-6A43-270B-D9C9-D71BB778FD74}"/>
+              </a:ext>
+            </a:extLst>
+          </p:cNvPr>
+          <p:cNvSpPr>
+            <a:spLocks noGrp="1"/>
+          </p:cNvSpPr>
+          <p:nvPr>
+            <p:ph type="sldNum" sz="quarter" idx="12"/>
+          </p:nvPr>
+        </p:nvSpPr>
+        <p:spPr/>
+        <p:txBody>
+          <a:bodyPr/>
+          <a:lstStyle/>
+          <a:p>
+            <a:fld id="{A4F5F511-C017-478C-84E3-F7F078728441}" type="slidenum">
+              <a:rPr lang="de-DE" smtClean="0"/>
+              <a:t>10</a:t>
+            </a:fld>
+            <a:endParaRPr lang="de-DE"/>
+          </a:p>
+        </p:txBody>
+      </p:sp>
+    </p:spTree>
+    <p:extLst>
+      <p:ext uri="{BB962C8B-B14F-4D97-AF65-F5344CB8AC3E}">
+        <p14:creationId xmlns:p14="http://schemas.microsoft.com/office/powerpoint/2010/main" val="2068544664"/>
+      </p:ext>
+    </p:extLst>
+  </p:cSld>
+  <p:clrMapOvr>
+    <a:masterClrMapping/>
+  </p:clrMapOvr>
+</p:sld>
+</file>
+
+<file path=ppt/slides/slide11.xml><?xml version="1.0" encoding="utf-8"?>
+<p:sld xmlns:a="http://schemas.openxmlformats.org/drawingml/2006/main" xmlns:r="http://schemas.openxmlformats.org/officeDocument/2006/relationships" xmlns:p="http://schemas.openxmlformats.org/presentationml/2006/main">
+  <p:cSld>
+    <p:spTree>
+      <p:nvGrpSpPr>
+        <p:cNvPr id="1" name=""/>
+        <p:cNvGrpSpPr/>
+        <p:nvPr/>
+      </p:nvGrpSpPr>
+      <p:grpSpPr>
+        <a:xfrm>
+          <a:off x="0" y="0"/>
+          <a:ext cx="0" cy="0"/>
+          <a:chOff x="0" y="0"/>
+          <a:chExt cx="0" cy="0"/>
+        </a:xfrm>
+      </p:grpSpPr>
+      <p:sp>
+        <p:nvSpPr>
+          <p:cNvPr id="2" name="Titel 1">
+            <a:extLst>
+              <a:ext uri="{FF2B5EF4-FFF2-40B4-BE49-F238E27FC236}">
                 <a16:creationId xmlns:a16="http://schemas.microsoft.com/office/drawing/2014/main" id="{6ABBF45C-5F88-DBD6-6EA0-9481C581BF55}"/>
               </a:ext>
             </a:extLst>
@@ -4048,7 +5471,7 @@
           <a:p>
             <a:fld id="{A4F5F511-C017-478C-84E3-F7F078728441}" type="slidenum">
               <a:rPr lang="de-DE" smtClean="0"/>
-              <a:t>10</a:t>
+              <a:t>11</a:t>
             </a:fld>
             <a:endParaRPr lang="de-DE"/>
           </a:p>
@@ -4157,6 +5580,149 @@
               <a:buChar char="§"/>
             </a:pPr>
             <a:endParaRPr lang="de-DE" dirty="0"/>
+          </a:p>
+        </p:txBody>
+      </p:sp>
+      <p:pic>
+        <p:nvPicPr>
+          <p:cNvPr id="6" name="Grafik 5" descr="Ein Bild, das Blatt, Baum, Pflanze enthält.&#10;&#10;Automatisch generierte Beschreibung">
+            <a:extLst>
+              <a:ext uri="{FF2B5EF4-FFF2-40B4-BE49-F238E27FC236}">
+                <a16:creationId xmlns:a16="http://schemas.microsoft.com/office/drawing/2014/main" id="{00657F2E-DB73-8BA3-CAC3-81761838891E}"/>
+              </a:ext>
+            </a:extLst>
+          </p:cNvPr>
+          <p:cNvPicPr>
+            <a:picLocks noChangeAspect="1"/>
+          </p:cNvPicPr>
+          <p:nvPr/>
+        </p:nvPicPr>
+        <p:blipFill>
+          <a:blip r:embed="rId2">
+            <a:extLst>
+              <a:ext uri="{28A0092B-C50C-407E-A947-70E740481C1C}">
+                <a14:useLocalDpi xmlns:a14="http://schemas.microsoft.com/office/drawing/2010/main" val="0"/>
+              </a:ext>
+            </a:extLst>
+          </a:blip>
+          <a:stretch>
+            <a:fillRect/>
+          </a:stretch>
+        </p:blipFill>
+        <p:spPr>
+          <a:xfrm rot="5400000">
+            <a:off x="7464829" y="751839"/>
+            <a:ext cx="2369127" cy="1579418"/>
+          </a:xfrm>
+          <a:prstGeom prst="rect">
+            <a:avLst/>
+          </a:prstGeom>
+        </p:spPr>
+      </p:pic>
+      <p:pic>
+        <p:nvPicPr>
+          <p:cNvPr id="8" name="Grafik 7" descr="Ein Bild, das Pflanze, Baum, draußen, Ulmen enthält.&#10;&#10;Automatisch generierte Beschreibung">
+            <a:extLst>
+              <a:ext uri="{FF2B5EF4-FFF2-40B4-BE49-F238E27FC236}">
+                <a16:creationId xmlns:a16="http://schemas.microsoft.com/office/drawing/2014/main" id="{3792B84C-655A-43D9-84FE-7A67A9F2F272}"/>
+              </a:ext>
+            </a:extLst>
+          </p:cNvPr>
+          <p:cNvPicPr>
+            <a:picLocks noChangeAspect="1"/>
+          </p:cNvPicPr>
+          <p:nvPr/>
+        </p:nvPicPr>
+        <p:blipFill>
+          <a:blip r:embed="rId3">
+            <a:extLst>
+              <a:ext uri="{28A0092B-C50C-407E-A947-70E740481C1C}">
+                <a14:useLocalDpi xmlns:a14="http://schemas.microsoft.com/office/drawing/2010/main" val="0"/>
+              </a:ext>
+            </a:extLst>
+          </a:blip>
+          <a:stretch>
+            <a:fillRect/>
+          </a:stretch>
+        </p:blipFill>
+        <p:spPr>
+          <a:xfrm>
+            <a:off x="9473049" y="344516"/>
+            <a:ext cx="2369127" cy="2369127"/>
+          </a:xfrm>
+          <a:prstGeom prst="rect">
+            <a:avLst/>
+          </a:prstGeom>
+        </p:spPr>
+      </p:pic>
+      <p:sp>
+        <p:nvSpPr>
+          <p:cNvPr id="9" name="Textfeld 8">
+            <a:extLst>
+              <a:ext uri="{FF2B5EF4-FFF2-40B4-BE49-F238E27FC236}">
+                <a16:creationId xmlns:a16="http://schemas.microsoft.com/office/drawing/2014/main" id="{0376C7F4-BD19-3260-09E1-AE512C5DF8FA}"/>
+              </a:ext>
+            </a:extLst>
+          </p:cNvPr>
+          <p:cNvSpPr txBox="1"/>
+          <p:nvPr/>
+        </p:nvSpPr>
+        <p:spPr>
+          <a:xfrm>
+            <a:off x="8243458" y="2738559"/>
+            <a:ext cx="1326576" cy="307777"/>
+          </a:xfrm>
+          <a:prstGeom prst="rect">
+            <a:avLst/>
+          </a:prstGeom>
+          <a:noFill/>
+        </p:spPr>
+        <p:txBody>
+          <a:bodyPr wrap="square" rtlCol="0">
+            <a:spAutoFit/>
+          </a:bodyPr>
+          <a:lstStyle/>
+          <a:p>
+            <a:r>
+              <a:rPr lang="de-DE" sz="1400" dirty="0"/>
+              <a:t>tensorflow.org</a:t>
+            </a:r>
+          </a:p>
+        </p:txBody>
+      </p:sp>
+      <p:sp>
+        <p:nvSpPr>
+          <p:cNvPr id="10" name="Textfeld 9">
+            <a:extLst>
+              <a:ext uri="{FF2B5EF4-FFF2-40B4-BE49-F238E27FC236}">
+                <a16:creationId xmlns:a16="http://schemas.microsoft.com/office/drawing/2014/main" id="{5FAD69A2-EA22-7C11-C421-5D59E7D486CB}"/>
+              </a:ext>
+            </a:extLst>
+          </p:cNvPr>
+          <p:cNvSpPr txBox="1"/>
+          <p:nvPr/>
+        </p:nvSpPr>
+        <p:spPr>
+          <a:xfrm>
+            <a:off x="10626446" y="2738559"/>
+            <a:ext cx="1326576" cy="307777"/>
+          </a:xfrm>
+          <a:prstGeom prst="rect">
+            <a:avLst/>
+          </a:prstGeom>
+          <a:noFill/>
+        </p:spPr>
+        <p:txBody>
+          <a:bodyPr wrap="square" rtlCol="0">
+            <a:spAutoFit/>
+          </a:bodyPr>
+          <a:lstStyle/>
+          <a:p>
+            <a:pPr algn="r"/>
+            <a:r>
+              <a:rPr lang="de-DE" sz="1400" dirty="0"/>
+              <a:t>kaggle.com</a:t>
+            </a:r>
           </a:p>
         </p:txBody>
       </p:sp>
@@ -4233,7 +5799,7 @@
           <p:nvPr/>
         </p:nvPicPr>
         <p:blipFill>
-          <a:blip r:embed="rId2"/>
+          <a:blip r:embed="rId3"/>
           <a:stretch>
             <a:fillRect/>
           </a:stretch>
@@ -4263,7 +5829,7 @@
         <p:spPr>
           <a:xfrm>
             <a:off x="1280160" y="1965960"/>
-            <a:ext cx="5634990" cy="3373359"/>
+            <a:ext cx="5634990" cy="4204356"/>
           </a:xfrm>
           <a:prstGeom prst="rect">
             <a:avLst/>
@@ -4530,6 +6096,91 @@
                 <a:sym typeface="Wingdings" panose="05000000000000000000" pitchFamily="2" charset="2"/>
               </a:rPr>
               <a:t> (300x150x3)</a:t>
+            </a:r>
+          </a:p>
+          <a:p>
+            <a:pPr marL="742950" lvl="1" indent="-285750">
+              <a:lnSpc>
+                <a:spcPct val="150000"/>
+              </a:lnSpc>
+              <a:buFont typeface="Wingdings" panose="05000000000000000000" pitchFamily="2" charset="2"/>
+              <a:buChar char="§"/>
+            </a:pPr>
+            <a:r>
+              <a:rPr lang="de-DE" dirty="0">
+                <a:sym typeface="Wingdings" panose="05000000000000000000" pitchFamily="2" charset="2"/>
+              </a:rPr>
+              <a:t>Shuffle and </a:t>
+            </a:r>
+            <a:r>
+              <a:rPr lang="de-DE" dirty="0" err="1">
+                <a:sym typeface="Wingdings" panose="05000000000000000000" pitchFamily="2" charset="2"/>
+              </a:rPr>
+              <a:t>split</a:t>
+            </a:r>
+            <a:r>
+              <a:rPr lang="de-DE" dirty="0">
+                <a:sym typeface="Wingdings" panose="05000000000000000000" pitchFamily="2" charset="2"/>
+              </a:rPr>
+              <a:t> </a:t>
+            </a:r>
+            <a:r>
+              <a:rPr lang="de-DE" dirty="0" err="1">
+                <a:sym typeface="Wingdings" panose="05000000000000000000" pitchFamily="2" charset="2"/>
+              </a:rPr>
+              <a:t>into</a:t>
+            </a:r>
+            <a:r>
+              <a:rPr lang="de-DE" dirty="0">
+                <a:sym typeface="Wingdings" panose="05000000000000000000" pitchFamily="2" charset="2"/>
+              </a:rPr>
+              <a:t> </a:t>
+            </a:r>
+            <a:r>
+              <a:rPr lang="de-DE" dirty="0" err="1">
+                <a:sym typeface="Wingdings" panose="05000000000000000000" pitchFamily="2" charset="2"/>
+              </a:rPr>
+              <a:t>training</a:t>
+            </a:r>
+            <a:r>
+              <a:rPr lang="de-DE" dirty="0">
+                <a:sym typeface="Wingdings" panose="05000000000000000000" pitchFamily="2" charset="2"/>
+              </a:rPr>
+              <a:t> and </a:t>
+            </a:r>
+            <a:r>
+              <a:rPr lang="de-DE" dirty="0" err="1">
+                <a:sym typeface="Wingdings" panose="05000000000000000000" pitchFamily="2" charset="2"/>
+              </a:rPr>
+              <a:t>test</a:t>
+            </a:r>
+            <a:r>
+              <a:rPr lang="de-DE" dirty="0">
+                <a:sym typeface="Wingdings" panose="05000000000000000000" pitchFamily="2" charset="2"/>
+              </a:rPr>
+              <a:t> </a:t>
+            </a:r>
+            <a:r>
+              <a:rPr lang="de-DE" dirty="0" err="1">
+                <a:sym typeface="Wingdings" panose="05000000000000000000" pitchFamily="2" charset="2"/>
+              </a:rPr>
+              <a:t>data</a:t>
+            </a:r>
+            <a:endParaRPr lang="de-DE" dirty="0">
+              <a:sym typeface="Wingdings" panose="05000000000000000000" pitchFamily="2" charset="2"/>
+            </a:endParaRPr>
+          </a:p>
+          <a:p>
+            <a:pPr lvl="1">
+              <a:lnSpc>
+                <a:spcPct val="150000"/>
+              </a:lnSpc>
+            </a:pPr>
+            <a:r>
+              <a:rPr lang="de-DE" dirty="0">
+                <a:sym typeface="Wingdings" panose="05000000000000000000" pitchFamily="2" charset="2"/>
+              </a:rPr>
+              <a:t> Train: 900 | Test: 225</a:t>
             </a:r>
           </a:p>
           <a:p>
@@ -4585,6 +6236,46 @@
           </a:p>
         </p:txBody>
       </p:sp>
+      <p:sp>
+        <p:nvSpPr>
+          <p:cNvPr id="6" name="Textfeld 5">
+            <a:extLst>
+              <a:ext uri="{FF2B5EF4-FFF2-40B4-BE49-F238E27FC236}">
+                <a16:creationId xmlns:a16="http://schemas.microsoft.com/office/drawing/2014/main" id="{305824DD-7EB4-B843-35BC-E34B06DD61E6}"/>
+              </a:ext>
+            </a:extLst>
+          </p:cNvPr>
+          <p:cNvSpPr txBox="1"/>
+          <p:nvPr/>
+        </p:nvSpPr>
+        <p:spPr>
+          <a:xfrm>
+            <a:off x="9312501" y="5785132"/>
+            <a:ext cx="1870364" cy="307777"/>
+          </a:xfrm>
+          <a:prstGeom prst="rect">
+            <a:avLst/>
+          </a:prstGeom>
+          <a:noFill/>
+        </p:spPr>
+        <p:txBody>
+          <a:bodyPr wrap="square" rtlCol="0">
+            <a:spAutoFit/>
+          </a:bodyPr>
+          <a:lstStyle/>
+          <a:p>
+            <a:pPr algn="r"/>
+            <a:r>
+              <a:rPr lang="de-DE" sz="1400" dirty="0" err="1"/>
+              <a:t>Söderkvist</a:t>
+            </a:r>
+            <a:r>
+              <a:rPr lang="de-DE" sz="1400" dirty="0"/>
+              <a:t> 2001</a:t>
+            </a:r>
+          </a:p>
+        </p:txBody>
+      </p:sp>
     </p:spTree>
     <p:extLst>
       <p:ext uri="{BB962C8B-B14F-4D97-AF65-F5344CB8AC3E}">
@@ -4595,6 +6286,289 @@
   <p:clrMapOvr>
     <a:masterClrMapping/>
   </p:clrMapOvr>
+  <p:timing>
+    <p:tnLst>
+      <p:par>
+        <p:cTn id="1" dur="indefinite" restart="never" nodeType="tmRoot">
+          <p:childTnLst>
+            <p:seq concurrent="1" nextAc="seek">
+              <p:cTn id="2" dur="indefinite" nodeType="mainSeq">
+                <p:childTnLst>
+                  <p:par>
+                    <p:cTn id="3" fill="hold">
+                      <p:stCondLst>
+                        <p:cond delay="indefinite"/>
+                      </p:stCondLst>
+                      <p:childTnLst>
+                        <p:par>
+                          <p:cTn id="4" fill="hold">
+                            <p:stCondLst>
+                              <p:cond delay="0"/>
+                            </p:stCondLst>
+                            <p:childTnLst>
+                              <p:par>
+                                <p:cTn id="5" presetID="1" presetClass="entr" presetSubtype="0" fill="hold" nodeType="clickEffect">
+                                  <p:stCondLst>
+                                    <p:cond delay="0"/>
+                                  </p:stCondLst>
+                                  <p:childTnLst>
+                                    <p:set>
+                                      <p:cBhvr>
+                                        <p:cTn id="6" dur="1" fill="hold">
+                                          <p:stCondLst>
+                                            <p:cond delay="0"/>
+                                          </p:stCondLst>
+                                        </p:cTn>
+                                        <p:tgtEl>
+                                          <p:spTgt spid="4">
+                                            <p:txEl>
+                                              <p:pRg st="0" end="0"/>
+                                            </p:txEl>
+                                          </p:spTgt>
+                                        </p:tgtEl>
+                                        <p:attrNameLst>
+                                          <p:attrName>style.visibility</p:attrName>
+                                        </p:attrNameLst>
+                                      </p:cBhvr>
+                                      <p:to>
+                                        <p:strVal val="visible"/>
+                                      </p:to>
+                                    </p:set>
+                                  </p:childTnLst>
+                                </p:cTn>
+                              </p:par>
+                              <p:par>
+                                <p:cTn id="7" presetID="1" presetClass="entr" presetSubtype="0" fill="hold" nodeType="withEffect">
+                                  <p:stCondLst>
+                                    <p:cond delay="0"/>
+                                  </p:stCondLst>
+                                  <p:childTnLst>
+                                    <p:set>
+                                      <p:cBhvr>
+                                        <p:cTn id="8" dur="1" fill="hold">
+                                          <p:stCondLst>
+                                            <p:cond delay="0"/>
+                                          </p:stCondLst>
+                                        </p:cTn>
+                                        <p:tgtEl>
+                                          <p:spTgt spid="4">
+                                            <p:txEl>
+                                              <p:pRg st="1" end="1"/>
+                                            </p:txEl>
+                                          </p:spTgt>
+                                        </p:tgtEl>
+                                        <p:attrNameLst>
+                                          <p:attrName>style.visibility</p:attrName>
+                                        </p:attrNameLst>
+                                      </p:cBhvr>
+                                      <p:to>
+                                        <p:strVal val="visible"/>
+                                      </p:to>
+                                    </p:set>
+                                  </p:childTnLst>
+                                </p:cTn>
+                              </p:par>
+                              <p:par>
+                                <p:cTn id="9" presetID="1" presetClass="entr" presetSubtype="0" fill="hold" nodeType="withEffect">
+                                  <p:stCondLst>
+                                    <p:cond delay="0"/>
+                                  </p:stCondLst>
+                                  <p:childTnLst>
+                                    <p:set>
+                                      <p:cBhvr>
+                                        <p:cTn id="10" dur="1" fill="hold">
+                                          <p:stCondLst>
+                                            <p:cond delay="0"/>
+                                          </p:stCondLst>
+                                        </p:cTn>
+                                        <p:tgtEl>
+                                          <p:spTgt spid="4">
+                                            <p:txEl>
+                                              <p:pRg st="2" end="2"/>
+                                            </p:txEl>
+                                          </p:spTgt>
+                                        </p:tgtEl>
+                                        <p:attrNameLst>
+                                          <p:attrName>style.visibility</p:attrName>
+                                        </p:attrNameLst>
+                                      </p:cBhvr>
+                                      <p:to>
+                                        <p:strVal val="visible"/>
+                                      </p:to>
+                                    </p:set>
+                                  </p:childTnLst>
+                                </p:cTn>
+                              </p:par>
+                            </p:childTnLst>
+                          </p:cTn>
+                        </p:par>
+                      </p:childTnLst>
+                    </p:cTn>
+                  </p:par>
+                  <p:par>
+                    <p:cTn id="11" fill="hold">
+                      <p:stCondLst>
+                        <p:cond delay="indefinite"/>
+                      </p:stCondLst>
+                      <p:childTnLst>
+                        <p:par>
+                          <p:cTn id="12" fill="hold">
+                            <p:stCondLst>
+                              <p:cond delay="0"/>
+                            </p:stCondLst>
+                            <p:childTnLst>
+                              <p:par>
+                                <p:cTn id="13" presetID="1" presetClass="entr" presetSubtype="0" fill="hold" nodeType="clickEffect">
+                                  <p:stCondLst>
+                                    <p:cond delay="0"/>
+                                  </p:stCondLst>
+                                  <p:childTnLst>
+                                    <p:set>
+                                      <p:cBhvr>
+                                        <p:cTn id="14" dur="1" fill="hold">
+                                          <p:stCondLst>
+                                            <p:cond delay="0"/>
+                                          </p:stCondLst>
+                                        </p:cTn>
+                                        <p:tgtEl>
+                                          <p:spTgt spid="4">
+                                            <p:txEl>
+                                              <p:pRg st="4" end="4"/>
+                                            </p:txEl>
+                                          </p:spTgt>
+                                        </p:tgtEl>
+                                        <p:attrNameLst>
+                                          <p:attrName>style.visibility</p:attrName>
+                                        </p:attrNameLst>
+                                      </p:cBhvr>
+                                      <p:to>
+                                        <p:strVal val="visible"/>
+                                      </p:to>
+                                    </p:set>
+                                  </p:childTnLst>
+                                </p:cTn>
+                              </p:par>
+                              <p:par>
+                                <p:cTn id="15" presetID="1" presetClass="entr" presetSubtype="0" fill="hold" nodeType="withEffect">
+                                  <p:stCondLst>
+                                    <p:cond delay="0"/>
+                                  </p:stCondLst>
+                                  <p:childTnLst>
+                                    <p:set>
+                                      <p:cBhvr>
+                                        <p:cTn id="16" dur="1" fill="hold">
+                                          <p:stCondLst>
+                                            <p:cond delay="0"/>
+                                          </p:stCondLst>
+                                        </p:cTn>
+                                        <p:tgtEl>
+                                          <p:spTgt spid="4">
+                                            <p:txEl>
+                                              <p:pRg st="5" end="5"/>
+                                            </p:txEl>
+                                          </p:spTgt>
+                                        </p:tgtEl>
+                                        <p:attrNameLst>
+                                          <p:attrName>style.visibility</p:attrName>
+                                        </p:attrNameLst>
+                                      </p:cBhvr>
+                                      <p:to>
+                                        <p:strVal val="visible"/>
+                                      </p:to>
+                                    </p:set>
+                                  </p:childTnLst>
+                                </p:cTn>
+                              </p:par>
+                              <p:par>
+                                <p:cTn id="17" presetID="1" presetClass="entr" presetSubtype="0" fill="hold" nodeType="withEffect">
+                                  <p:stCondLst>
+                                    <p:cond delay="0"/>
+                                  </p:stCondLst>
+                                  <p:childTnLst>
+                                    <p:set>
+                                      <p:cBhvr>
+                                        <p:cTn id="18" dur="1" fill="hold">
+                                          <p:stCondLst>
+                                            <p:cond delay="0"/>
+                                          </p:stCondLst>
+                                        </p:cTn>
+                                        <p:tgtEl>
+                                          <p:spTgt spid="4">
+                                            <p:txEl>
+                                              <p:pRg st="6" end="6"/>
+                                            </p:txEl>
+                                          </p:spTgt>
+                                        </p:tgtEl>
+                                        <p:attrNameLst>
+                                          <p:attrName>style.visibility</p:attrName>
+                                        </p:attrNameLst>
+                                      </p:cBhvr>
+                                      <p:to>
+                                        <p:strVal val="visible"/>
+                                      </p:to>
+                                    </p:set>
+                                  </p:childTnLst>
+                                </p:cTn>
+                              </p:par>
+                              <p:par>
+                                <p:cTn id="19" presetID="1" presetClass="entr" presetSubtype="0" fill="hold" nodeType="withEffect">
+                                  <p:stCondLst>
+                                    <p:cond delay="0"/>
+                                  </p:stCondLst>
+                                  <p:childTnLst>
+                                    <p:set>
+                                      <p:cBhvr>
+                                        <p:cTn id="20" dur="1" fill="hold">
+                                          <p:stCondLst>
+                                            <p:cond delay="0"/>
+                                          </p:stCondLst>
+                                        </p:cTn>
+                                        <p:tgtEl>
+                                          <p:spTgt spid="4">
+                                            <p:txEl>
+                                              <p:pRg st="7" end="7"/>
+                                            </p:txEl>
+                                          </p:spTgt>
+                                        </p:tgtEl>
+                                        <p:attrNameLst>
+                                          <p:attrName>style.visibility</p:attrName>
+                                        </p:attrNameLst>
+                                      </p:cBhvr>
+                                      <p:to>
+                                        <p:strVal val="visible"/>
+                                      </p:to>
+                                    </p:set>
+                                  </p:childTnLst>
+                                </p:cTn>
+                              </p:par>
+                            </p:childTnLst>
+                          </p:cTn>
+                        </p:par>
+                      </p:childTnLst>
+                    </p:cTn>
+                  </p:par>
+                </p:childTnLst>
+              </p:cTn>
+              <p:prevCondLst>
+                <p:cond evt="onPrev" delay="0">
+                  <p:tgtEl>
+                    <p:sldTgt/>
+                  </p:tgtEl>
+                </p:cond>
+              </p:prevCondLst>
+              <p:nextCondLst>
+                <p:cond evt="onNext" delay="0">
+                  <p:tgtEl>
+                    <p:sldTgt/>
+                  </p:tgtEl>
+                </p:cond>
+              </p:nextCondLst>
+            </p:seq>
+          </p:childTnLst>
+        </p:cTn>
+      </p:par>
+    </p:tnLst>
+  </p:timing>
 </p:sld>
 </file>
 
@@ -4666,7 +6640,7 @@
         <p:spPr>
           <a:xfrm>
             <a:off x="1280822" y="1692460"/>
-            <a:ext cx="5568776" cy="4115216"/>
+            <a:ext cx="5050705" cy="4115216"/>
           </a:xfrm>
           <a:prstGeom prst="rect">
             <a:avLst/>
@@ -4783,7 +6757,7 @@
         </p:nvSpPr>
         <p:spPr>
           <a:xfrm>
-            <a:off x="7189470" y="1965960"/>
+            <a:off x="5337766" y="1323128"/>
             <a:ext cx="3451860" cy="369332"/>
           </a:xfrm>
           <a:prstGeom prst="rect">
@@ -4809,6 +6783,66 @@
           </a:p>
         </p:txBody>
       </p:sp>
+      <p:pic>
+        <p:nvPicPr>
+          <p:cNvPr id="7" name="Grafik 6">
+            <a:extLst>
+              <a:ext uri="{FF2B5EF4-FFF2-40B4-BE49-F238E27FC236}">
+                <a16:creationId xmlns:a16="http://schemas.microsoft.com/office/drawing/2014/main" id="{A9B7CE3D-5BA2-DF9B-FF81-D9DF74EAFC8E}"/>
+              </a:ext>
+            </a:extLst>
+          </p:cNvPr>
+          <p:cNvPicPr>
+            <a:picLocks noChangeAspect="1"/>
+          </p:cNvPicPr>
+          <p:nvPr/>
+        </p:nvPicPr>
+        <p:blipFill>
+          <a:blip r:embed="rId3"/>
+          <a:stretch>
+            <a:fillRect/>
+          </a:stretch>
+        </p:blipFill>
+        <p:spPr>
+          <a:xfrm>
+            <a:off x="7175014" y="403388"/>
+            <a:ext cx="4410821" cy="2993873"/>
+          </a:xfrm>
+          <a:prstGeom prst="rect">
+            <a:avLst/>
+          </a:prstGeom>
+        </p:spPr>
+      </p:pic>
+      <p:pic>
+        <p:nvPicPr>
+          <p:cNvPr id="10" name="Grafik 9">
+            <a:extLst>
+              <a:ext uri="{FF2B5EF4-FFF2-40B4-BE49-F238E27FC236}">
+                <a16:creationId xmlns:a16="http://schemas.microsoft.com/office/drawing/2014/main" id="{8C2C84F2-84B3-F9EB-9DC9-2CC5188E814A}"/>
+              </a:ext>
+            </a:extLst>
+          </p:cNvPr>
+          <p:cNvPicPr>
+            <a:picLocks noChangeAspect="1"/>
+          </p:cNvPicPr>
+          <p:nvPr/>
+        </p:nvPicPr>
+        <p:blipFill>
+          <a:blip r:embed="rId4"/>
+          <a:stretch>
+            <a:fillRect/>
+          </a:stretch>
+        </p:blipFill>
+        <p:spPr>
+          <a:xfrm>
+            <a:off x="7124119" y="3397260"/>
+            <a:ext cx="4436359" cy="2965117"/>
+          </a:xfrm>
+          <a:prstGeom prst="rect">
+            <a:avLst/>
+          </a:prstGeom>
+        </p:spPr>
+      </p:pic>
     </p:spTree>
     <p:extLst>
       <p:ext uri="{BB962C8B-B14F-4D97-AF65-F5344CB8AC3E}">
@@ -6626,15 +8660,25 @@
             <p:ph type="title"/>
           </p:nvPr>
         </p:nvSpPr>
-        <p:spPr/>
+        <p:spPr>
+          <a:xfrm>
+            <a:off x="768333" y="636825"/>
+            <a:ext cx="9875520" cy="1356360"/>
+          </a:xfrm>
+        </p:spPr>
         <p:txBody>
           <a:bodyPr/>
           <a:lstStyle/>
           <a:p>
             <a:r>
               <a:rPr lang="de-DE" dirty="0"/>
-              <a:t>Black and White Images</a:t>
-            </a:r>
+              <a:t>Color </a:t>
+            </a:r>
+            <a:r>
+              <a:rPr lang="de-DE" dirty="0" err="1"/>
+              <a:t>Changes</a:t>
+            </a:r>
+            <a:endParaRPr lang="de-DE" dirty="0"/>
           </a:p>
         </p:txBody>
       </p:sp>
@@ -6681,8 +8725,8 @@
         </p:nvSpPr>
         <p:spPr>
           <a:xfrm>
-            <a:off x="1268730" y="1965960"/>
-            <a:ext cx="5669280" cy="1477328"/>
+            <a:off x="883166" y="4596281"/>
+            <a:ext cx="6846495" cy="1294072"/>
           </a:xfrm>
           <a:prstGeom prst="rect">
             <a:avLst/>
@@ -6696,69 +8740,175 @@
           <a:lstStyle/>
           <a:p>
             <a:pPr marL="285750" indent="-285750">
+              <a:lnSpc>
+                <a:spcPct val="150000"/>
+              </a:lnSpc>
               <a:buFont typeface="Wingdings" panose="05000000000000000000" pitchFamily="2" charset="2"/>
               <a:buChar char="§"/>
             </a:pPr>
             <a:r>
-              <a:rPr lang="de-DE" dirty="0"/>
-              <a:t>Validation </a:t>
-            </a:r>
-            <a:r>
-              <a:rPr lang="de-DE" dirty="0" err="1"/>
-              <a:t>loss</a:t>
-            </a:r>
-            <a:r>
-              <a:rPr lang="de-DE" dirty="0"/>
-              <a:t>: 0.62 | Validation </a:t>
-            </a:r>
-            <a:r>
-              <a:rPr lang="de-DE" dirty="0" err="1"/>
-              <a:t>accuracy</a:t>
-            </a:r>
-            <a:r>
-              <a:rPr lang="de-DE" dirty="0"/>
-              <a:t>: 0.81 (5 </a:t>
-            </a:r>
-            <a:r>
-              <a:rPr lang="de-DE" dirty="0" err="1"/>
-              <a:t>epochs</a:t>
-            </a:r>
-            <a:r>
-              <a:rPr lang="de-DE" dirty="0"/>
-              <a:t>, </a:t>
-            </a:r>
-            <a:r>
-              <a:rPr lang="de-DE" dirty="0" err="1"/>
-              <a:t>max</a:t>
-            </a:r>
-            <a:r>
-              <a:rPr lang="de-DE" dirty="0"/>
-              <a:t> pool 2x2)</a:t>
-            </a:r>
+              <a:rPr lang="de-DE" dirty="0" err="1">
+                <a:sym typeface="Wingdings" panose="05000000000000000000" pitchFamily="2" charset="2"/>
+              </a:rPr>
+              <a:t>Changing</a:t>
+            </a:r>
+            <a:r>
+              <a:rPr lang="de-DE" dirty="0">
+                <a:sym typeface="Wingdings" panose="05000000000000000000" pitchFamily="2" charset="2"/>
+              </a:rPr>
+              <a:t> </a:t>
+            </a:r>
+            <a:r>
+              <a:rPr lang="de-DE" dirty="0" err="1">
+                <a:sym typeface="Wingdings" panose="05000000000000000000" pitchFamily="2" charset="2"/>
+              </a:rPr>
+              <a:t>the</a:t>
+            </a:r>
+            <a:r>
+              <a:rPr lang="de-DE" dirty="0">
+                <a:sym typeface="Wingdings" panose="05000000000000000000" pitchFamily="2" charset="2"/>
+              </a:rPr>
+              <a:t> </a:t>
+            </a:r>
+            <a:r>
+              <a:rPr lang="de-DE" dirty="0" err="1">
+                <a:sym typeface="Wingdings" panose="05000000000000000000" pitchFamily="2" charset="2"/>
+              </a:rPr>
+              <a:t>color</a:t>
+            </a:r>
+            <a:r>
+              <a:rPr lang="de-DE" dirty="0">
+                <a:sym typeface="Wingdings" panose="05000000000000000000" pitchFamily="2" charset="2"/>
+              </a:rPr>
+              <a:t> </a:t>
+            </a:r>
+            <a:r>
+              <a:rPr lang="de-DE" dirty="0" err="1">
+                <a:sym typeface="Wingdings" panose="05000000000000000000" pitchFamily="2" charset="2"/>
+              </a:rPr>
+              <a:t>settings</a:t>
+            </a:r>
+            <a:r>
+              <a:rPr lang="de-DE" dirty="0">
+                <a:sym typeface="Wingdings" panose="05000000000000000000" pitchFamily="2" charset="2"/>
+              </a:rPr>
+              <a:t> </a:t>
+            </a:r>
+            <a:r>
+              <a:rPr lang="de-DE" dirty="0" err="1">
+                <a:sym typeface="Wingdings" panose="05000000000000000000" pitchFamily="2" charset="2"/>
+              </a:rPr>
+              <a:t>marginally</a:t>
+            </a:r>
+            <a:r>
+              <a:rPr lang="de-DE" dirty="0">
+                <a:sym typeface="Wingdings" panose="05000000000000000000" pitchFamily="2" charset="2"/>
+              </a:rPr>
+              <a:t> </a:t>
+            </a:r>
+            <a:r>
+              <a:rPr lang="de-DE" dirty="0" err="1">
+                <a:sym typeface="Wingdings" panose="05000000000000000000" pitchFamily="2" charset="2"/>
+              </a:rPr>
+              <a:t>influences</a:t>
+            </a:r>
+            <a:r>
+              <a:rPr lang="de-DE" dirty="0">
+                <a:sym typeface="Wingdings" panose="05000000000000000000" pitchFamily="2" charset="2"/>
+              </a:rPr>
+              <a:t> </a:t>
+            </a:r>
+            <a:r>
+              <a:rPr lang="de-DE" dirty="0" err="1">
+                <a:sym typeface="Wingdings" panose="05000000000000000000" pitchFamily="2" charset="2"/>
+              </a:rPr>
+              <a:t>the</a:t>
+            </a:r>
+            <a:r>
+              <a:rPr lang="de-DE" dirty="0">
+                <a:sym typeface="Wingdings" panose="05000000000000000000" pitchFamily="2" charset="2"/>
+              </a:rPr>
+              <a:t> </a:t>
+            </a:r>
+            <a:r>
+              <a:rPr lang="de-DE" dirty="0" err="1">
+                <a:sym typeface="Wingdings" panose="05000000000000000000" pitchFamily="2" charset="2"/>
+              </a:rPr>
+              <a:t>performance</a:t>
+            </a:r>
+            <a:endParaRPr lang="de-DE" dirty="0"/>
           </a:p>
           <a:p>
             <a:pPr marL="285750" indent="-285750">
+              <a:lnSpc>
+                <a:spcPct val="150000"/>
+              </a:lnSpc>
               <a:buFont typeface="Wingdings" panose="05000000000000000000" pitchFamily="2" charset="2"/>
               <a:buChar char="§"/>
             </a:pPr>
-            <a:endParaRPr lang="de-DE" dirty="0"/>
-          </a:p>
-          <a:p>
-            <a:pPr marL="285750" indent="-285750">
-              <a:buFont typeface="Wingdings" panose="05000000000000000000" pitchFamily="2" charset="2"/>
-              <a:buChar char="§"/>
-            </a:pPr>
+            <a:r>
+              <a:rPr lang="de-DE" dirty="0"/>
+              <a:t>Leafs </a:t>
+            </a:r>
+            <a:r>
+              <a:rPr lang="de-DE" dirty="0" err="1"/>
+              <a:t>have</a:t>
+            </a:r>
+            <a:r>
+              <a:rPr lang="de-DE" dirty="0"/>
+              <a:t> different </a:t>
+            </a:r>
+            <a:r>
+              <a:rPr lang="de-DE" dirty="0" err="1"/>
+              <a:t>colors</a:t>
+            </a:r>
+            <a:r>
+              <a:rPr lang="de-DE" dirty="0"/>
+              <a:t> </a:t>
+            </a:r>
+            <a:r>
+              <a:rPr lang="de-DE" dirty="0" err="1"/>
+              <a:t>depending</a:t>
+            </a:r>
+            <a:r>
+              <a:rPr lang="de-DE" dirty="0"/>
+              <a:t> on </a:t>
+            </a:r>
+            <a:r>
+              <a:rPr lang="de-DE" dirty="0" err="1"/>
+              <a:t>season</a:t>
+            </a:r>
+            <a:r>
+              <a:rPr lang="de-DE" dirty="0"/>
+              <a:t> and </a:t>
+            </a:r>
+            <a:r>
+              <a:rPr lang="de-DE" dirty="0" err="1"/>
+              <a:t>health</a:t>
+            </a:r>
+            <a:r>
+              <a:rPr lang="de-DE" dirty="0"/>
+              <a:t> </a:t>
+            </a:r>
+            <a:r>
+              <a:rPr lang="de-DE" dirty="0" err="1"/>
+              <a:t>status</a:t>
+            </a:r>
+            <a:r>
+              <a:rPr lang="de-DE" dirty="0"/>
+              <a:t> </a:t>
+            </a:r>
             <a:r>
               <a:rPr lang="de-DE" dirty="0">
                 <a:sym typeface="Wingdings" panose="05000000000000000000" pitchFamily="2" charset="2"/>
               </a:rPr>
-              <a:t> Color </a:t>
+              <a:t> HSV </a:t>
             </a:r>
             <a:r>
               <a:rPr lang="de-DE" dirty="0" err="1">
                 <a:sym typeface="Wingdings" panose="05000000000000000000" pitchFamily="2" charset="2"/>
               </a:rPr>
-              <a:t>seems</a:t>
+              <a:t>color</a:t>
             </a:r>
             <a:r>
               <a:rPr lang="de-DE" dirty="0">
@@ -6770,7 +8920,7 @@
               <a:rPr lang="de-DE" dirty="0" err="1">
                 <a:sym typeface="Wingdings" panose="05000000000000000000" pitchFamily="2" charset="2"/>
               </a:rPr>
-              <a:t>to</a:t>
+              <a:t>scheme</a:t>
             </a:r>
             <a:r>
               <a:rPr lang="de-DE" dirty="0">
@@ -6782,19 +8932,31 @@
               <a:rPr lang="de-DE" dirty="0" err="1">
                 <a:sym typeface="Wingdings" panose="05000000000000000000" pitchFamily="2" charset="2"/>
               </a:rPr>
+              <a:t>might</a:t>
+            </a:r>
+            <a:r>
+              <a:rPr lang="de-DE" dirty="0">
+                <a:sym typeface="Wingdings" panose="05000000000000000000" pitchFamily="2" charset="2"/>
+              </a:rPr>
+              <a:t> </a:t>
+            </a:r>
+            <a:r>
+              <a:rPr lang="de-DE" dirty="0" err="1">
+                <a:sym typeface="Wingdings" panose="05000000000000000000" pitchFamily="2" charset="2"/>
+              </a:rPr>
               <a:t>be</a:t>
             </a:r>
             <a:r>
               <a:rPr lang="de-DE" dirty="0">
                 <a:sym typeface="Wingdings" panose="05000000000000000000" pitchFamily="2" charset="2"/>
               </a:rPr>
-              <a:t> an </a:t>
+              <a:t> a </a:t>
             </a:r>
             <a:r>
               <a:rPr lang="de-DE" dirty="0" err="1">
                 <a:sym typeface="Wingdings" panose="05000000000000000000" pitchFamily="2" charset="2"/>
               </a:rPr>
-              <a:t>important</a:t>
+              <a:t>good</a:t>
             </a:r>
             <a:r>
               <a:rPr lang="de-DE" dirty="0">
@@ -6806,67 +8968,7 @@
               <a:rPr lang="de-DE" dirty="0" err="1">
                 <a:sym typeface="Wingdings" panose="05000000000000000000" pitchFamily="2" charset="2"/>
               </a:rPr>
-              <a:t>characteristic</a:t>
-            </a:r>
-            <a:r>
-              <a:rPr lang="de-DE" dirty="0">
-                <a:sym typeface="Wingdings" panose="05000000000000000000" pitchFamily="2" charset="2"/>
-              </a:rPr>
-              <a:t> </a:t>
-            </a:r>
-            <a:r>
-              <a:rPr lang="de-DE" dirty="0" err="1">
-                <a:sym typeface="Wingdings" panose="05000000000000000000" pitchFamily="2" charset="2"/>
-              </a:rPr>
-              <a:t>for</a:t>
-            </a:r>
-            <a:r>
-              <a:rPr lang="de-DE" dirty="0">
-                <a:sym typeface="Wingdings" panose="05000000000000000000" pitchFamily="2" charset="2"/>
-              </a:rPr>
-              <a:t> </a:t>
-            </a:r>
-            <a:r>
-              <a:rPr lang="de-DE" dirty="0" err="1">
-                <a:sym typeface="Wingdings" panose="05000000000000000000" pitchFamily="2" charset="2"/>
-              </a:rPr>
-              <a:t>the</a:t>
-            </a:r>
-            <a:r>
-              <a:rPr lang="de-DE" dirty="0">
-                <a:sym typeface="Wingdings" panose="05000000000000000000" pitchFamily="2" charset="2"/>
-              </a:rPr>
-              <a:t> </a:t>
-            </a:r>
-            <a:r>
-              <a:rPr lang="de-DE" dirty="0" err="1">
-                <a:sym typeface="Wingdings" panose="05000000000000000000" pitchFamily="2" charset="2"/>
-              </a:rPr>
-              <a:t>recognition</a:t>
-            </a:r>
-            <a:r>
-              <a:rPr lang="de-DE" dirty="0"/>
-              <a:t> </a:t>
-            </a:r>
-            <a:r>
-              <a:rPr lang="de-DE" dirty="0" err="1"/>
-              <a:t>of</a:t>
-            </a:r>
-            <a:r>
-              <a:rPr lang="de-DE" dirty="0"/>
-              <a:t> </a:t>
-            </a:r>
-            <a:r>
-              <a:rPr lang="de-DE" dirty="0" err="1"/>
-              <a:t>tree</a:t>
-            </a:r>
-            <a:r>
-              <a:rPr lang="de-DE" dirty="0"/>
-              <a:t> </a:t>
-            </a:r>
-            <a:r>
-              <a:rPr lang="de-DE" dirty="0" err="1"/>
-              <a:t>leaves</a:t>
+              <a:t>option</a:t>
             </a:r>
             <a:endParaRPr lang="de-DE" dirty="0"/>
           </a:p>
@@ -6887,7 +8989,7 @@
           <p:nvPr/>
         </p:nvPicPr>
         <p:blipFill>
-          <a:blip r:embed="rId2">
+          <a:blip r:embed="rId3">
             <a:extLst>
               <a:ext uri="{28A0092B-C50C-407E-A947-70E740481C1C}">
                 <a14:useLocalDpi xmlns:a14="http://schemas.microsoft.com/office/drawing/2010/main" val="0"/>
@@ -6923,7 +9025,7 @@
           <p:nvPr/>
         </p:nvPicPr>
         <p:blipFill>
-          <a:blip r:embed="rId3">
+          <a:blip r:embed="rId4">
             <a:extLst>
               <a:ext uri="{28A0092B-C50C-407E-A947-70E740481C1C}">
                 <a14:useLocalDpi xmlns:a14="http://schemas.microsoft.com/office/drawing/2010/main" val="0"/>
@@ -6937,42 +9039,6 @@
         <p:spPr>
           <a:xfrm>
             <a:off x="9929478" y="535376"/>
-            <a:ext cx="1428750" cy="2857500"/>
-          </a:xfrm>
-          <a:prstGeom prst="rect">
-            <a:avLst/>
-          </a:prstGeom>
-        </p:spPr>
-      </p:pic>
-      <p:pic>
-        <p:nvPicPr>
-          <p:cNvPr id="15" name="Grafik 14" descr="Ein Bild, das Pflanze, Eiche, Schwarzweiß, Blatt enthält.&#10;&#10;Automatisch generierte Beschreibung">
-            <a:extLst>
-              <a:ext uri="{FF2B5EF4-FFF2-40B4-BE49-F238E27FC236}">
-                <a16:creationId xmlns:a16="http://schemas.microsoft.com/office/drawing/2014/main" id="{D453226F-943D-B51E-24A4-6B18BAC6CA2D}"/>
-              </a:ext>
-            </a:extLst>
-          </p:cNvPr>
-          <p:cNvPicPr>
-            <a:picLocks noChangeAspect="1"/>
-          </p:cNvPicPr>
-          <p:nvPr/>
-        </p:nvPicPr>
-        <p:blipFill>
-          <a:blip r:embed="rId4">
-            <a:extLst>
-              <a:ext uri="{28A0092B-C50C-407E-A947-70E740481C1C}">
-                <a14:useLocalDpi xmlns:a14="http://schemas.microsoft.com/office/drawing/2010/main" val="0"/>
-              </a:ext>
-            </a:extLst>
-          </a:blip>
-          <a:stretch>
-            <a:fillRect/>
-          </a:stretch>
-        </p:blipFill>
-        <p:spPr>
-          <a:xfrm>
-            <a:off x="8500728" y="3392876"/>
             <a:ext cx="1428750" cy="2857500"/>
           </a:xfrm>
           <a:prstGeom prst="rect">
@@ -7016,6 +9082,348 @@
           </a:prstGeom>
         </p:spPr>
       </p:pic>
+      <p:pic>
+        <p:nvPicPr>
+          <p:cNvPr id="6" name="Grafik 5" descr="Ein Bild, das Zeichnung, Kinderkunst, Farbigkeit, Kunst enthält.&#10;&#10;Automatisch generierte Beschreibung">
+            <a:extLst>
+              <a:ext uri="{FF2B5EF4-FFF2-40B4-BE49-F238E27FC236}">
+                <a16:creationId xmlns:a16="http://schemas.microsoft.com/office/drawing/2014/main" id="{CA83E0F6-B0F5-577A-1A33-9DFA9ECB0F06}"/>
+              </a:ext>
+            </a:extLst>
+          </p:cNvPr>
+          <p:cNvPicPr>
+            <a:picLocks noChangeAspect="1"/>
+          </p:cNvPicPr>
+          <p:nvPr/>
+        </p:nvPicPr>
+        <p:blipFill>
+          <a:blip r:embed="rId6">
+            <a:extLst>
+              <a:ext uri="{28A0092B-C50C-407E-A947-70E740481C1C}">
+                <a14:useLocalDpi xmlns:a14="http://schemas.microsoft.com/office/drawing/2010/main" val="0"/>
+              </a:ext>
+            </a:extLst>
+          </a:blip>
+          <a:stretch>
+            <a:fillRect/>
+          </a:stretch>
+        </p:blipFill>
+        <p:spPr>
+          <a:xfrm>
+            <a:off x="8500728" y="3410381"/>
+            <a:ext cx="1428750" cy="2857500"/>
+          </a:xfrm>
+          <a:prstGeom prst="rect">
+            <a:avLst/>
+          </a:prstGeom>
+        </p:spPr>
+      </p:pic>
+      <p:graphicFrame>
+        <p:nvGraphicFramePr>
+          <p:cNvPr id="8" name="Tabelle 9">
+            <a:extLst>
+              <a:ext uri="{FF2B5EF4-FFF2-40B4-BE49-F238E27FC236}">
+                <a16:creationId xmlns:a16="http://schemas.microsoft.com/office/drawing/2014/main" id="{AF815D2A-CAFF-53C3-DC74-2A791B74D22B}"/>
+              </a:ext>
+            </a:extLst>
+          </p:cNvPr>
+          <p:cNvGraphicFramePr>
+            <a:graphicFrameLocks noGrp="1"/>
+          </p:cNvGraphicFramePr>
+          <p:nvPr>
+            <p:extLst>
+              <p:ext uri="{D42A27DB-BD31-4B8C-83A1-F6EECF244321}">
+                <p14:modId xmlns:p14="http://schemas.microsoft.com/office/powerpoint/2010/main" val="1957001243"/>
+              </p:ext>
+            </p:extLst>
+          </p:nvPr>
+        </p:nvGraphicFramePr>
+        <p:xfrm>
+          <a:off x="883166" y="2493356"/>
+          <a:ext cx="6631611" cy="1483360"/>
+        </p:xfrm>
+        <a:graphic>
+          <a:graphicData uri="http://schemas.openxmlformats.org/drawingml/2006/table">
+            <a:tbl>
+              <a:tblPr firstRow="1" bandRow="1">
+                <a:tableStyleId>{5C22544A-7EE6-4342-B048-85BDC9FD1C3A}</a:tableStyleId>
+              </a:tblPr>
+              <a:tblGrid>
+                <a:gridCol w="1566908">
+                  <a:extLst>
+                    <a:ext uri="{9D8B030D-6E8A-4147-A177-3AD203B41FA5}">
+                      <a16:colId xmlns:a16="http://schemas.microsoft.com/office/drawing/2014/main" val="3493012076"/>
+                    </a:ext>
+                  </a:extLst>
+                </a:gridCol>
+                <a:gridCol w="1690255">
+                  <a:extLst>
+                    <a:ext uri="{9D8B030D-6E8A-4147-A177-3AD203B41FA5}">
+                      <a16:colId xmlns:a16="http://schemas.microsoft.com/office/drawing/2014/main" val="2529645595"/>
+                    </a:ext>
+                  </a:extLst>
+                </a:gridCol>
+                <a:gridCol w="2216727">
+                  <a:extLst>
+                    <a:ext uri="{9D8B030D-6E8A-4147-A177-3AD203B41FA5}">
+                      <a16:colId xmlns:a16="http://schemas.microsoft.com/office/drawing/2014/main" val="4156953416"/>
+                    </a:ext>
+                  </a:extLst>
+                </a:gridCol>
+                <a:gridCol w="1157721">
+                  <a:extLst>
+                    <a:ext uri="{9D8B030D-6E8A-4147-A177-3AD203B41FA5}">
+                      <a16:colId xmlns:a16="http://schemas.microsoft.com/office/drawing/2014/main" val="741419212"/>
+                    </a:ext>
+                  </a:extLst>
+                </a:gridCol>
+              </a:tblGrid>
+              <a:tr h="370840">
+                <a:tc>
+                  <a:txBody>
+                    <a:bodyPr/>
+                    <a:lstStyle/>
+                    <a:p>
+                      <a:r>
+                        <a:rPr lang="de-DE" dirty="0"/>
+                        <a:t>Color </a:t>
+                      </a:r>
+                      <a:r>
+                        <a:rPr lang="de-DE" dirty="0" err="1"/>
+                        <a:t>scheme</a:t>
+                      </a:r>
+                      <a:endParaRPr lang="de-DE" dirty="0"/>
+                    </a:p>
+                  </a:txBody>
+                  <a:tcPr/>
+                </a:tc>
+                <a:tc>
+                  <a:txBody>
+                    <a:bodyPr/>
+                    <a:lstStyle/>
+                    <a:p>
+                      <a:r>
+                        <a:rPr lang="de-DE" dirty="0"/>
+                        <a:t>Validation </a:t>
+                      </a:r>
+                      <a:r>
+                        <a:rPr lang="de-DE" dirty="0" err="1"/>
+                        <a:t>loss</a:t>
+                      </a:r>
+                      <a:endParaRPr lang="de-DE" dirty="0"/>
+                    </a:p>
+                  </a:txBody>
+                  <a:tcPr/>
+                </a:tc>
+                <a:tc>
+                  <a:txBody>
+                    <a:bodyPr/>
+                    <a:lstStyle/>
+                    <a:p>
+                      <a:r>
+                        <a:rPr lang="de-DE" dirty="0"/>
+                        <a:t>Validation </a:t>
+                      </a:r>
+                      <a:r>
+                        <a:rPr lang="de-DE" dirty="0" err="1"/>
+                        <a:t>accuracy</a:t>
+                      </a:r>
+                      <a:endParaRPr lang="de-DE" dirty="0"/>
+                    </a:p>
+                  </a:txBody>
+                  <a:tcPr/>
+                </a:tc>
+                <a:tc>
+                  <a:txBody>
+                    <a:bodyPr/>
+                    <a:lstStyle/>
+                    <a:p>
+                      <a:r>
+                        <a:rPr lang="de-DE" dirty="0"/>
+                        <a:t>Run time</a:t>
+                      </a:r>
+                    </a:p>
+                  </a:txBody>
+                  <a:tcPr/>
+                </a:tc>
+                <a:extLst>
+                  <a:ext uri="{0D108BD9-81ED-4DB2-BD59-A6C34878D82A}">
+                    <a16:rowId xmlns:a16="http://schemas.microsoft.com/office/drawing/2014/main" val="2635773072"/>
+                  </a:ext>
+                </a:extLst>
+              </a:tr>
+              <a:tr h="370840">
+                <a:tc>
+                  <a:txBody>
+                    <a:bodyPr/>
+                    <a:lstStyle/>
+                    <a:p>
+                      <a:r>
+                        <a:rPr lang="de-DE" dirty="0"/>
+                        <a:t>RGB</a:t>
+                      </a:r>
+                    </a:p>
+                  </a:txBody>
+                  <a:tcPr/>
+                </a:tc>
+                <a:tc>
+                  <a:txBody>
+                    <a:bodyPr/>
+                    <a:lstStyle/>
+                    <a:p>
+                      <a:endParaRPr lang="de-DE" dirty="0"/>
+                    </a:p>
+                  </a:txBody>
+                  <a:tcPr/>
+                </a:tc>
+                <a:tc>
+                  <a:txBody>
+                    <a:bodyPr/>
+                    <a:lstStyle/>
+                    <a:p>
+                      <a:endParaRPr lang="de-DE"/>
+                    </a:p>
+                  </a:txBody>
+                  <a:tcPr/>
+                </a:tc>
+                <a:tc>
+                  <a:txBody>
+                    <a:bodyPr/>
+                    <a:lstStyle/>
+                    <a:p>
+                      <a:endParaRPr lang="de-DE"/>
+                    </a:p>
+                  </a:txBody>
+                  <a:tcPr/>
+                </a:tc>
+                <a:extLst>
+                  <a:ext uri="{0D108BD9-81ED-4DB2-BD59-A6C34878D82A}">
+                    <a16:rowId xmlns:a16="http://schemas.microsoft.com/office/drawing/2014/main" val="2721418474"/>
+                  </a:ext>
+                </a:extLst>
+              </a:tr>
+              <a:tr h="370840">
+                <a:tc>
+                  <a:txBody>
+                    <a:bodyPr/>
+                    <a:lstStyle/>
+                    <a:p>
+                      <a:r>
+                        <a:rPr lang="de-DE" dirty="0"/>
+                        <a:t>BW</a:t>
+                      </a:r>
+                    </a:p>
+                  </a:txBody>
+                  <a:tcPr/>
+                </a:tc>
+                <a:tc>
+                  <a:txBody>
+                    <a:bodyPr/>
+                    <a:lstStyle/>
+                    <a:p>
+                      <a:r>
+                        <a:rPr lang="de-DE" dirty="0"/>
+                        <a:t>0.43</a:t>
+                      </a:r>
+                    </a:p>
+                  </a:txBody>
+                  <a:tcPr/>
+                </a:tc>
+                <a:tc>
+                  <a:txBody>
+                    <a:bodyPr/>
+                    <a:lstStyle/>
+                    <a:p>
+                      <a:r>
+                        <a:rPr lang="de-DE" dirty="0"/>
+                        <a:t>0.86</a:t>
+                      </a:r>
+                    </a:p>
+                  </a:txBody>
+                  <a:tcPr/>
+                </a:tc>
+                <a:tc>
+                  <a:txBody>
+                    <a:bodyPr/>
+                    <a:lstStyle/>
+                    <a:p>
+                      <a:r>
+                        <a:rPr lang="de-DE" dirty="0"/>
+                        <a:t>100s</a:t>
+                      </a:r>
+                    </a:p>
+                  </a:txBody>
+                  <a:tcPr/>
+                </a:tc>
+                <a:extLst>
+                  <a:ext uri="{0D108BD9-81ED-4DB2-BD59-A6C34878D82A}">
+                    <a16:rowId xmlns:a16="http://schemas.microsoft.com/office/drawing/2014/main" val="1496497615"/>
+                  </a:ext>
+                </a:extLst>
+              </a:tr>
+              <a:tr h="370840">
+                <a:tc>
+                  <a:txBody>
+                    <a:bodyPr/>
+                    <a:lstStyle/>
+                    <a:p>
+                      <a:r>
+                        <a:rPr lang="de-DE" dirty="0"/>
+                        <a:t>HSV</a:t>
+                      </a:r>
+                    </a:p>
+                  </a:txBody>
+                  <a:tcPr/>
+                </a:tc>
+                <a:tc>
+                  <a:txBody>
+                    <a:bodyPr/>
+                    <a:lstStyle/>
+                    <a:p>
+                      <a:r>
+                        <a:rPr lang="de-DE" dirty="0"/>
+                        <a:t>0.42</a:t>
+                      </a:r>
+                    </a:p>
+                  </a:txBody>
+                  <a:tcPr/>
+                </a:tc>
+                <a:tc>
+                  <a:txBody>
+                    <a:bodyPr/>
+                    <a:lstStyle/>
+                    <a:p>
+                      <a:r>
+                        <a:rPr lang="de-DE" dirty="0"/>
+                        <a:t>0.88</a:t>
+                      </a:r>
+                    </a:p>
+                  </a:txBody>
+                  <a:tcPr/>
+                </a:tc>
+                <a:tc>
+                  <a:txBody>
+                    <a:bodyPr/>
+                    <a:lstStyle/>
+                    <a:p>
+                      <a:r>
+                        <a:rPr lang="de-DE" dirty="0"/>
+                        <a:t>139s</a:t>
+                      </a:r>
+                    </a:p>
+                  </a:txBody>
+                  <a:tcPr/>
+                </a:tc>
+                <a:extLst>
+                  <a:ext uri="{0D108BD9-81ED-4DB2-BD59-A6C34878D82A}">
+                    <a16:rowId xmlns:a16="http://schemas.microsoft.com/office/drawing/2014/main" val="278205136"/>
+                  </a:ext>
+                </a:extLst>
+              </a:tr>
+            </a:tbl>
+          </a:graphicData>
+        </a:graphic>
+      </p:graphicFrame>
     </p:spTree>
     <p:extLst>
       <p:ext uri="{BB962C8B-B14F-4D97-AF65-F5344CB8AC3E}">
@@ -7026,6 +9434,84 @@
   <p:clrMapOvr>
     <a:masterClrMapping/>
   </p:clrMapOvr>
+  <p:timing>
+    <p:tnLst>
+      <p:par>
+        <p:cTn id="1" dur="indefinite" restart="never" nodeType="tmRoot">
+          <p:childTnLst>
+            <p:seq concurrent="1" nextAc="seek">
+              <p:cTn id="2" dur="indefinite" nodeType="mainSeq">
+                <p:childTnLst>
+                  <p:par>
+                    <p:cTn id="3" fill="hold">
+                      <p:stCondLst>
+                        <p:cond delay="indefinite"/>
+                      </p:stCondLst>
+                      <p:childTnLst>
+                        <p:par>
+                          <p:cTn id="4" fill="hold">
+                            <p:stCondLst>
+                              <p:cond delay="0"/>
+                            </p:stCondLst>
+                            <p:childTnLst>
+                              <p:par>
+                                <p:cTn id="5" presetID="1" presetClass="entr" presetSubtype="0" fill="hold" grpId="0" nodeType="clickEffect">
+                                  <p:stCondLst>
+                                    <p:cond delay="0"/>
+                                  </p:stCondLst>
+                                  <p:childTnLst>
+                                    <p:set>
+                                      <p:cBhvr>
+                                        <p:cTn id="6" dur="1" fill="hold">
+                                          <p:stCondLst>
+                                            <p:cond delay="0"/>
+                                          </p:stCondLst>
+                                        </p:cTn>
+                                        <p:tgtEl>
+                                          <p:spTgt spid="5"/>
+                                        </p:tgtEl>
+                                        <p:attrNameLst>
+                                          <p:attrName>style.visibility</p:attrName>
+                                        </p:attrNameLst>
+                                      </p:cBhvr>
+                                      <p:to>
+                                        <p:strVal val="visible"/>
+                                      </p:to>
+                                    </p:set>
+                                  </p:childTnLst>
+                                </p:cTn>
+                              </p:par>
+                            </p:childTnLst>
+                          </p:cTn>
+                        </p:par>
+                      </p:childTnLst>
+                    </p:cTn>
+                  </p:par>
+                </p:childTnLst>
+              </p:cTn>
+              <p:prevCondLst>
+                <p:cond evt="onPrev" delay="0">
+                  <p:tgtEl>
+                    <p:sldTgt/>
+                  </p:tgtEl>
+                </p:cond>
+              </p:prevCondLst>
+              <p:nextCondLst>
+                <p:cond evt="onNext" delay="0">
+                  <p:tgtEl>
+                    <p:sldTgt/>
+                  </p:tgtEl>
+                </p:cond>
+              </p:nextCondLst>
+            </p:seq>
+          </p:childTnLst>
+        </p:cTn>
+      </p:par>
+    </p:tnLst>
+    <p:bldLst>
+      <p:bldP spid="5" grpId="0"/>
+    </p:bldLst>
+  </p:timing>
 </p:sld>
 </file>
 
@@ -7076,31 +9562,6 @@
       </p:sp>
       <p:sp>
         <p:nvSpPr>
-          <p:cNvPr id="3" name="Inhaltsplatzhalter 2">
-            <a:extLst>
-              <a:ext uri="{FF2B5EF4-FFF2-40B4-BE49-F238E27FC236}">
-                <a16:creationId xmlns:a16="http://schemas.microsoft.com/office/drawing/2014/main" id="{76136DAC-96BB-F891-563B-467E413B8F49}"/>
-              </a:ext>
-            </a:extLst>
-          </p:cNvPr>
-          <p:cNvSpPr>
-            <a:spLocks noGrp="1"/>
-          </p:cNvSpPr>
-          <p:nvPr>
-            <p:ph idx="1"/>
-          </p:nvPr>
-        </p:nvSpPr>
-        <p:spPr/>
-        <p:txBody>
-          <a:bodyPr/>
-          <a:lstStyle/>
-          <a:p>
-            <a:endParaRPr lang="de-DE"/>
-          </a:p>
-        </p:txBody>
-      </p:sp>
-      <p:sp>
-        <p:nvSpPr>
           <p:cNvPr id="4" name="Foliennummernplatzhalter 3">
             <a:extLst>
               <a:ext uri="{FF2B5EF4-FFF2-40B4-BE49-F238E27FC236}">
@@ -7128,6 +9589,380 @@
           </a:p>
         </p:txBody>
       </p:sp>
+      <p:pic>
+        <p:nvPicPr>
+          <p:cNvPr id="6" name="Grafik 5">
+            <a:extLst>
+              <a:ext uri="{FF2B5EF4-FFF2-40B4-BE49-F238E27FC236}">
+                <a16:creationId xmlns:a16="http://schemas.microsoft.com/office/drawing/2014/main" id="{F89DF7DD-07C0-C881-3DCF-38415611952C}"/>
+              </a:ext>
+            </a:extLst>
+          </p:cNvPr>
+          <p:cNvPicPr>
+            <a:picLocks noChangeAspect="1"/>
+          </p:cNvPicPr>
+          <p:nvPr/>
+        </p:nvPicPr>
+        <p:blipFill>
+          <a:blip r:embed="rId2"/>
+          <a:stretch>
+            <a:fillRect/>
+          </a:stretch>
+        </p:blipFill>
+        <p:spPr>
+          <a:xfrm>
+            <a:off x="828428" y="4766935"/>
+            <a:ext cx="5655498" cy="1456893"/>
+          </a:xfrm>
+          <a:prstGeom prst="rect">
+            <a:avLst/>
+          </a:prstGeom>
+        </p:spPr>
+      </p:pic>
+      <p:sp>
+        <p:nvSpPr>
+          <p:cNvPr id="7" name="Textfeld 6">
+            <a:extLst>
+              <a:ext uri="{FF2B5EF4-FFF2-40B4-BE49-F238E27FC236}">
+                <a16:creationId xmlns:a16="http://schemas.microsoft.com/office/drawing/2014/main" id="{E7F6D315-70CC-6C1B-D47A-BE3EF5E9CA79}"/>
+              </a:ext>
+            </a:extLst>
+          </p:cNvPr>
+          <p:cNvSpPr txBox="1"/>
+          <p:nvPr/>
+        </p:nvSpPr>
+        <p:spPr>
+          <a:xfrm>
+            <a:off x="1094503" y="1909554"/>
+            <a:ext cx="5389423" cy="2126864"/>
+          </a:xfrm>
+          <a:prstGeom prst="rect">
+            <a:avLst/>
+          </a:prstGeom>
+          <a:noFill/>
+        </p:spPr>
+        <p:txBody>
+          <a:bodyPr wrap="square" rtlCol="0">
+            <a:spAutoFit/>
+          </a:bodyPr>
+          <a:lstStyle/>
+          <a:p>
+            <a:pPr marL="285750" indent="-285750">
+              <a:lnSpc>
+                <a:spcPct val="150000"/>
+              </a:lnSpc>
+              <a:buFont typeface="Wingdings" panose="05000000000000000000" pitchFamily="2" charset="2"/>
+              <a:buChar char="§"/>
+            </a:pPr>
+            <a:r>
+              <a:rPr lang="de-DE" dirty="0" err="1"/>
+              <a:t>Massively</a:t>
+            </a:r>
+            <a:r>
+              <a:rPr lang="de-DE" dirty="0"/>
+              <a:t> </a:t>
+            </a:r>
+            <a:r>
+              <a:rPr lang="de-DE" dirty="0" err="1"/>
+              <a:t>degrades</a:t>
+            </a:r>
+            <a:r>
+              <a:rPr lang="de-DE" dirty="0"/>
+              <a:t> </a:t>
+            </a:r>
+            <a:r>
+              <a:rPr lang="de-DE" dirty="0" err="1"/>
+              <a:t>the</a:t>
+            </a:r>
+            <a:r>
+              <a:rPr lang="de-DE" dirty="0"/>
+              <a:t> </a:t>
+            </a:r>
+            <a:r>
+              <a:rPr lang="de-DE" dirty="0" err="1"/>
+              <a:t>performance</a:t>
+            </a:r>
+            <a:r>
+              <a:rPr lang="de-DE" dirty="0"/>
+              <a:t> </a:t>
+            </a:r>
+            <a:r>
+              <a:rPr lang="de-DE" dirty="0" err="1"/>
+              <a:t>of</a:t>
+            </a:r>
+            <a:r>
+              <a:rPr lang="de-DE" dirty="0"/>
+              <a:t> </a:t>
+            </a:r>
+            <a:r>
+              <a:rPr lang="de-DE" dirty="0" err="1"/>
+              <a:t>the</a:t>
+            </a:r>
+            <a:r>
+              <a:rPr lang="de-DE" dirty="0"/>
+              <a:t> </a:t>
+            </a:r>
+            <a:r>
+              <a:rPr lang="de-DE" dirty="0" err="1"/>
+              <a:t>model</a:t>
+            </a:r>
+            <a:r>
+              <a:rPr lang="de-DE" dirty="0"/>
+              <a:t> </a:t>
+            </a:r>
+          </a:p>
+          <a:p>
+            <a:pPr marL="285750" indent="-285750">
+              <a:lnSpc>
+                <a:spcPct val="150000"/>
+              </a:lnSpc>
+              <a:buFont typeface="Wingdings" panose="05000000000000000000" pitchFamily="2" charset="2"/>
+              <a:buChar char="à"/>
+            </a:pPr>
+            <a:r>
+              <a:rPr lang="de-DE" dirty="0">
+                <a:sym typeface="Wingdings" panose="05000000000000000000" pitchFamily="2" charset="2"/>
+              </a:rPr>
+              <a:t>Validation </a:t>
+            </a:r>
+            <a:r>
+              <a:rPr lang="de-DE" dirty="0" err="1">
+                <a:sym typeface="Wingdings" panose="05000000000000000000" pitchFamily="2" charset="2"/>
+              </a:rPr>
+              <a:t>loss</a:t>
+            </a:r>
+            <a:r>
+              <a:rPr lang="de-DE" dirty="0">
+                <a:sym typeface="Wingdings" panose="05000000000000000000" pitchFamily="2" charset="2"/>
+              </a:rPr>
+              <a:t>: ~ 2.5</a:t>
+            </a:r>
+          </a:p>
+          <a:p>
+            <a:pPr marL="285750" indent="-285750">
+              <a:lnSpc>
+                <a:spcPct val="150000"/>
+              </a:lnSpc>
+              <a:buFont typeface="Wingdings" panose="05000000000000000000" pitchFamily="2" charset="2"/>
+              <a:buChar char="à"/>
+            </a:pPr>
+            <a:r>
+              <a:rPr lang="de-DE" dirty="0">
+                <a:sym typeface="Wingdings" panose="05000000000000000000" pitchFamily="2" charset="2"/>
+              </a:rPr>
+              <a:t>Validation </a:t>
+            </a:r>
+            <a:r>
+              <a:rPr lang="de-DE" dirty="0" err="1">
+                <a:sym typeface="Wingdings" panose="05000000000000000000" pitchFamily="2" charset="2"/>
+              </a:rPr>
+              <a:t>accuracy</a:t>
+            </a:r>
+            <a:r>
+              <a:rPr lang="de-DE" dirty="0">
+                <a:sym typeface="Wingdings" panose="05000000000000000000" pitchFamily="2" charset="2"/>
+              </a:rPr>
+              <a:t>: ~ 0.1</a:t>
+            </a:r>
+          </a:p>
+          <a:p>
+            <a:pPr marL="285750" indent="-285750">
+              <a:lnSpc>
+                <a:spcPct val="150000"/>
+              </a:lnSpc>
+              <a:buFont typeface="Wingdings" panose="05000000000000000000" pitchFamily="2" charset="2"/>
+              <a:buChar char="à"/>
+            </a:pPr>
+            <a:r>
+              <a:rPr lang="de-DE" dirty="0" err="1">
+                <a:sym typeface="Wingdings" panose="05000000000000000000" pitchFamily="2" charset="2"/>
+              </a:rPr>
+              <a:t>Our</a:t>
+            </a:r>
+            <a:r>
+              <a:rPr lang="de-DE" dirty="0">
+                <a:sym typeface="Wingdings" panose="05000000000000000000" pitchFamily="2" charset="2"/>
+              </a:rPr>
+              <a:t> </a:t>
+            </a:r>
+            <a:r>
+              <a:rPr lang="de-DE" dirty="0" err="1">
+                <a:sym typeface="Wingdings" panose="05000000000000000000" pitchFamily="2" charset="2"/>
+              </a:rPr>
+              <a:t>dataset</a:t>
+            </a:r>
+            <a:r>
+              <a:rPr lang="de-DE" dirty="0">
+                <a:sym typeface="Wingdings" panose="05000000000000000000" pitchFamily="2" charset="2"/>
+              </a:rPr>
+              <a:t> </a:t>
+            </a:r>
+            <a:r>
+              <a:rPr lang="de-DE" dirty="0" err="1">
+                <a:sym typeface="Wingdings" panose="05000000000000000000" pitchFamily="2" charset="2"/>
+              </a:rPr>
+              <a:t>is</a:t>
+            </a:r>
+            <a:r>
+              <a:rPr lang="de-DE" dirty="0">
+                <a:sym typeface="Wingdings" panose="05000000000000000000" pitchFamily="2" charset="2"/>
+              </a:rPr>
+              <a:t> </a:t>
+            </a:r>
+            <a:r>
+              <a:rPr lang="de-DE" dirty="0" err="1">
+                <a:sym typeface="Wingdings" panose="05000000000000000000" pitchFamily="2" charset="2"/>
+              </a:rPr>
+              <a:t>already</a:t>
+            </a:r>
+            <a:r>
+              <a:rPr lang="de-DE" dirty="0">
+                <a:sym typeface="Wingdings" panose="05000000000000000000" pitchFamily="2" charset="2"/>
+              </a:rPr>
+              <a:t> so </a:t>
+            </a:r>
+            <a:r>
+              <a:rPr lang="de-DE" dirty="0" err="1">
+                <a:sym typeface="Wingdings" panose="05000000000000000000" pitchFamily="2" charset="2"/>
+              </a:rPr>
+              <a:t>neat</a:t>
+            </a:r>
+            <a:r>
+              <a:rPr lang="de-DE" dirty="0">
+                <a:sym typeface="Wingdings" panose="05000000000000000000" pitchFamily="2" charset="2"/>
+              </a:rPr>
+              <a:t> and </a:t>
+            </a:r>
+            <a:r>
+              <a:rPr lang="de-DE" dirty="0" err="1">
+                <a:sym typeface="Wingdings" panose="05000000000000000000" pitchFamily="2" charset="2"/>
+              </a:rPr>
+              <a:t>structured</a:t>
+            </a:r>
+            <a:r>
+              <a:rPr lang="de-DE" dirty="0">
+                <a:sym typeface="Wingdings" panose="05000000000000000000" pitchFamily="2" charset="2"/>
+              </a:rPr>
+              <a:t> </a:t>
+            </a:r>
+            <a:r>
+              <a:rPr lang="de-DE" dirty="0" err="1">
+                <a:sym typeface="Wingdings" panose="05000000000000000000" pitchFamily="2" charset="2"/>
+              </a:rPr>
+              <a:t>that</a:t>
+            </a:r>
+            <a:r>
+              <a:rPr lang="de-DE" dirty="0">
+                <a:sym typeface="Wingdings" panose="05000000000000000000" pitchFamily="2" charset="2"/>
+              </a:rPr>
+              <a:t> </a:t>
+            </a:r>
+            <a:r>
+              <a:rPr lang="de-DE" dirty="0" err="1">
+                <a:sym typeface="Wingdings" panose="05000000000000000000" pitchFamily="2" charset="2"/>
+              </a:rPr>
+              <a:t>augmentation</a:t>
+            </a:r>
+            <a:r>
+              <a:rPr lang="de-DE" dirty="0">
+                <a:sym typeface="Wingdings" panose="05000000000000000000" pitchFamily="2" charset="2"/>
+              </a:rPr>
+              <a:t> </a:t>
+            </a:r>
+            <a:r>
+              <a:rPr lang="de-DE" dirty="0" err="1">
+                <a:sym typeface="Wingdings" panose="05000000000000000000" pitchFamily="2" charset="2"/>
+              </a:rPr>
+              <a:t>is</a:t>
+            </a:r>
+            <a:r>
+              <a:rPr lang="de-DE" dirty="0">
+                <a:sym typeface="Wingdings" panose="05000000000000000000" pitchFamily="2" charset="2"/>
+              </a:rPr>
+              <a:t> not </a:t>
+            </a:r>
+            <a:r>
+              <a:rPr lang="de-DE" dirty="0" err="1">
+                <a:sym typeface="Wingdings" panose="05000000000000000000" pitchFamily="2" charset="2"/>
+              </a:rPr>
+              <a:t>reasonable</a:t>
+            </a:r>
+            <a:endParaRPr lang="de-DE" dirty="0"/>
+          </a:p>
+        </p:txBody>
+      </p:sp>
+      <p:pic>
+        <p:nvPicPr>
+          <p:cNvPr id="9" name="Grafik 8" descr="Ein Bild, das Screenshot, Text, Reihe, Diagramm enthält.&#10;&#10;Automatisch generierte Beschreibung">
+            <a:extLst>
+              <a:ext uri="{FF2B5EF4-FFF2-40B4-BE49-F238E27FC236}">
+                <a16:creationId xmlns:a16="http://schemas.microsoft.com/office/drawing/2014/main" id="{A9232613-3A8B-6870-3DB4-3DA137D96D25}"/>
+              </a:ext>
+            </a:extLst>
+          </p:cNvPr>
+          <p:cNvPicPr>
+            <a:picLocks noChangeAspect="1"/>
+          </p:cNvPicPr>
+          <p:nvPr/>
+        </p:nvPicPr>
+        <p:blipFill>
+          <a:blip r:embed="rId3">
+            <a:extLst>
+              <a:ext uri="{28A0092B-C50C-407E-A947-70E740481C1C}">
+                <a14:useLocalDpi xmlns:a14="http://schemas.microsoft.com/office/drawing/2010/main" val="0"/>
+              </a:ext>
+            </a:extLst>
+          </a:blip>
+          <a:stretch>
+            <a:fillRect/>
+          </a:stretch>
+        </p:blipFill>
+        <p:spPr>
+          <a:xfrm>
+            <a:off x="6698355" y="1474401"/>
+            <a:ext cx="2305372" cy="3905795"/>
+          </a:xfrm>
+          <a:prstGeom prst="rect">
+            <a:avLst/>
+          </a:prstGeom>
+        </p:spPr>
+      </p:pic>
+      <p:pic>
+        <p:nvPicPr>
+          <p:cNvPr id="11" name="Grafik 10" descr="Ein Bild, das Screenshot, Diagramm, Pixel enthält.&#10;&#10;Automatisch generierte Beschreibung">
+            <a:extLst>
+              <a:ext uri="{FF2B5EF4-FFF2-40B4-BE49-F238E27FC236}">
+                <a16:creationId xmlns:a16="http://schemas.microsoft.com/office/drawing/2014/main" id="{187D64D0-D61B-5D68-EE93-656B88E1DA35}"/>
+              </a:ext>
+            </a:extLst>
+          </p:cNvPr>
+          <p:cNvPicPr>
+            <a:picLocks noChangeAspect="1"/>
+          </p:cNvPicPr>
+          <p:nvPr/>
+        </p:nvPicPr>
+        <p:blipFill>
+          <a:blip r:embed="rId4">
+            <a:extLst>
+              <a:ext uri="{28A0092B-C50C-407E-A947-70E740481C1C}">
+                <a14:useLocalDpi xmlns:a14="http://schemas.microsoft.com/office/drawing/2010/main" val="0"/>
+              </a:ext>
+            </a:extLst>
+          </a:blip>
+          <a:stretch>
+            <a:fillRect/>
+          </a:stretch>
+        </p:blipFill>
+        <p:spPr>
+          <a:xfrm>
+            <a:off x="9218156" y="1474402"/>
+            <a:ext cx="2229161" cy="3905795"/>
+          </a:xfrm>
+          <a:prstGeom prst="rect">
+            <a:avLst/>
+          </a:prstGeom>
+        </p:spPr>
+      </p:pic>
     </p:spTree>
     <p:extLst>
       <p:ext uri="{BB962C8B-B14F-4D97-AF65-F5344CB8AC3E}">
@@ -7138,6 +9973,157 @@
   <p:clrMapOvr>
     <a:masterClrMapping/>
   </p:clrMapOvr>
+  <p:timing>
+    <p:tnLst>
+      <p:par>
+        <p:cTn id="1" dur="indefinite" restart="never" nodeType="tmRoot">
+          <p:childTnLst>
+            <p:seq concurrent="1" nextAc="seek">
+              <p:cTn id="2" dur="indefinite" nodeType="mainSeq">
+                <p:childTnLst>
+                  <p:par>
+                    <p:cTn id="3" fill="hold">
+                      <p:stCondLst>
+                        <p:cond delay="indefinite"/>
+                      </p:stCondLst>
+                      <p:childTnLst>
+                        <p:par>
+                          <p:cTn id="4" fill="hold">
+                            <p:stCondLst>
+                              <p:cond delay="0"/>
+                            </p:stCondLst>
+                            <p:childTnLst>
+                              <p:par>
+                                <p:cTn id="5" presetID="1" presetClass="entr" presetSubtype="0" fill="hold" nodeType="clickEffect">
+                                  <p:stCondLst>
+                                    <p:cond delay="0"/>
+                                  </p:stCondLst>
+                                  <p:childTnLst>
+                                    <p:set>
+                                      <p:cBhvr>
+                                        <p:cTn id="6" dur="1" fill="hold">
+                                          <p:stCondLst>
+                                            <p:cond delay="0"/>
+                                          </p:stCondLst>
+                                        </p:cTn>
+                                        <p:tgtEl>
+                                          <p:spTgt spid="11"/>
+                                        </p:tgtEl>
+                                        <p:attrNameLst>
+                                          <p:attrName>style.visibility</p:attrName>
+                                        </p:attrNameLst>
+                                      </p:cBhvr>
+                                      <p:to>
+                                        <p:strVal val="visible"/>
+                                      </p:to>
+                                    </p:set>
+                                  </p:childTnLst>
+                                </p:cTn>
+                              </p:par>
+                              <p:par>
+                                <p:cTn id="7" presetID="1" presetClass="entr" presetSubtype="0" fill="hold" nodeType="withEffect">
+                                  <p:stCondLst>
+                                    <p:cond delay="0"/>
+                                  </p:stCondLst>
+                                  <p:childTnLst>
+                                    <p:set>
+                                      <p:cBhvr>
+                                        <p:cTn id="8" dur="1" fill="hold">
+                                          <p:stCondLst>
+                                            <p:cond delay="0"/>
+                                          </p:stCondLst>
+                                        </p:cTn>
+                                        <p:tgtEl>
+                                          <p:spTgt spid="9"/>
+                                        </p:tgtEl>
+                                        <p:attrNameLst>
+                                          <p:attrName>style.visibility</p:attrName>
+                                        </p:attrNameLst>
+                                      </p:cBhvr>
+                                      <p:to>
+                                        <p:strVal val="visible"/>
+                                      </p:to>
+                                    </p:set>
+                                  </p:childTnLst>
+                                </p:cTn>
+                              </p:par>
+                            </p:childTnLst>
+                          </p:cTn>
+                        </p:par>
+                      </p:childTnLst>
+                    </p:cTn>
+                  </p:par>
+                  <p:par>
+                    <p:cTn id="9" fill="hold">
+                      <p:stCondLst>
+                        <p:cond delay="indefinite"/>
+                      </p:stCondLst>
+                      <p:childTnLst>
+                        <p:par>
+                          <p:cTn id="10" fill="hold">
+                            <p:stCondLst>
+                              <p:cond delay="0"/>
+                            </p:stCondLst>
+                            <p:childTnLst>
+                              <p:par>
+                                <p:cTn id="11" presetID="1" presetClass="entr" presetSubtype="0" fill="hold" nodeType="clickEffect">
+                                  <p:stCondLst>
+                                    <p:cond delay="0"/>
+                                  </p:stCondLst>
+                                  <p:childTnLst>
+                                    <p:set>
+                                      <p:cBhvr>
+                                        <p:cTn id="12" dur="1" fill="hold">
+                                          <p:stCondLst>
+                                            <p:cond delay="0"/>
+                                          </p:stCondLst>
+                                        </p:cTn>
+                                        <p:tgtEl>
+                                          <p:spTgt spid="7">
+                                            <p:txEl>
+                                              <p:pRg st="3" end="3"/>
+                                            </p:txEl>
+                                          </p:spTgt>
+                                        </p:tgtEl>
+                                        <p:attrNameLst>
+                                          <p:attrName>style.visibility</p:attrName>
+                                        </p:attrNameLst>
+                                      </p:cBhvr>
+                                      <p:to>
+                                        <p:strVal val="visible"/>
+                                      </p:to>
+                                    </p:set>
+                                  </p:childTnLst>
+                                </p:cTn>
+                              </p:par>
+                            </p:childTnLst>
+                          </p:cTn>
+                        </p:par>
+                      </p:childTnLst>
+                    </p:cTn>
+                  </p:par>
+                </p:childTnLst>
+              </p:cTn>
+              <p:prevCondLst>
+                <p:cond evt="onPrev" delay="0">
+                  <p:tgtEl>
+                    <p:sldTgt/>
+                  </p:tgtEl>
+                </p:cond>
+              </p:prevCondLst>
+              <p:nextCondLst>
+                <p:cond evt="onNext" delay="0">
+                  <p:tgtEl>
+                    <p:sldTgt/>
+                  </p:tgtEl>
+                </p:cond>
+              </p:nextCondLst>
+            </p:seq>
+          </p:childTnLst>
+        </p:cTn>
+      </p:par>
+    </p:tnLst>
+  </p:timing>
 </p:sld>
 </file>
 
@@ -7238,7 +10224,7 @@
           <p:nvPr/>
         </p:nvPicPr>
         <p:blipFill>
-          <a:blip r:embed="rId2">
+          <a:blip r:embed="rId3">
             <a:extLst>
               <a:ext uri="{28A0092B-C50C-407E-A947-70E740481C1C}">
                 <a14:useLocalDpi xmlns:a14="http://schemas.microsoft.com/office/drawing/2010/main" val="0"/>
@@ -7295,6 +10281,254 @@
           </a:p>
         </p:txBody>
       </p:sp>
+      <p:sp>
+        <p:nvSpPr>
+          <p:cNvPr id="3" name="Textfeld 2">
+            <a:extLst>
+              <a:ext uri="{FF2B5EF4-FFF2-40B4-BE49-F238E27FC236}">
+                <a16:creationId xmlns:a16="http://schemas.microsoft.com/office/drawing/2014/main" id="{7B6D364D-5056-CE2E-E0D7-CD85FA65662E}"/>
+              </a:ext>
+            </a:extLst>
+          </p:cNvPr>
+          <p:cNvSpPr txBox="1"/>
+          <p:nvPr/>
+        </p:nvSpPr>
+        <p:spPr>
+          <a:xfrm>
+            <a:off x="1288472" y="1965960"/>
+            <a:ext cx="4114801" cy="2957861"/>
+          </a:xfrm>
+          <a:prstGeom prst="rect">
+            <a:avLst/>
+          </a:prstGeom>
+          <a:noFill/>
+        </p:spPr>
+        <p:txBody>
+          <a:bodyPr wrap="square" rtlCol="0">
+            <a:spAutoFit/>
+          </a:bodyPr>
+          <a:lstStyle/>
+          <a:p>
+            <a:pPr marL="285750" indent="-285750">
+              <a:lnSpc>
+                <a:spcPct val="150000"/>
+              </a:lnSpc>
+              <a:buFont typeface="Wingdings" panose="05000000000000000000" pitchFamily="2" charset="2"/>
+              <a:buChar char="§"/>
+            </a:pPr>
+            <a:r>
+              <a:rPr lang="de-DE" dirty="0" err="1"/>
+              <a:t>Developed</a:t>
+            </a:r>
+            <a:r>
+              <a:rPr lang="de-DE" dirty="0"/>
+              <a:t> </a:t>
+            </a:r>
+            <a:r>
+              <a:rPr lang="de-DE" dirty="0" err="1"/>
+              <a:t>by</a:t>
+            </a:r>
+            <a:r>
+              <a:rPr lang="de-DE" dirty="0"/>
+              <a:t> </a:t>
+            </a:r>
+            <a:r>
+              <a:rPr lang="de-DE" dirty="0" err="1"/>
+              <a:t>the</a:t>
+            </a:r>
+            <a:r>
+              <a:rPr lang="de-DE" dirty="0"/>
+              <a:t> University </a:t>
+            </a:r>
+            <a:r>
+              <a:rPr lang="de-DE" dirty="0" err="1"/>
+              <a:t>of</a:t>
+            </a:r>
+            <a:r>
+              <a:rPr lang="de-DE" dirty="0"/>
+              <a:t> Oxford in 2014 (</a:t>
+            </a:r>
+            <a:r>
+              <a:rPr lang="de-DE" dirty="0" err="1"/>
+              <a:t>Simonyan</a:t>
+            </a:r>
+            <a:r>
+              <a:rPr lang="de-DE" dirty="0"/>
+              <a:t> &amp; </a:t>
+            </a:r>
+            <a:r>
+              <a:rPr lang="de-DE" dirty="0" err="1"/>
+              <a:t>Zisserman</a:t>
+            </a:r>
+            <a:r>
+              <a:rPr lang="de-DE" dirty="0"/>
+              <a:t>)</a:t>
+            </a:r>
+          </a:p>
+          <a:p>
+            <a:pPr marL="285750" indent="-285750">
+              <a:lnSpc>
+                <a:spcPct val="150000"/>
+              </a:lnSpc>
+              <a:buFont typeface="Wingdings" panose="05000000000000000000" pitchFamily="2" charset="2"/>
+              <a:buChar char="§"/>
+            </a:pPr>
+            <a:r>
+              <a:rPr lang="de-DE" dirty="0"/>
+              <a:t>Very </a:t>
+            </a:r>
+            <a:r>
+              <a:rPr lang="de-DE" dirty="0" err="1"/>
+              <a:t>deep</a:t>
+            </a:r>
+            <a:r>
+              <a:rPr lang="de-DE" dirty="0"/>
+              <a:t> CNN </a:t>
+            </a:r>
+            <a:r>
+              <a:rPr lang="de-DE" dirty="0" err="1"/>
+              <a:t>with</a:t>
+            </a:r>
+            <a:r>
+              <a:rPr lang="de-DE" dirty="0"/>
+              <a:t> </a:t>
+            </a:r>
+            <a:r>
+              <a:rPr lang="de-DE" dirty="0" err="1"/>
+              <a:t>more</a:t>
+            </a:r>
+            <a:r>
+              <a:rPr lang="de-DE" dirty="0"/>
+              <a:t> </a:t>
+            </a:r>
+            <a:r>
+              <a:rPr lang="de-DE" dirty="0" err="1"/>
+              <a:t>layers</a:t>
+            </a:r>
+            <a:endParaRPr lang="de-DE" dirty="0"/>
+          </a:p>
+          <a:p>
+            <a:pPr marL="285750" indent="-285750">
+              <a:lnSpc>
+                <a:spcPct val="150000"/>
+              </a:lnSpc>
+              <a:buFont typeface="Wingdings" panose="05000000000000000000" pitchFamily="2" charset="2"/>
+              <a:buChar char="§"/>
+            </a:pPr>
+            <a:r>
+              <a:rPr lang="de-DE" dirty="0"/>
+              <a:t>Small </a:t>
+            </a:r>
+            <a:r>
+              <a:rPr lang="de-DE" dirty="0" err="1"/>
+              <a:t>convolution</a:t>
+            </a:r>
+            <a:r>
+              <a:rPr lang="de-DE" dirty="0"/>
+              <a:t> </a:t>
+            </a:r>
+            <a:r>
+              <a:rPr lang="de-DE" dirty="0" err="1"/>
+              <a:t>filters</a:t>
+            </a:r>
+            <a:r>
+              <a:rPr lang="de-DE" dirty="0"/>
+              <a:t> </a:t>
+            </a:r>
+            <a:r>
+              <a:rPr lang="de-DE" dirty="0" err="1"/>
+              <a:t>with</a:t>
+            </a:r>
+            <a:r>
+              <a:rPr lang="de-DE" dirty="0"/>
+              <a:t> </a:t>
+            </a:r>
+            <a:r>
+              <a:rPr lang="de-DE" dirty="0" err="1"/>
+              <a:t>size</a:t>
+            </a:r>
+            <a:r>
+              <a:rPr lang="de-DE" dirty="0"/>
+              <a:t> 3x3</a:t>
+            </a:r>
+          </a:p>
+          <a:p>
+            <a:pPr marL="285750" indent="-285750">
+              <a:lnSpc>
+                <a:spcPct val="150000"/>
+              </a:lnSpc>
+              <a:buFont typeface="Wingdings" panose="05000000000000000000" pitchFamily="2" charset="2"/>
+              <a:buChar char="§"/>
+            </a:pPr>
+            <a:r>
+              <a:rPr lang="de-DE" dirty="0" err="1"/>
+              <a:t>Layers</a:t>
+            </a:r>
+            <a:r>
+              <a:rPr lang="de-DE" dirty="0"/>
+              <a:t>: 16 </a:t>
+            </a:r>
+            <a:r>
+              <a:rPr lang="de-DE" dirty="0" err="1"/>
+              <a:t>Convs</a:t>
+            </a:r>
+            <a:r>
+              <a:rPr lang="de-DE" dirty="0"/>
+              <a:t>, 3 </a:t>
+            </a:r>
+            <a:r>
+              <a:rPr lang="de-DE" dirty="0" err="1"/>
+              <a:t>dense</a:t>
+            </a:r>
+            <a:r>
+              <a:rPr lang="de-DE" dirty="0"/>
+              <a:t>, 5 </a:t>
+            </a:r>
+            <a:r>
+              <a:rPr lang="de-DE" dirty="0" err="1"/>
+              <a:t>max</a:t>
+            </a:r>
+            <a:r>
+              <a:rPr lang="de-DE" dirty="0"/>
+              <a:t> pool</a:t>
+            </a:r>
+          </a:p>
+          <a:p>
+            <a:pPr marL="285750" indent="-285750">
+              <a:lnSpc>
+                <a:spcPct val="150000"/>
+              </a:lnSpc>
+              <a:buFont typeface="Wingdings" panose="05000000000000000000" pitchFamily="2" charset="2"/>
+              <a:buChar char="§"/>
+            </a:pPr>
+            <a:r>
+              <a:rPr lang="de-DE" dirty="0"/>
+              <a:t>Parameters: 143 M</a:t>
+            </a:r>
+          </a:p>
+          <a:p>
+            <a:pPr marL="285750" indent="-285750">
+              <a:lnSpc>
+                <a:spcPct val="150000"/>
+              </a:lnSpc>
+              <a:buFont typeface="Wingdings" panose="05000000000000000000" pitchFamily="2" charset="2"/>
+              <a:buChar char="§"/>
+            </a:pPr>
+            <a:r>
+              <a:rPr lang="de-DE" dirty="0"/>
+              <a:t>Top-1 </a:t>
+            </a:r>
+            <a:r>
+              <a:rPr lang="de-DE" dirty="0" err="1"/>
+              <a:t>Accuracy</a:t>
+            </a:r>
+            <a:r>
+              <a:rPr lang="de-DE" dirty="0"/>
+              <a:t>: 74,4 %</a:t>
+            </a:r>
+          </a:p>
+        </p:txBody>
+      </p:sp>
     </p:spTree>
     <p:extLst>
       <p:ext uri="{BB962C8B-B14F-4D97-AF65-F5344CB8AC3E}">
@@ -7305,6 +10539,263 @@
   <p:clrMapOvr>
     <a:masterClrMapping/>
   </p:clrMapOvr>
+  <p:timing>
+    <p:tnLst>
+      <p:par>
+        <p:cTn id="1" dur="indefinite" restart="never" nodeType="tmRoot">
+          <p:childTnLst>
+            <p:seq concurrent="1" nextAc="seek">
+              <p:cTn id="2" dur="indefinite" nodeType="mainSeq">
+                <p:childTnLst>
+                  <p:par>
+                    <p:cTn id="3" fill="hold">
+                      <p:stCondLst>
+                        <p:cond delay="indefinite"/>
+                      </p:stCondLst>
+                      <p:childTnLst>
+                        <p:par>
+                          <p:cTn id="4" fill="hold">
+                            <p:stCondLst>
+                              <p:cond delay="0"/>
+                            </p:stCondLst>
+                            <p:childTnLst>
+                              <p:par>
+                                <p:cTn id="5" presetID="1" presetClass="entr" presetSubtype="0" fill="hold" nodeType="clickEffect">
+                                  <p:stCondLst>
+                                    <p:cond delay="0"/>
+                                  </p:stCondLst>
+                                  <p:childTnLst>
+                                    <p:set>
+                                      <p:cBhvr>
+                                        <p:cTn id="6" dur="1" fill="hold">
+                                          <p:stCondLst>
+                                            <p:cond delay="0"/>
+                                          </p:stCondLst>
+                                        </p:cTn>
+                                        <p:tgtEl>
+                                          <p:spTgt spid="3">
+                                            <p:txEl>
+                                              <p:pRg st="1" end="1"/>
+                                            </p:txEl>
+                                          </p:spTgt>
+                                        </p:tgtEl>
+                                        <p:attrNameLst>
+                                          <p:attrName>style.visibility</p:attrName>
+                                        </p:attrNameLst>
+                                      </p:cBhvr>
+                                      <p:to>
+                                        <p:strVal val="visible"/>
+                                      </p:to>
+                                    </p:set>
+                                  </p:childTnLst>
+                                </p:cTn>
+                              </p:par>
+                            </p:childTnLst>
+                          </p:cTn>
+                        </p:par>
+                      </p:childTnLst>
+                    </p:cTn>
+                  </p:par>
+                  <p:par>
+                    <p:cTn id="7" fill="hold">
+                      <p:stCondLst>
+                        <p:cond delay="indefinite"/>
+                      </p:stCondLst>
+                      <p:childTnLst>
+                        <p:par>
+                          <p:cTn id="8" fill="hold">
+                            <p:stCondLst>
+                              <p:cond delay="0"/>
+                            </p:stCondLst>
+                            <p:childTnLst>
+                              <p:par>
+                                <p:cTn id="9" presetID="1" presetClass="entr" presetSubtype="0" fill="hold" nodeType="clickEffect">
+                                  <p:stCondLst>
+                                    <p:cond delay="0"/>
+                                  </p:stCondLst>
+                                  <p:childTnLst>
+                                    <p:set>
+                                      <p:cBhvr>
+                                        <p:cTn id="10" dur="1" fill="hold">
+                                          <p:stCondLst>
+                                            <p:cond delay="0"/>
+                                          </p:stCondLst>
+                                        </p:cTn>
+                                        <p:tgtEl>
+                                          <p:spTgt spid="3">
+                                            <p:txEl>
+                                              <p:pRg st="2" end="2"/>
+                                            </p:txEl>
+                                          </p:spTgt>
+                                        </p:tgtEl>
+                                        <p:attrNameLst>
+                                          <p:attrName>style.visibility</p:attrName>
+                                        </p:attrNameLst>
+                                      </p:cBhvr>
+                                      <p:to>
+                                        <p:strVal val="visible"/>
+                                      </p:to>
+                                    </p:set>
+                                  </p:childTnLst>
+                                </p:cTn>
+                              </p:par>
+                            </p:childTnLst>
+                          </p:cTn>
+                        </p:par>
+                      </p:childTnLst>
+                    </p:cTn>
+                  </p:par>
+                  <p:par>
+                    <p:cTn id="11" fill="hold">
+                      <p:stCondLst>
+                        <p:cond delay="indefinite"/>
+                      </p:stCondLst>
+                      <p:childTnLst>
+                        <p:par>
+                          <p:cTn id="12" fill="hold">
+                            <p:stCondLst>
+                              <p:cond delay="0"/>
+                            </p:stCondLst>
+                            <p:childTnLst>
+                              <p:par>
+                                <p:cTn id="13" presetID="1" presetClass="entr" presetSubtype="0" fill="hold" nodeType="clickEffect">
+                                  <p:stCondLst>
+                                    <p:cond delay="0"/>
+                                  </p:stCondLst>
+                                  <p:childTnLst>
+                                    <p:set>
+                                      <p:cBhvr>
+                                        <p:cTn id="14" dur="1" fill="hold">
+                                          <p:stCondLst>
+                                            <p:cond delay="0"/>
+                                          </p:stCondLst>
+                                        </p:cTn>
+                                        <p:tgtEl>
+                                          <p:spTgt spid="3">
+                                            <p:txEl>
+                                              <p:pRg st="3" end="3"/>
+                                            </p:txEl>
+                                          </p:spTgt>
+                                        </p:tgtEl>
+                                        <p:attrNameLst>
+                                          <p:attrName>style.visibility</p:attrName>
+                                        </p:attrNameLst>
+                                      </p:cBhvr>
+                                      <p:to>
+                                        <p:strVal val="visible"/>
+                                      </p:to>
+                                    </p:set>
+                                  </p:childTnLst>
+                                </p:cTn>
+                              </p:par>
+                            </p:childTnLst>
+                          </p:cTn>
+                        </p:par>
+                      </p:childTnLst>
+                    </p:cTn>
+                  </p:par>
+                  <p:par>
+                    <p:cTn id="15" fill="hold">
+                      <p:stCondLst>
+                        <p:cond delay="indefinite"/>
+                      </p:stCondLst>
+                      <p:childTnLst>
+                        <p:par>
+                          <p:cTn id="16" fill="hold">
+                            <p:stCondLst>
+                              <p:cond delay="0"/>
+                            </p:stCondLst>
+                            <p:childTnLst>
+                              <p:par>
+                                <p:cTn id="17" presetID="1" presetClass="entr" presetSubtype="0" fill="hold" nodeType="clickEffect">
+                                  <p:stCondLst>
+                                    <p:cond delay="0"/>
+                                  </p:stCondLst>
+                                  <p:childTnLst>
+                                    <p:set>
+                                      <p:cBhvr>
+                                        <p:cTn id="18" dur="1" fill="hold">
+                                          <p:stCondLst>
+                                            <p:cond delay="0"/>
+                                          </p:stCondLst>
+                                        </p:cTn>
+                                        <p:tgtEl>
+                                          <p:spTgt spid="3">
+                                            <p:txEl>
+                                              <p:pRg st="4" end="4"/>
+                                            </p:txEl>
+                                          </p:spTgt>
+                                        </p:tgtEl>
+                                        <p:attrNameLst>
+                                          <p:attrName>style.visibility</p:attrName>
+                                        </p:attrNameLst>
+                                      </p:cBhvr>
+                                      <p:to>
+                                        <p:strVal val="visible"/>
+                                      </p:to>
+                                    </p:set>
+                                  </p:childTnLst>
+                                </p:cTn>
+                              </p:par>
+                              <p:par>
+                                <p:cTn id="19" presetID="1" presetClass="entr" presetSubtype="0" fill="hold" nodeType="withEffect">
+                                  <p:stCondLst>
+                                    <p:cond delay="0"/>
+                                  </p:stCondLst>
+                                  <p:childTnLst>
+                                    <p:set>
+                                      <p:cBhvr>
+                                        <p:cTn id="20" dur="1" fill="hold">
+                                          <p:stCondLst>
+                                            <p:cond delay="0"/>
+                                          </p:stCondLst>
+                                        </p:cTn>
+                                        <p:tgtEl>
+                                          <p:spTgt spid="3">
+                                            <p:txEl>
+                                              <p:pRg st="5" end="5"/>
+                                            </p:txEl>
+                                          </p:spTgt>
+                                        </p:tgtEl>
+                                        <p:attrNameLst>
+                                          <p:attrName>style.visibility</p:attrName>
+                                        </p:attrNameLst>
+                                      </p:cBhvr>
+                                      <p:to>
+                                        <p:strVal val="visible"/>
+                                      </p:to>
+                                    </p:set>
+                                  </p:childTnLst>
+                                </p:cTn>
+                              </p:par>
+                            </p:childTnLst>
+                          </p:cTn>
+                        </p:par>
+                      </p:childTnLst>
+                    </p:cTn>
+                  </p:par>
+                </p:childTnLst>
+              </p:cTn>
+              <p:prevCondLst>
+                <p:cond evt="onPrev" delay="0">
+                  <p:tgtEl>
+                    <p:sldTgt/>
+                  </p:tgtEl>
+                </p:cond>
+              </p:prevCondLst>
+              <p:nextCondLst>
+                <p:cond evt="onNext" delay="0">
+                  <p:tgtEl>
+                    <p:sldTgt/>
+                  </p:tgtEl>
+                </p:cond>
+              </p:nextCondLst>
+            </p:seq>
+          </p:childTnLst>
+        </p:cTn>
+      </p:par>
+    </p:tnLst>
+  </p:timing>
 </p:sld>
 </file>
 
@@ -7384,10 +10875,10 @@
       </p:sp>
       <p:pic>
         <p:nvPicPr>
-          <p:cNvPr id="6" name="Grafik 5">
+          <p:cNvPr id="7" name="Grafik 6">
             <a:extLst>
               <a:ext uri="{FF2B5EF4-FFF2-40B4-BE49-F238E27FC236}">
-                <a16:creationId xmlns:a16="http://schemas.microsoft.com/office/drawing/2014/main" id="{1EA63391-20BE-33E4-7915-FCA9D4D509D7}"/>
+                <a16:creationId xmlns:a16="http://schemas.microsoft.com/office/drawing/2014/main" id="{C06D86E0-10DC-F536-5D6E-7E94877CA70D}"/>
               </a:ext>
             </a:extLst>
           </p:cNvPr>
@@ -7397,21 +10888,293 @@
           <p:nvPr/>
         </p:nvPicPr>
         <p:blipFill>
-          <a:blip r:embed="rId2"/>
+          <a:blip r:embed="rId3"/>
           <a:stretch>
             <a:fillRect/>
           </a:stretch>
         </p:blipFill>
         <p:spPr>
           <a:xfrm>
-            <a:off x="6080760" y="2434590"/>
-            <a:ext cx="5620512" cy="2194560"/>
+            <a:off x="6513195" y="1687223"/>
+            <a:ext cx="4505325" cy="4314825"/>
           </a:xfrm>
           <a:prstGeom prst="rect">
             <a:avLst/>
           </a:prstGeom>
         </p:spPr>
       </p:pic>
+      <p:sp>
+        <p:nvSpPr>
+          <p:cNvPr id="8" name="Textfeld 7">
+            <a:extLst>
+              <a:ext uri="{FF2B5EF4-FFF2-40B4-BE49-F238E27FC236}">
+                <a16:creationId xmlns:a16="http://schemas.microsoft.com/office/drawing/2014/main" id="{E8A7E5FD-E048-8B38-DB22-EABFB60718C3}"/>
+              </a:ext>
+            </a:extLst>
+          </p:cNvPr>
+          <p:cNvSpPr txBox="1"/>
+          <p:nvPr/>
+        </p:nvSpPr>
+        <p:spPr>
+          <a:xfrm>
+            <a:off x="1704109" y="2189017"/>
+            <a:ext cx="3283528" cy="646331"/>
+          </a:xfrm>
+          <a:prstGeom prst="rect">
+            <a:avLst/>
+          </a:prstGeom>
+          <a:noFill/>
+        </p:spPr>
+        <p:txBody>
+          <a:bodyPr wrap="square" rtlCol="0">
+            <a:spAutoFit/>
+          </a:bodyPr>
+          <a:lstStyle/>
+          <a:p>
+            <a:r>
+              <a:rPr lang="de-DE" dirty="0"/>
+              <a:t>Freezing </a:t>
+            </a:r>
+            <a:r>
+              <a:rPr lang="de-DE" dirty="0" err="1"/>
+              <a:t>the</a:t>
+            </a:r>
+            <a:r>
+              <a:rPr lang="de-DE" dirty="0"/>
+              <a:t> </a:t>
+            </a:r>
+            <a:r>
+              <a:rPr lang="de-DE" dirty="0" err="1"/>
+              <a:t>weights</a:t>
+            </a:r>
+            <a:r>
+              <a:rPr lang="de-DE" dirty="0"/>
+              <a:t> after </a:t>
+            </a:r>
+            <a:r>
+              <a:rPr lang="de-DE" dirty="0" err="1"/>
+              <a:t>the</a:t>
+            </a:r>
+            <a:r>
+              <a:rPr lang="de-DE" dirty="0"/>
+              <a:t> 5th </a:t>
+            </a:r>
+            <a:r>
+              <a:rPr lang="de-DE" dirty="0" err="1"/>
+              <a:t>pooling</a:t>
+            </a:r>
+            <a:r>
+              <a:rPr lang="de-DE" dirty="0"/>
+              <a:t> </a:t>
+            </a:r>
+            <a:r>
+              <a:rPr lang="de-DE" dirty="0" err="1"/>
+              <a:t>layer</a:t>
+            </a:r>
+            <a:endParaRPr lang="de-DE" dirty="0"/>
+          </a:p>
+        </p:txBody>
+      </p:sp>
+      <p:sp>
+        <p:nvSpPr>
+          <p:cNvPr id="9" name="Pfeil: nach rechts 8">
+            <a:extLst>
+              <a:ext uri="{FF2B5EF4-FFF2-40B4-BE49-F238E27FC236}">
+                <a16:creationId xmlns:a16="http://schemas.microsoft.com/office/drawing/2014/main" id="{C2F0A5C6-C7E6-5BB3-E183-0AFEBE15DEE5}"/>
+              </a:ext>
+            </a:extLst>
+          </p:cNvPr>
+          <p:cNvSpPr/>
+          <p:nvPr/>
+        </p:nvSpPr>
+        <p:spPr>
+          <a:xfrm>
+            <a:off x="5334000" y="2352854"/>
+            <a:ext cx="665018" cy="318655"/>
+          </a:xfrm>
+          <a:prstGeom prst="rightArrow">
+            <a:avLst/>
+          </a:prstGeom>
+        </p:spPr>
+        <p:style>
+          <a:lnRef idx="2">
+            <a:schemeClr val="accent1">
+              <a:shade val="15000"/>
+            </a:schemeClr>
+          </a:lnRef>
+          <a:fillRef idx="1">
+            <a:schemeClr val="accent1"/>
+          </a:fillRef>
+          <a:effectRef idx="0">
+            <a:schemeClr val="accent1"/>
+          </a:effectRef>
+          <a:fontRef idx="minor">
+            <a:schemeClr val="lt1"/>
+          </a:fontRef>
+        </p:style>
+        <p:txBody>
+          <a:bodyPr rtlCol="0" anchor="ctr"/>
+          <a:lstStyle/>
+          <a:p>
+            <a:pPr algn="ctr"/>
+            <a:endParaRPr lang="de-DE"/>
+          </a:p>
+        </p:txBody>
+      </p:sp>
+      <p:sp>
+        <p:nvSpPr>
+          <p:cNvPr id="10" name="Textfeld 9">
+            <a:extLst>
+              <a:ext uri="{FF2B5EF4-FFF2-40B4-BE49-F238E27FC236}">
+                <a16:creationId xmlns:a16="http://schemas.microsoft.com/office/drawing/2014/main" id="{DA667385-1E0B-688B-7EFC-47B8CC28305E}"/>
+              </a:ext>
+            </a:extLst>
+          </p:cNvPr>
+          <p:cNvSpPr txBox="1"/>
+          <p:nvPr/>
+        </p:nvSpPr>
+        <p:spPr>
+          <a:xfrm>
+            <a:off x="1704109" y="4291782"/>
+            <a:ext cx="3283528" cy="646331"/>
+          </a:xfrm>
+          <a:prstGeom prst="rect">
+            <a:avLst/>
+          </a:prstGeom>
+          <a:noFill/>
+        </p:spPr>
+        <p:txBody>
+          <a:bodyPr wrap="square" rtlCol="0">
+            <a:spAutoFit/>
+          </a:bodyPr>
+          <a:lstStyle/>
+          <a:p>
+            <a:r>
+              <a:rPr lang="de-DE" dirty="0" err="1"/>
+              <a:t>Using</a:t>
+            </a:r>
+            <a:r>
+              <a:rPr lang="de-DE" dirty="0"/>
+              <a:t> </a:t>
+            </a:r>
+            <a:r>
+              <a:rPr lang="de-DE" dirty="0" err="1"/>
+              <a:t>the</a:t>
+            </a:r>
+            <a:r>
+              <a:rPr lang="de-DE" dirty="0"/>
+              <a:t> </a:t>
+            </a:r>
+            <a:r>
+              <a:rPr lang="de-DE" dirty="0" err="1"/>
+              <a:t>pooling</a:t>
+            </a:r>
+            <a:r>
+              <a:rPr lang="de-DE" dirty="0"/>
+              <a:t> </a:t>
+            </a:r>
+            <a:r>
+              <a:rPr lang="de-DE" dirty="0" err="1"/>
+              <a:t>layer</a:t>
+            </a:r>
+            <a:r>
+              <a:rPr lang="de-DE" dirty="0"/>
+              <a:t> </a:t>
+            </a:r>
+            <a:r>
+              <a:rPr lang="de-DE" dirty="0" err="1"/>
+              <a:t>as</a:t>
+            </a:r>
+            <a:r>
+              <a:rPr lang="de-DE" dirty="0"/>
+              <a:t> </a:t>
+            </a:r>
+            <a:r>
+              <a:rPr lang="de-DE" dirty="0" err="1"/>
+              <a:t>input</a:t>
+            </a:r>
+            <a:r>
+              <a:rPr lang="de-DE" dirty="0"/>
+              <a:t> </a:t>
+            </a:r>
+            <a:r>
+              <a:rPr lang="de-DE" dirty="0" err="1"/>
+              <a:t>for</a:t>
+            </a:r>
+            <a:r>
+              <a:rPr lang="de-DE" dirty="0"/>
+              <a:t> </a:t>
+            </a:r>
+            <a:r>
+              <a:rPr lang="de-DE" dirty="0" err="1"/>
+              <a:t>the</a:t>
+            </a:r>
+            <a:r>
+              <a:rPr lang="de-DE" dirty="0"/>
+              <a:t> </a:t>
+            </a:r>
+            <a:r>
+              <a:rPr lang="de-DE" dirty="0" err="1"/>
+              <a:t>flattened</a:t>
+            </a:r>
+            <a:r>
+              <a:rPr lang="de-DE" dirty="0"/>
+              <a:t> </a:t>
+            </a:r>
+            <a:r>
+              <a:rPr lang="de-DE" dirty="0" err="1"/>
+              <a:t>layer</a:t>
+            </a:r>
+            <a:endParaRPr lang="de-DE" dirty="0"/>
+          </a:p>
+        </p:txBody>
+      </p:sp>
+      <p:sp>
+        <p:nvSpPr>
+          <p:cNvPr id="11" name="Pfeil: nach rechts 10">
+            <a:extLst>
+              <a:ext uri="{FF2B5EF4-FFF2-40B4-BE49-F238E27FC236}">
+                <a16:creationId xmlns:a16="http://schemas.microsoft.com/office/drawing/2014/main" id="{6225963E-8A3E-2A46-7A17-600C20692E93}"/>
+              </a:ext>
+            </a:extLst>
+          </p:cNvPr>
+          <p:cNvSpPr/>
+          <p:nvPr/>
+        </p:nvSpPr>
+        <p:spPr>
+          <a:xfrm>
+            <a:off x="5286290" y="4455619"/>
+            <a:ext cx="665018" cy="318655"/>
+          </a:xfrm>
+          <a:prstGeom prst="rightArrow">
+            <a:avLst/>
+          </a:prstGeom>
+        </p:spPr>
+        <p:style>
+          <a:lnRef idx="2">
+            <a:schemeClr val="accent1">
+              <a:shade val="15000"/>
+            </a:schemeClr>
+          </a:lnRef>
+          <a:fillRef idx="1">
+            <a:schemeClr val="accent1"/>
+          </a:fillRef>
+          <a:effectRef idx="0">
+            <a:schemeClr val="accent1"/>
+          </a:effectRef>
+          <a:fontRef idx="minor">
+            <a:schemeClr val="lt1"/>
+          </a:fontRef>
+        </p:style>
+        <p:txBody>
+          <a:bodyPr rtlCol="0" anchor="ctr"/>
+          <a:lstStyle/>
+          <a:p>
+            <a:pPr algn="ctr"/>
+            <a:endParaRPr lang="de-DE"/>
+          </a:p>
+        </p:txBody>
+      </p:sp>
     </p:spTree>
     <p:extLst>
       <p:ext uri="{BB962C8B-B14F-4D97-AF65-F5344CB8AC3E}">
@@ -7422,6 +11185,186 @@
   <p:clrMapOvr>
     <a:masterClrMapping/>
   </p:clrMapOvr>
+  <p:timing>
+    <p:tnLst>
+      <p:par>
+        <p:cTn id="1" dur="indefinite" restart="never" nodeType="tmRoot">
+          <p:childTnLst>
+            <p:seq concurrent="1" nextAc="seek">
+              <p:cTn id="2" dur="indefinite" nodeType="mainSeq">
+                <p:childTnLst>
+                  <p:par>
+                    <p:cTn id="3" fill="hold">
+                      <p:stCondLst>
+                        <p:cond delay="indefinite"/>
+                      </p:stCondLst>
+                      <p:childTnLst>
+                        <p:par>
+                          <p:cTn id="4" fill="hold">
+                            <p:stCondLst>
+                              <p:cond delay="0"/>
+                            </p:stCondLst>
+                            <p:childTnLst>
+                              <p:par>
+                                <p:cTn id="5" presetID="1" presetClass="entr" presetSubtype="0" fill="hold" grpId="0" nodeType="clickEffect">
+                                  <p:stCondLst>
+                                    <p:cond delay="0"/>
+                                  </p:stCondLst>
+                                  <p:childTnLst>
+                                    <p:set>
+                                      <p:cBhvr>
+                                        <p:cTn id="6" dur="1" fill="hold">
+                                          <p:stCondLst>
+                                            <p:cond delay="0"/>
+                                          </p:stCondLst>
+                                        </p:cTn>
+                                        <p:tgtEl>
+                                          <p:spTgt spid="8"/>
+                                        </p:tgtEl>
+                                        <p:attrNameLst>
+                                          <p:attrName>style.visibility</p:attrName>
+                                        </p:attrNameLst>
+                                      </p:cBhvr>
+                                      <p:to>
+                                        <p:strVal val="visible"/>
+                                      </p:to>
+                                    </p:set>
+                                  </p:childTnLst>
+                                </p:cTn>
+                              </p:par>
+                              <p:par>
+                                <p:cTn id="7" presetID="1" presetClass="entr" presetSubtype="0" fill="hold" grpId="0" nodeType="withEffect">
+                                  <p:stCondLst>
+                                    <p:cond delay="0"/>
+                                  </p:stCondLst>
+                                  <p:childTnLst>
+                                    <p:set>
+                                      <p:cBhvr>
+                                        <p:cTn id="8" dur="1" fill="hold">
+                                          <p:stCondLst>
+                                            <p:cond delay="0"/>
+                                          </p:stCondLst>
+                                        </p:cTn>
+                                        <p:tgtEl>
+                                          <p:spTgt spid="9"/>
+                                        </p:tgtEl>
+                                        <p:attrNameLst>
+                                          <p:attrName>style.visibility</p:attrName>
+                                        </p:attrNameLst>
+                                      </p:cBhvr>
+                                      <p:to>
+                                        <p:strVal val="visible"/>
+                                      </p:to>
+                                    </p:set>
+                                  </p:childTnLst>
+                                </p:cTn>
+                              </p:par>
+                            </p:childTnLst>
+                          </p:cTn>
+                        </p:par>
+                      </p:childTnLst>
+                    </p:cTn>
+                  </p:par>
+                  <p:par>
+                    <p:cTn id="9" fill="hold">
+                      <p:stCondLst>
+                        <p:cond delay="indefinite"/>
+                      </p:stCondLst>
+                      <p:childTnLst>
+                        <p:par>
+                          <p:cTn id="10" fill="hold">
+                            <p:stCondLst>
+                              <p:cond delay="0"/>
+                            </p:stCondLst>
+                            <p:childTnLst>
+                              <p:par>
+                                <p:cTn id="11" presetID="1" presetClass="entr" presetSubtype="0" fill="hold" grpId="0" nodeType="clickEffect">
+                                  <p:stCondLst>
+                                    <p:cond delay="0"/>
+                                  </p:stCondLst>
+                                  <p:childTnLst>
+                                    <p:set>
+                                      <p:cBhvr>
+                                        <p:cTn id="12" dur="1" fill="hold">
+                                          <p:stCondLst>
+                                            <p:cond delay="0"/>
+                                          </p:stCondLst>
+                                        </p:cTn>
+                                        <p:tgtEl>
+                                          <p:spTgt spid="10"/>
+                                        </p:tgtEl>
+                                        <p:attrNameLst>
+                                          <p:attrName>style.visibility</p:attrName>
+                                        </p:attrNameLst>
+                                      </p:cBhvr>
+                                      <p:to>
+                                        <p:strVal val="visible"/>
+                                      </p:to>
+                                    </p:set>
+                                  </p:childTnLst>
+                                </p:cTn>
+                              </p:par>
+                              <p:par>
+                                <p:cTn id="13" presetID="1" presetClass="entr" presetSubtype="0" fill="hold" grpId="0" nodeType="withEffect">
+                                  <p:stCondLst>
+                                    <p:cond delay="0"/>
+                                  </p:stCondLst>
+                                  <p:childTnLst>
+                                    <p:set>
+                                      <p:cBhvr>
+                                        <p:cTn id="14" dur="1" fill="hold">
+                                          <p:stCondLst>
+                                            <p:cond delay="0"/>
+                                          </p:stCondLst>
+                                        </p:cTn>
+                                        <p:tgtEl>
+                                          <p:spTgt spid="11"/>
+                                        </p:tgtEl>
+                                        <p:attrNameLst>
+                                          <p:attrName>style.visibility</p:attrName>
+                                        </p:attrNameLst>
+                                      </p:cBhvr>
+                                      <p:to>
+                                        <p:strVal val="visible"/>
+                                      </p:to>
+                                    </p:set>
+                                  </p:childTnLst>
+                                </p:cTn>
+                              </p:par>
+                            </p:childTnLst>
+                          </p:cTn>
+                        </p:par>
+                      </p:childTnLst>
+                    </p:cTn>
+                  </p:par>
+                </p:childTnLst>
+              </p:cTn>
+              <p:prevCondLst>
+                <p:cond evt="onPrev" delay="0">
+                  <p:tgtEl>
+                    <p:sldTgt/>
+                  </p:tgtEl>
+                </p:cond>
+              </p:prevCondLst>
+              <p:nextCondLst>
+                <p:cond evt="onNext" delay="0">
+                  <p:tgtEl>
+                    <p:sldTgt/>
+                  </p:tgtEl>
+                </p:cond>
+              </p:nextCondLst>
+            </p:seq>
+          </p:childTnLst>
+        </p:cTn>
+      </p:par>
+    </p:tnLst>
+    <p:bldLst>
+      <p:bldP spid="8" grpId="0"/>
+      <p:bldP spid="9" grpId="0" animBg="1"/>
+      <p:bldP spid="10" grpId="0"/>
+      <p:bldP spid="11" grpId="0" animBg="1"/>
+    </p:bldLst>
+  </p:timing>
 </p:sld>
 </file>
 
@@ -7447,7 +11390,7 @@
           <p:cNvPr id="2" name="Titel 1">
             <a:extLst>
               <a:ext uri="{FF2B5EF4-FFF2-40B4-BE49-F238E27FC236}">
-                <a16:creationId xmlns:a16="http://schemas.microsoft.com/office/drawing/2014/main" id="{A9E29A43-5216-DB14-F6A0-FB48FD97C80D}"/>
+                <a16:creationId xmlns:a16="http://schemas.microsoft.com/office/drawing/2014/main" id="{6F156F5B-979E-3C66-72C4-02A1731391C3}"/>
               </a:ext>
             </a:extLst>
           </p:cNvPr>
@@ -7464,79 +11407,9 @@
           <a:lstStyle/>
           <a:p>
             <a:r>
-              <a:rPr lang="de-DE" dirty="0" err="1"/>
-              <a:t>Difficulties</a:t>
-            </a:r>
-            <a:endParaRPr lang="de-DE" dirty="0"/>
-          </a:p>
-        </p:txBody>
-      </p:sp>
-      <p:sp>
-        <p:nvSpPr>
-          <p:cNvPr id="3" name="Inhaltsplatzhalter 2">
-            <a:extLst>
-              <a:ext uri="{FF2B5EF4-FFF2-40B4-BE49-F238E27FC236}">
-                <a16:creationId xmlns:a16="http://schemas.microsoft.com/office/drawing/2014/main" id="{BD83AB34-EB3E-5DDF-DA83-B869E9482A0F}"/>
-              </a:ext>
-            </a:extLst>
-          </p:cNvPr>
-          <p:cNvSpPr>
-            <a:spLocks noGrp="1"/>
-          </p:cNvSpPr>
-          <p:nvPr>
-            <p:ph idx="1"/>
-          </p:nvPr>
-        </p:nvSpPr>
-        <p:spPr/>
-        <p:txBody>
-          <a:bodyPr/>
-          <a:lstStyle/>
-          <a:p>
-            <a:r>
-              <a:rPr lang="de-DE" dirty="0"/>
-              <a:t>Structured </a:t>
-            </a:r>
-            <a:r>
-              <a:rPr lang="de-DE" dirty="0" err="1"/>
-              <a:t>working</a:t>
-            </a:r>
-            <a:endParaRPr lang="de-DE" dirty="0"/>
-          </a:p>
-          <a:p>
-            <a:r>
-              <a:rPr lang="de-DE" dirty="0"/>
-              <a:t>Setting </a:t>
-            </a:r>
-            <a:r>
-              <a:rPr lang="de-DE" dirty="0" err="1"/>
-              <a:t>tensorflow</a:t>
-            </a:r>
-            <a:r>
-              <a:rPr lang="de-DE" dirty="0"/>
-              <a:t> on private </a:t>
-            </a:r>
-            <a:r>
-              <a:rPr lang="de-DE" dirty="0" err="1"/>
-              <a:t>machine</a:t>
-            </a:r>
-            <a:r>
-              <a:rPr lang="de-DE" dirty="0"/>
-              <a:t> (GPU not </a:t>
-            </a:r>
-            <a:r>
-              <a:rPr lang="de-DE" dirty="0" err="1"/>
-              <a:t>working</a:t>
-            </a:r>
-            <a:r>
-              <a:rPr lang="de-DE" dirty="0"/>
-              <a:t>)</a:t>
-            </a:r>
-          </a:p>
-          <a:p>
-            <a:endParaRPr lang="de-DE" dirty="0"/>
-          </a:p>
-          <a:p>
-            <a:endParaRPr lang="de-DE" dirty="0"/>
+              <a:rPr lang="de-DE" dirty="0"/>
+              <a:t>Implementation VGG19</a:t>
+            </a:r>
           </a:p>
         </p:txBody>
       </p:sp>
@@ -7545,7 +11418,7 @@
           <p:cNvPr id="4" name="Foliennummernplatzhalter 3">
             <a:extLst>
               <a:ext uri="{FF2B5EF4-FFF2-40B4-BE49-F238E27FC236}">
-                <a16:creationId xmlns:a16="http://schemas.microsoft.com/office/drawing/2014/main" id="{D5B5052B-6A43-270B-D9C9-D71BB778FD74}"/>
+                <a16:creationId xmlns:a16="http://schemas.microsoft.com/office/drawing/2014/main" id="{544673C4-C82A-1749-7BA9-E300EC1CFE7D}"/>
               </a:ext>
             </a:extLst>
           </p:cNvPr>
@@ -7569,10 +11442,284 @@
           </a:p>
         </p:txBody>
       </p:sp>
+      <p:sp>
+        <p:nvSpPr>
+          <p:cNvPr id="12" name="Textfeld 11">
+            <a:extLst>
+              <a:ext uri="{FF2B5EF4-FFF2-40B4-BE49-F238E27FC236}">
+                <a16:creationId xmlns:a16="http://schemas.microsoft.com/office/drawing/2014/main" id="{E0581C51-FDBA-44FB-ED16-B3C2EC9A38C6}"/>
+              </a:ext>
+            </a:extLst>
+          </p:cNvPr>
+          <p:cNvSpPr txBox="1"/>
+          <p:nvPr/>
+        </p:nvSpPr>
+        <p:spPr>
+          <a:xfrm>
+            <a:off x="1143000" y="5092492"/>
+            <a:ext cx="5334000" cy="369332"/>
+          </a:xfrm>
+          <a:prstGeom prst="rect">
+            <a:avLst/>
+          </a:prstGeom>
+          <a:noFill/>
+        </p:spPr>
+        <p:txBody>
+          <a:bodyPr wrap="square" rtlCol="0">
+            <a:spAutoFit/>
+          </a:bodyPr>
+          <a:lstStyle/>
+          <a:p>
+            <a:r>
+              <a:rPr lang="de-DE" dirty="0"/>
+              <a:t>Validation </a:t>
+            </a:r>
+            <a:r>
+              <a:rPr lang="de-DE" dirty="0" err="1"/>
+              <a:t>loss</a:t>
+            </a:r>
+            <a:r>
+              <a:rPr lang="de-DE" dirty="0"/>
+              <a:t>: 0.1</a:t>
+            </a:r>
+          </a:p>
+        </p:txBody>
+      </p:sp>
+      <p:pic>
+        <p:nvPicPr>
+          <p:cNvPr id="5" name="Grafik 4">
+            <a:extLst>
+              <a:ext uri="{FF2B5EF4-FFF2-40B4-BE49-F238E27FC236}">
+                <a16:creationId xmlns:a16="http://schemas.microsoft.com/office/drawing/2014/main" id="{0EE881D6-50EE-3954-FD0C-D3BDFC1CFF52}"/>
+              </a:ext>
+            </a:extLst>
+          </p:cNvPr>
+          <p:cNvPicPr>
+            <a:picLocks noChangeAspect="1"/>
+          </p:cNvPicPr>
+          <p:nvPr/>
+        </p:nvPicPr>
+        <p:blipFill>
+          <a:blip r:embed="rId3"/>
+          <a:stretch>
+            <a:fillRect/>
+          </a:stretch>
+        </p:blipFill>
+        <p:spPr>
+          <a:xfrm>
+            <a:off x="985134" y="1765508"/>
+            <a:ext cx="4901587" cy="3326984"/>
+          </a:xfrm>
+          <a:prstGeom prst="rect">
+            <a:avLst/>
+          </a:prstGeom>
+        </p:spPr>
+      </p:pic>
+      <p:sp>
+        <p:nvSpPr>
+          <p:cNvPr id="6" name="Textfeld 5">
+            <a:extLst>
+              <a:ext uri="{FF2B5EF4-FFF2-40B4-BE49-F238E27FC236}">
+                <a16:creationId xmlns:a16="http://schemas.microsoft.com/office/drawing/2014/main" id="{DA9B4FFF-39B6-2132-275A-B336AC00C83A}"/>
+              </a:ext>
+            </a:extLst>
+          </p:cNvPr>
+          <p:cNvSpPr txBox="1"/>
+          <p:nvPr/>
+        </p:nvSpPr>
+        <p:spPr>
+          <a:xfrm>
+            <a:off x="6664036" y="5092492"/>
+            <a:ext cx="3851564" cy="369332"/>
+          </a:xfrm>
+          <a:prstGeom prst="rect">
+            <a:avLst/>
+          </a:prstGeom>
+          <a:noFill/>
+        </p:spPr>
+        <p:txBody>
+          <a:bodyPr wrap="square" rtlCol="0">
+            <a:spAutoFit/>
+          </a:bodyPr>
+          <a:lstStyle/>
+          <a:p>
+            <a:r>
+              <a:rPr lang="de-DE" dirty="0"/>
+              <a:t>Validation </a:t>
+            </a:r>
+            <a:r>
+              <a:rPr lang="de-DE" dirty="0" err="1"/>
+              <a:t>accuracy</a:t>
+            </a:r>
+            <a:r>
+              <a:rPr lang="de-DE" dirty="0"/>
+              <a:t>: 0.97</a:t>
+            </a:r>
+          </a:p>
+        </p:txBody>
+      </p:sp>
+      <p:sp>
+        <p:nvSpPr>
+          <p:cNvPr id="13" name="Textfeld 12">
+            <a:extLst>
+              <a:ext uri="{FF2B5EF4-FFF2-40B4-BE49-F238E27FC236}">
+                <a16:creationId xmlns:a16="http://schemas.microsoft.com/office/drawing/2014/main" id="{60F14AC5-9D49-D2BE-CDF5-823BDA98FBFA}"/>
+              </a:ext>
+            </a:extLst>
+          </p:cNvPr>
+          <p:cNvSpPr txBox="1"/>
+          <p:nvPr/>
+        </p:nvSpPr>
+        <p:spPr>
+          <a:xfrm>
+            <a:off x="1143000" y="5793097"/>
+            <a:ext cx="6269182" cy="369332"/>
+          </a:xfrm>
+          <a:prstGeom prst="rect">
+            <a:avLst/>
+          </a:prstGeom>
+          <a:noFill/>
+        </p:spPr>
+        <p:txBody>
+          <a:bodyPr wrap="square" rtlCol="0">
+            <a:spAutoFit/>
+          </a:bodyPr>
+          <a:lstStyle/>
+          <a:p>
+            <a:r>
+              <a:rPr lang="de-DE" dirty="0">
+                <a:sym typeface="Wingdings" panose="05000000000000000000" pitchFamily="2" charset="2"/>
+              </a:rPr>
+              <a:t> Training </a:t>
+            </a:r>
+            <a:r>
+              <a:rPr lang="de-DE" dirty="0" err="1">
+                <a:sym typeface="Wingdings" panose="05000000000000000000" pitchFamily="2" charset="2"/>
+              </a:rPr>
+              <a:t>the</a:t>
+            </a:r>
+            <a:r>
+              <a:rPr lang="de-DE" dirty="0">
+                <a:sym typeface="Wingdings" panose="05000000000000000000" pitchFamily="2" charset="2"/>
+              </a:rPr>
+              <a:t> </a:t>
+            </a:r>
+            <a:r>
+              <a:rPr lang="de-DE" dirty="0" err="1">
+                <a:sym typeface="Wingdings" panose="05000000000000000000" pitchFamily="2" charset="2"/>
+              </a:rPr>
+              <a:t>model</a:t>
+            </a:r>
+            <a:r>
+              <a:rPr lang="de-DE" dirty="0">
+                <a:sym typeface="Wingdings" panose="05000000000000000000" pitchFamily="2" charset="2"/>
+              </a:rPr>
+              <a:t> </a:t>
+            </a:r>
+            <a:r>
+              <a:rPr lang="de-DE" dirty="0" err="1">
+                <a:sym typeface="Wingdings" panose="05000000000000000000" pitchFamily="2" charset="2"/>
+              </a:rPr>
+              <a:t>is</a:t>
+            </a:r>
+            <a:r>
+              <a:rPr lang="de-DE" dirty="0">
+                <a:sym typeface="Wingdings" panose="05000000000000000000" pitchFamily="2" charset="2"/>
+              </a:rPr>
+              <a:t> </a:t>
+            </a:r>
+            <a:r>
+              <a:rPr lang="de-DE" dirty="0" err="1">
+                <a:sym typeface="Wingdings" panose="05000000000000000000" pitchFamily="2" charset="2"/>
+              </a:rPr>
+              <a:t>much</a:t>
+            </a:r>
+            <a:r>
+              <a:rPr lang="de-DE" dirty="0">
+                <a:sym typeface="Wingdings" panose="05000000000000000000" pitchFamily="2" charset="2"/>
+              </a:rPr>
+              <a:t> </a:t>
+            </a:r>
+            <a:r>
+              <a:rPr lang="de-DE" dirty="0" err="1">
+                <a:sym typeface="Wingdings" panose="05000000000000000000" pitchFamily="2" charset="2"/>
+              </a:rPr>
+              <a:t>slower</a:t>
+            </a:r>
+            <a:r>
+              <a:rPr lang="de-DE" dirty="0">
+                <a:sym typeface="Wingdings" panose="05000000000000000000" pitchFamily="2" charset="2"/>
+              </a:rPr>
+              <a:t>: ~ 9 min/</a:t>
+            </a:r>
+            <a:r>
+              <a:rPr lang="de-DE" dirty="0" err="1">
+                <a:sym typeface="Wingdings" panose="05000000000000000000" pitchFamily="2" charset="2"/>
+              </a:rPr>
+              <a:t>epoch</a:t>
+            </a:r>
+            <a:r>
+              <a:rPr lang="de-DE" dirty="0">
+                <a:sym typeface="Wingdings" panose="05000000000000000000" pitchFamily="2" charset="2"/>
+              </a:rPr>
+              <a:t> </a:t>
+            </a:r>
+            <a:r>
+              <a:rPr lang="de-DE" dirty="0" err="1">
+                <a:sym typeface="Wingdings" panose="05000000000000000000" pitchFamily="2" charset="2"/>
+              </a:rPr>
+              <a:t>vs</a:t>
+            </a:r>
+            <a:r>
+              <a:rPr lang="de-DE" dirty="0">
+                <a:sym typeface="Wingdings" panose="05000000000000000000" pitchFamily="2" charset="2"/>
+              </a:rPr>
+              <a:t> 7 s/</a:t>
+            </a:r>
+            <a:r>
+              <a:rPr lang="de-DE" dirty="0" err="1">
+                <a:sym typeface="Wingdings" panose="05000000000000000000" pitchFamily="2" charset="2"/>
+              </a:rPr>
+              <a:t>epoch</a:t>
+            </a:r>
+            <a:endParaRPr lang="de-DE" dirty="0"/>
+          </a:p>
+        </p:txBody>
+      </p:sp>
+      <p:pic>
+        <p:nvPicPr>
+          <p:cNvPr id="16" name="Grafik 15">
+            <a:extLst>
+              <a:ext uri="{FF2B5EF4-FFF2-40B4-BE49-F238E27FC236}">
+                <a16:creationId xmlns:a16="http://schemas.microsoft.com/office/drawing/2014/main" id="{B72B6361-0CB4-31EF-1A75-8B528948FEB4}"/>
+              </a:ext>
+            </a:extLst>
+          </p:cNvPr>
+          <p:cNvPicPr>
+            <a:picLocks noChangeAspect="1"/>
+          </p:cNvPicPr>
+          <p:nvPr/>
+        </p:nvPicPr>
+        <p:blipFill>
+          <a:blip r:embed="rId4"/>
+          <a:stretch>
+            <a:fillRect/>
+          </a:stretch>
+        </p:blipFill>
+        <p:spPr>
+          <a:xfrm>
+            <a:off x="6504709" y="1765508"/>
+            <a:ext cx="4977778" cy="3326984"/>
+          </a:xfrm>
+          <a:prstGeom prst="rect">
+            <a:avLst/>
+          </a:prstGeom>
+        </p:spPr>
+      </p:pic>
     </p:spTree>
     <p:extLst>
       <p:ext uri="{BB962C8B-B14F-4D97-AF65-F5344CB8AC3E}">
-        <p14:creationId xmlns:p14="http://schemas.microsoft.com/office/powerpoint/2010/main" val="2068544664"/>
+        <p14:creationId xmlns:p14="http://schemas.microsoft.com/office/powerpoint/2010/main" val="1001791190"/>
       </p:ext>
     </p:extLst>
   </p:cSld>
